--- a/howe_d_labs/lab10/lab10-presentation_howe_d.pptx
+++ b/howe_d_labs/lab10/lab10-presentation_howe_d.pptx
@@ -5,23 +5,24 @@
     <p:sldMasterId id="2147483648" r:id="rId1"/>
   </p:sldMasterIdLst>
   <p:notesMasterIdLst>
-    <p:notesMasterId r:id="rId16"/>
+    <p:notesMasterId r:id="rId17"/>
   </p:notesMasterIdLst>
   <p:sldIdLst>
     <p:sldId id="256" r:id="rId2"/>
-    <p:sldId id="257" r:id="rId3"/>
-    <p:sldId id="258" r:id="rId4"/>
-    <p:sldId id="259" r:id="rId5"/>
-    <p:sldId id="261" r:id="rId6"/>
+    <p:sldId id="272" r:id="rId3"/>
+    <p:sldId id="261" r:id="rId4"/>
+    <p:sldId id="257" r:id="rId5"/>
+    <p:sldId id="259" r:id="rId6"/>
     <p:sldId id="262" r:id="rId7"/>
-    <p:sldId id="263" r:id="rId8"/>
-    <p:sldId id="264" r:id="rId9"/>
-    <p:sldId id="265" r:id="rId10"/>
-    <p:sldId id="266" r:id="rId11"/>
-    <p:sldId id="267" r:id="rId12"/>
-    <p:sldId id="268" r:id="rId13"/>
-    <p:sldId id="269" r:id="rId14"/>
-    <p:sldId id="270" r:id="rId15"/>
+    <p:sldId id="273" r:id="rId8"/>
+    <p:sldId id="275" r:id="rId9"/>
+    <p:sldId id="276" r:id="rId10"/>
+    <p:sldId id="258" r:id="rId11"/>
+    <p:sldId id="265" r:id="rId12"/>
+    <p:sldId id="266" r:id="rId13"/>
+    <p:sldId id="267" r:id="rId14"/>
+    <p:sldId id="274" r:id="rId15"/>
+    <p:sldId id="270" r:id="rId16"/>
   </p:sldIdLst>
   <p:sldSz cx="12192000" cy="6858000"/>
   <p:notesSz cx="6858000" cy="9144000"/>
@@ -120,6 +121,11 @@
       </a:defRPr>
     </a:lvl9pPr>
   </p:defaultTextStyle>
+  <p:extLst>
+    <p:ext uri="{EFAFB233-063F-42B5-8137-9DF3F51BA10A}">
+      <p15:sldGuideLst xmlns:p15="http://schemas.microsoft.com/office/powerpoint/2012/main"/>
+    </p:ext>
+  </p:extLst>
 </p:presentation>
 </file>
 
@@ -205,7 +211,7 @@
           <a:p>
             <a:fld id="{6EBDC899-8146-8142-AB96-6BC653C2B287}" type="datetimeFigureOut">
               <a:rPr lang="en-US" smtClean="0"/>
-              <a:t>3/23/18</a:t>
+              <a:t>3/24/18</a:t>
             </a:fld>
             <a:endParaRPr lang="en-US"/>
           </a:p>
@@ -687,7 +693,7 @@
             <a:fld id="{B61BEF0D-F0BB-DE4B-95CE-6DB70DBA9567}" type="datetimeFigureOut">
               <a:rPr lang="en-US" dirty="0"/>
               <a:pPr/>
-              <a:t>3/23/18</a:t>
+              <a:t>3/24/18</a:t>
             </a:fld>
             <a:endParaRPr lang="en-US" dirty="0"/>
           </a:p>
@@ -975,7 +981,7 @@
             <a:fld id="{B61BEF0D-F0BB-DE4B-95CE-6DB70DBA9567}" type="datetimeFigureOut">
               <a:rPr lang="en-US" dirty="0"/>
               <a:pPr/>
-              <a:t>3/23/18</a:t>
+              <a:t>3/24/18</a:t>
             </a:fld>
             <a:endParaRPr lang="en-US" dirty="0"/>
           </a:p>
@@ -1231,7 +1237,7 @@
             <a:fld id="{B61BEF0D-F0BB-DE4B-95CE-6DB70DBA9567}" type="datetimeFigureOut">
               <a:rPr lang="en-US" dirty="0"/>
               <a:pPr/>
-              <a:t>3/23/18</a:t>
+              <a:t>3/24/18</a:t>
             </a:fld>
             <a:endParaRPr lang="en-US" dirty="0"/>
           </a:p>
@@ -1697,7 +1703,7 @@
             <a:fld id="{B61BEF0D-F0BB-DE4B-95CE-6DB70DBA9567}" type="datetimeFigureOut">
               <a:rPr lang="en-US" dirty="0"/>
               <a:pPr/>
-              <a:t>3/23/18</a:t>
+              <a:t>3/24/18</a:t>
             </a:fld>
             <a:endParaRPr lang="en-US" dirty="0"/>
           </a:p>
@@ -1874,7 +1880,7 @@
             <a:fld id="{B61BEF0D-F0BB-DE4B-95CE-6DB70DBA9567}" type="datetimeFigureOut">
               <a:rPr lang="en-US" dirty="0"/>
               <a:pPr/>
-              <a:t>3/23/18</a:t>
+              <a:t>3/24/18</a:t>
             </a:fld>
             <a:endParaRPr lang="en-US" dirty="0"/>
           </a:p>
@@ -2447,7 +2453,7 @@
             <a:fld id="{B61BEF0D-F0BB-DE4B-95CE-6DB70DBA9567}" type="datetimeFigureOut">
               <a:rPr lang="en-US" dirty="0"/>
               <a:pPr/>
-              <a:t>3/23/18</a:t>
+              <a:t>3/24/18</a:t>
             </a:fld>
             <a:endParaRPr lang="en-US" dirty="0"/>
           </a:p>
@@ -2776,7 +2782,7 @@
             <a:fld id="{B61BEF0D-F0BB-DE4B-95CE-6DB70DBA9567}" type="datetimeFigureOut">
               <a:rPr lang="en-US" dirty="0"/>
               <a:pPr/>
-              <a:t>3/23/18</a:t>
+              <a:t>3/24/18</a:t>
             </a:fld>
             <a:endParaRPr lang="en-US" dirty="0"/>
           </a:p>
@@ -2948,7 +2954,7 @@
             <a:fld id="{B61BEF0D-F0BB-DE4B-95CE-6DB70DBA9567}" type="datetimeFigureOut">
               <a:rPr lang="en-US" dirty="0"/>
               <a:pPr/>
-              <a:t>3/23/18</a:t>
+              <a:t>3/24/18</a:t>
             </a:fld>
             <a:endParaRPr lang="en-US" dirty="0"/>
           </a:p>
@@ -3125,7 +3131,7 @@
             <a:fld id="{B61BEF0D-F0BB-DE4B-95CE-6DB70DBA9567}" type="datetimeFigureOut">
               <a:rPr lang="en-US" dirty="0"/>
               <a:pPr/>
-              <a:t>3/23/18</a:t>
+              <a:t>3/24/18</a:t>
             </a:fld>
             <a:endParaRPr lang="en-US" dirty="0"/>
           </a:p>
@@ -3292,7 +3298,7 @@
             <a:fld id="{B61BEF0D-F0BB-DE4B-95CE-6DB70DBA9567}" type="datetimeFigureOut">
               <a:rPr lang="en-US" dirty="0"/>
               <a:pPr/>
-              <a:t>3/23/18</a:t>
+              <a:t>3/24/18</a:t>
             </a:fld>
             <a:endParaRPr lang="en-US" dirty="0"/>
           </a:p>
@@ -3546,7 +3552,7 @@
             <a:fld id="{B61BEF0D-F0BB-DE4B-95CE-6DB70DBA9567}" type="datetimeFigureOut">
               <a:rPr lang="en-US" dirty="0"/>
               <a:pPr/>
-              <a:t>3/23/18</a:t>
+              <a:t>3/24/18</a:t>
             </a:fld>
             <a:endParaRPr lang="en-US" dirty="0"/>
           </a:p>
@@ -3835,7 +3841,7 @@
             <a:fld id="{B61BEF0D-F0BB-DE4B-95CE-6DB70DBA9567}" type="datetimeFigureOut">
               <a:rPr lang="en-US" dirty="0"/>
               <a:pPr/>
-              <a:t>3/23/18</a:t>
+              <a:t>3/24/18</a:t>
             </a:fld>
             <a:endParaRPr lang="en-US" dirty="0"/>
           </a:p>
@@ -4262,7 +4268,7 @@
             <a:fld id="{B61BEF0D-F0BB-DE4B-95CE-6DB70DBA9567}" type="datetimeFigureOut">
               <a:rPr lang="en-US" dirty="0"/>
               <a:pPr/>
-              <a:t>3/23/18</a:t>
+              <a:t>3/24/18</a:t>
             </a:fld>
             <a:endParaRPr lang="en-US" dirty="0"/>
           </a:p>
@@ -4377,7 +4383,7 @@
             <a:fld id="{B61BEF0D-F0BB-DE4B-95CE-6DB70DBA9567}" type="datetimeFigureOut">
               <a:rPr lang="en-US" dirty="0"/>
               <a:pPr/>
-              <a:t>3/23/18</a:t>
+              <a:t>3/24/18</a:t>
             </a:fld>
             <a:endParaRPr lang="en-US" dirty="0"/>
           </a:p>
@@ -4469,7 +4475,7 @@
             <a:fld id="{B61BEF0D-F0BB-DE4B-95CE-6DB70DBA9567}" type="datetimeFigureOut">
               <a:rPr lang="en-US" dirty="0"/>
               <a:pPr/>
-              <a:t>3/23/18</a:t>
+              <a:t>3/24/18</a:t>
             </a:fld>
             <a:endParaRPr lang="en-US" dirty="0"/>
           </a:p>
@@ -4749,7 +4755,7 @@
             <a:fld id="{B61BEF0D-F0BB-DE4B-95CE-6DB70DBA9567}" type="datetimeFigureOut">
               <a:rPr lang="en-US" dirty="0"/>
               <a:pPr/>
-              <a:t>3/23/18</a:t>
+              <a:t>3/24/18</a:t>
             </a:fld>
             <a:endParaRPr lang="en-US" dirty="0"/>
           </a:p>
@@ -5037,7 +5043,7 @@
             <a:fld id="{B61BEF0D-F0BB-DE4B-95CE-6DB70DBA9567}" type="datetimeFigureOut">
               <a:rPr lang="en-US" dirty="0"/>
               <a:pPr/>
-              <a:t>3/23/18</a:t>
+              <a:t>3/24/18</a:t>
             </a:fld>
             <a:endParaRPr lang="en-US" dirty="0"/>
           </a:p>
@@ -5265,7 +5271,7 @@
             <a:fld id="{B61BEF0D-F0BB-DE4B-95CE-6DB70DBA9567}" type="datetimeFigureOut">
               <a:rPr lang="en-US" dirty="0"/>
               <a:pPr/>
-              <a:t>3/23/18</a:t>
+              <a:t>3/24/18</a:t>
             </a:fld>
             <a:endParaRPr lang="en-US" dirty="0"/>
           </a:p>
@@ -6040,22 +6046,23 @@
             <p:ph type="ctrTitle"/>
           </p:nvPr>
         </p:nvSpPr>
-        <p:spPr/>
+        <p:spPr>
+          <a:xfrm>
+            <a:off x="1751012" y="1937656"/>
+            <a:ext cx="8676222" cy="1001487"/>
+          </a:xfrm>
+        </p:spPr>
         <p:txBody>
           <a:bodyPr/>
           <a:lstStyle/>
           <a:p>
             <a:r>
               <a:rPr lang="en-US" dirty="0" smtClean="0"/>
-              <a:t>String operators and modifying </a:t>
-            </a:r>
-            <a:r>
-              <a:rPr lang="en-US" u="sng" dirty="0" smtClean="0"/>
-              <a:t>the</a:t>
+              <a:t>Strings in </a:t>
             </a:r>
             <a:r>
               <a:rPr lang="en-US" dirty="0" smtClean="0"/>
-              <a:t> immutable string in python</a:t>
+              <a:t>python</a:t>
             </a:r>
             <a:endParaRPr lang="en-US" dirty="0"/>
           </a:p>
@@ -6151,6 +6158,13 @@
   <p:clrMapOvr>
     <a:masterClrMapping/>
   </p:clrMapOvr>
+  <p:timing>
+    <p:tnLst>
+      <p:par>
+        <p:cTn id="1" dur="indefinite" restart="never" nodeType="tmRoot"/>
+      </p:par>
+    </p:tnLst>
+  </p:timing>
 </p:sld>
 </file>
 
@@ -6171,9 +6185,164 @@
           <a:chExt cx="0" cy="0"/>
         </a:xfrm>
       </p:grpSpPr>
+      <p:sp>
+        <p:nvSpPr>
+          <p:cNvPr id="2" name="Title 1"/>
+          <p:cNvSpPr>
+            <a:spLocks noGrp="1"/>
+          </p:cNvSpPr>
+          <p:nvPr>
+            <p:ph type="title"/>
+          </p:nvPr>
+        </p:nvSpPr>
+        <p:spPr/>
+        <p:txBody>
+          <a:bodyPr/>
+          <a:lstStyle/>
+          <a:p>
+            <a:r>
+              <a:rPr lang="en-US" dirty="0" smtClean="0"/>
+              <a:t>Built in string </a:t>
+            </a:r>
+            <a:r>
+              <a:rPr lang="en-US" dirty="0" smtClean="0"/>
+              <a:t>methods</a:t>
+            </a:r>
+            <a:endParaRPr lang="en-US" dirty="0"/>
+          </a:p>
+        </p:txBody>
+      </p:sp>
+      <p:sp>
+        <p:nvSpPr>
+          <p:cNvPr id="3" name="Content Placeholder 2"/>
+          <p:cNvSpPr>
+            <a:spLocks noGrp="1"/>
+          </p:cNvSpPr>
+          <p:nvPr>
+            <p:ph idx="1"/>
+          </p:nvPr>
+        </p:nvSpPr>
+        <p:spPr>
+          <a:xfrm>
+            <a:off x="1805959" y="2514600"/>
+            <a:ext cx="7588763" cy="3124201"/>
+          </a:xfrm>
+        </p:spPr>
+        <p:txBody>
+          <a:bodyPr>
+            <a:normAutofit/>
+          </a:bodyPr>
+          <a:lstStyle/>
+          <a:p>
+            <a:pPr marL="0" indent="0">
+              <a:buNone/>
+            </a:pPr>
+            <a:r>
+              <a:rPr lang="en-US" sz="3200" cap="none" dirty="0">
+                <a:solidFill>
+                  <a:schemeClr val="tx1"/>
+                </a:solidFill>
+                <a:latin typeface="Andale Mono" charset="0"/>
+                <a:ea typeface="Andale Mono" charset="0"/>
+                <a:cs typeface="Andale Mono" charset="0"/>
+              </a:rPr>
+              <a:t>&gt;&gt;&gt;</a:t>
+            </a:r>
+            <a:r>
+              <a:rPr lang="en-US" sz="3200" cap="none" dirty="0" smtClean="0">
+                <a:solidFill>
+                  <a:srgbClr val="00B050"/>
+                </a:solidFill>
+                <a:latin typeface="Andale Mono" charset="0"/>
+                <a:ea typeface="Andale Mono" charset="0"/>
+                <a:cs typeface="Andale Mono" charset="0"/>
+              </a:rPr>
+              <a:t> variable2 </a:t>
+            </a:r>
+            <a:r>
+              <a:rPr lang="en-US" sz="3200" cap="none" dirty="0">
+                <a:latin typeface="Andale Mono" charset="0"/>
+                <a:ea typeface="Andale Mono" charset="0"/>
+                <a:cs typeface="Andale Mono" charset="0"/>
+              </a:rPr>
+              <a:t>= </a:t>
+            </a:r>
+            <a:r>
+              <a:rPr lang="en-US" sz="3200" cap="none" dirty="0" smtClean="0">
+                <a:latin typeface="Andale Mono" charset="0"/>
+                <a:ea typeface="Andale Mono" charset="0"/>
+                <a:cs typeface="Andale Mono" charset="0"/>
+              </a:rPr>
+              <a:t>‘123’</a:t>
+            </a:r>
+            <a:endParaRPr lang="en-US" sz="3200" cap="none" dirty="0" smtClean="0">
+              <a:solidFill>
+                <a:srgbClr val="FF0000"/>
+              </a:solidFill>
+              <a:latin typeface="Andale Mono" charset="0"/>
+              <a:ea typeface="Andale Mono" charset="0"/>
+              <a:cs typeface="Andale Mono" charset="0"/>
+            </a:endParaRPr>
+          </a:p>
+          <a:p>
+            <a:pPr marL="0" indent="0">
+              <a:buNone/>
+            </a:pPr>
+            <a:r>
+              <a:rPr lang="en-US" sz="3200" cap="none" dirty="0" smtClean="0">
+                <a:solidFill>
+                  <a:schemeClr val="tx1"/>
+                </a:solidFill>
+                <a:latin typeface="Andale Mono" charset="0"/>
+                <a:ea typeface="Andale Mono" charset="0"/>
+                <a:cs typeface="Andale Mono" charset="0"/>
+              </a:rPr>
+              <a:t>&gt;&gt;&gt; print </a:t>
+            </a:r>
+            <a:r>
+              <a:rPr lang="en-US" sz="3200" cap="none" dirty="0" smtClean="0">
+                <a:solidFill>
+                  <a:srgbClr val="00B050"/>
+                </a:solidFill>
+                <a:latin typeface="Andale Mono" charset="0"/>
+                <a:ea typeface="Andale Mono" charset="0"/>
+                <a:cs typeface="Andale Mono" charset="0"/>
+              </a:rPr>
+              <a:t>variable2.</a:t>
+            </a:r>
+            <a:r>
+              <a:rPr lang="en-US" sz="3200" u="sng" cap="none" dirty="0" smtClean="0">
+                <a:solidFill>
+                  <a:schemeClr val="tx1"/>
+                </a:solidFill>
+                <a:latin typeface="Andale Mono" charset="0"/>
+                <a:ea typeface="Andale Mono" charset="0"/>
+                <a:cs typeface="Andale Mono" charset="0"/>
+              </a:rPr>
+              <a:t>isalpha()</a:t>
+            </a:r>
+          </a:p>
+          <a:p>
+            <a:pPr marL="0" indent="0">
+              <a:buNone/>
+            </a:pPr>
+            <a:r>
+              <a:rPr lang="en-US" sz="3200" cap="none" dirty="0" smtClean="0">
+                <a:solidFill>
+                  <a:schemeClr val="tx1"/>
+                </a:solidFill>
+                <a:latin typeface="Andale Mono" charset="0"/>
+                <a:ea typeface="Andale Mono" charset="0"/>
+                <a:cs typeface="Andale Mono" charset="0"/>
+              </a:rPr>
+              <a:t>False</a:t>
+            </a:r>
+          </a:p>
+        </p:txBody>
+      </p:sp>
       <p:pic>
         <p:nvPicPr>
-          <p:cNvPr id="7" name="Picture 6"/>
+          <p:cNvPr id="5" name="Picture 4"/>
           <p:cNvPicPr>
             <a:picLocks noChangeAspect="1"/>
           </p:cNvPicPr>
@@ -6193,8 +6362,8 @@
         </p:blipFill>
         <p:spPr>
           <a:xfrm>
-            <a:off x="267211" y="952500"/>
-            <a:ext cx="1219200" cy="1219200"/>
+            <a:off x="320992" y="1196339"/>
+            <a:ext cx="731521" cy="731521"/>
           </a:xfrm>
           <a:prstGeom prst="rect">
             <a:avLst/>
@@ -6209,918 +6378,23 @@
           </a:effectLst>
         </p:spPr>
       </p:pic>
-      <p:sp>
-        <p:nvSpPr>
-          <p:cNvPr id="2" name="Title 1"/>
-          <p:cNvSpPr>
-            <a:spLocks noGrp="1"/>
-          </p:cNvSpPr>
-          <p:nvPr>
-            <p:ph type="title"/>
-          </p:nvPr>
-        </p:nvSpPr>
-        <p:spPr/>
-        <p:txBody>
-          <a:bodyPr/>
-          <a:lstStyle/>
-          <a:p>
-            <a:r>
-              <a:rPr lang="en-US" dirty="0"/>
-              <a:t>Programming lab exercise: </a:t>
-            </a:r>
-            <a:r>
-              <a:rPr lang="en-US" dirty="0" smtClean="0"/>
-              <a:t/>
-            </a:r>
-            <a:br>
-              <a:rPr lang="en-US" dirty="0" smtClean="0"/>
-            </a:br>
-            <a:r>
-              <a:rPr lang="en-US" dirty="0" smtClean="0"/>
-              <a:t>Hangman pseudocode (part two)</a:t>
-            </a:r>
-            <a:endParaRPr lang="en-US" dirty="0"/>
-          </a:p>
-        </p:txBody>
-      </p:sp>
-      <p:sp>
-        <p:nvSpPr>
-          <p:cNvPr id="3" name="Content Placeholder 2"/>
-          <p:cNvSpPr>
-            <a:spLocks noGrp="1"/>
-          </p:cNvSpPr>
-          <p:nvPr>
-            <p:ph idx="1"/>
-          </p:nvPr>
-        </p:nvSpPr>
-        <p:spPr>
-          <a:xfrm>
-            <a:off x="1141413" y="2514600"/>
-            <a:ext cx="10170600" cy="4063181"/>
-          </a:xfrm>
-        </p:spPr>
-        <p:txBody>
-          <a:bodyPr>
-            <a:normAutofit/>
-          </a:bodyPr>
-          <a:lstStyle/>
-          <a:p>
-            <a:pPr marL="0" indent="0">
-              <a:buNone/>
-            </a:pPr>
-            <a:r>
-              <a:rPr lang="en-US" sz="1800" cap="none" dirty="0" smtClean="0">
-                <a:solidFill>
-                  <a:schemeClr val="tx1"/>
-                </a:solidFill>
-                <a:latin typeface="Andale Mono" charset="0"/>
-                <a:ea typeface="Andale Mono" charset="0"/>
-                <a:cs typeface="Andale Mono" charset="0"/>
-              </a:rPr>
-              <a:t>for </a:t>
-            </a:r>
-            <a:r>
-              <a:rPr lang="en-US" sz="1800" cap="none" dirty="0" err="1" smtClean="0">
-                <a:solidFill>
-                  <a:schemeClr val="tx1"/>
-                </a:solidFill>
-                <a:latin typeface="Andale Mono" charset="0"/>
-                <a:ea typeface="Andale Mono" charset="0"/>
-                <a:cs typeface="Andale Mono" charset="0"/>
-              </a:rPr>
-              <a:t>len</a:t>
-            </a:r>
-            <a:r>
-              <a:rPr lang="en-US" sz="1800" cap="none" dirty="0" smtClean="0">
-                <a:solidFill>
-                  <a:schemeClr val="tx1"/>
-                </a:solidFill>
-                <a:latin typeface="Andale Mono" charset="0"/>
-                <a:ea typeface="Andale Mono" charset="0"/>
-                <a:cs typeface="Andale Mono" charset="0"/>
-              </a:rPr>
-              <a:t>(</a:t>
-            </a:r>
-            <a:r>
-              <a:rPr lang="en-US" sz="1800" cap="none" dirty="0" smtClean="0">
-                <a:solidFill>
-                  <a:srgbClr val="00B050"/>
-                </a:solidFill>
-                <a:latin typeface="Andale Mono" charset="0"/>
-                <a:ea typeface="Andale Mono" charset="0"/>
-                <a:cs typeface="Andale Mono" charset="0"/>
-              </a:rPr>
-              <a:t>word</a:t>
-            </a:r>
-            <a:r>
-              <a:rPr lang="en-US" sz="1800" cap="none" dirty="0" smtClean="0">
-                <a:solidFill>
-                  <a:schemeClr val="tx1"/>
-                </a:solidFill>
-                <a:latin typeface="Andale Mono" charset="0"/>
-                <a:ea typeface="Andale Mono" charset="0"/>
-                <a:cs typeface="Andale Mono" charset="0"/>
-              </a:rPr>
-              <a:t>):</a:t>
-            </a:r>
-          </a:p>
-          <a:p>
-            <a:pPr marL="0" indent="0">
-              <a:buNone/>
-            </a:pPr>
-            <a:r>
-              <a:rPr lang="en-US" sz="1800" cap="none" dirty="0">
-                <a:solidFill>
-                  <a:schemeClr val="tx1"/>
-                </a:solidFill>
-                <a:latin typeface="Andale Mono" charset="0"/>
-                <a:ea typeface="Andale Mono" charset="0"/>
-                <a:cs typeface="Andale Mono" charset="0"/>
-              </a:rPr>
-              <a:t>	</a:t>
-            </a:r>
-            <a:r>
-              <a:rPr lang="en-US" sz="1800" cap="none" dirty="0" smtClean="0">
-                <a:solidFill>
-                  <a:schemeClr val="tx1"/>
-                </a:solidFill>
-                <a:latin typeface="Andale Mono" charset="0"/>
-                <a:ea typeface="Andale Mono" charset="0"/>
-                <a:cs typeface="Andale Mono" charset="0"/>
-              </a:rPr>
-              <a:t>if (</a:t>
-            </a:r>
-            <a:r>
-              <a:rPr lang="en-US" sz="1800" cap="none" dirty="0" err="1" smtClean="0">
-                <a:solidFill>
-                  <a:srgbClr val="00B050"/>
-                </a:solidFill>
-                <a:latin typeface="Andale Mono" charset="0"/>
-                <a:ea typeface="Andale Mono" charset="0"/>
-                <a:cs typeface="Andale Mono" charset="0"/>
-              </a:rPr>
-              <a:t>userInput</a:t>
-            </a:r>
-            <a:r>
-              <a:rPr lang="en-US" sz="1800" cap="none" dirty="0" smtClean="0">
-                <a:solidFill>
-                  <a:srgbClr val="00B050"/>
-                </a:solidFill>
-                <a:latin typeface="Andale Mono" charset="0"/>
-                <a:ea typeface="Andale Mono" charset="0"/>
-                <a:cs typeface="Andale Mono" charset="0"/>
-              </a:rPr>
-              <a:t> </a:t>
-            </a:r>
-            <a:r>
-              <a:rPr lang="en-US" sz="1800" cap="none" dirty="0" smtClean="0">
-                <a:solidFill>
-                  <a:schemeClr val="tx1"/>
-                </a:solidFill>
-                <a:latin typeface="Andale Mono" charset="0"/>
-                <a:ea typeface="Andale Mono" charset="0"/>
-                <a:cs typeface="Andale Mono" charset="0"/>
-              </a:rPr>
-              <a:t>== </a:t>
-            </a:r>
-            <a:r>
-              <a:rPr lang="en-US" sz="1800" cap="none" dirty="0" smtClean="0">
-                <a:solidFill>
-                  <a:srgbClr val="00B050"/>
-                </a:solidFill>
-                <a:latin typeface="Andale Mono" charset="0"/>
-                <a:ea typeface="Andale Mono" charset="0"/>
-                <a:cs typeface="Andale Mono" charset="0"/>
-              </a:rPr>
-              <a:t>word</a:t>
-            </a:r>
-            <a:r>
-              <a:rPr lang="en-US" sz="1800" cap="none" dirty="0" smtClean="0">
-                <a:solidFill>
-                  <a:schemeClr val="tx1"/>
-                </a:solidFill>
-                <a:latin typeface="Andale Mono" charset="0"/>
-                <a:ea typeface="Andale Mono" charset="0"/>
-                <a:cs typeface="Andale Mono" charset="0"/>
-              </a:rPr>
-              <a:t>[</a:t>
-            </a:r>
-            <a:r>
-              <a:rPr lang="en-US" sz="1800" cap="none" dirty="0" err="1" smtClean="0">
-                <a:solidFill>
-                  <a:schemeClr val="tx1"/>
-                </a:solidFill>
-                <a:latin typeface="Andale Mono" charset="0"/>
-                <a:ea typeface="Andale Mono" charset="0"/>
-                <a:cs typeface="Andale Mono" charset="0"/>
-              </a:rPr>
-              <a:t>i</a:t>
-            </a:r>
-            <a:r>
-              <a:rPr lang="en-US" sz="1800" cap="none" dirty="0" smtClean="0">
-                <a:solidFill>
-                  <a:schemeClr val="tx1"/>
-                </a:solidFill>
-                <a:latin typeface="Andale Mono" charset="0"/>
-                <a:ea typeface="Andale Mono" charset="0"/>
-                <a:cs typeface="Andale Mono" charset="0"/>
-              </a:rPr>
-              <a:t>] and </a:t>
-            </a:r>
-            <a:r>
-              <a:rPr lang="en-US" sz="1800" cap="none" dirty="0" err="1" smtClean="0">
-                <a:solidFill>
-                  <a:srgbClr val="00B050"/>
-                </a:solidFill>
-                <a:latin typeface="Andale Mono" charset="0"/>
-                <a:ea typeface="Andale Mono" charset="0"/>
-                <a:cs typeface="Andale Mono" charset="0"/>
-              </a:rPr>
-              <a:t>inputHistory</a:t>
-            </a:r>
-            <a:r>
-              <a:rPr lang="en-US" sz="1800" cap="none" dirty="0" smtClean="0">
-                <a:solidFill>
-                  <a:schemeClr val="tx1"/>
-                </a:solidFill>
-                <a:latin typeface="Andale Mono" charset="0"/>
-                <a:ea typeface="Andale Mono" charset="0"/>
-                <a:cs typeface="Andale Mono" charset="0"/>
-              </a:rPr>
-              <a:t>[</a:t>
-            </a:r>
-            <a:r>
-              <a:rPr lang="en-US" sz="1800" cap="none" dirty="0" err="1" smtClean="0">
-                <a:solidFill>
-                  <a:schemeClr val="tx1"/>
-                </a:solidFill>
-                <a:latin typeface="Andale Mono" charset="0"/>
-                <a:ea typeface="Andale Mono" charset="0"/>
-                <a:cs typeface="Andale Mono" charset="0"/>
-              </a:rPr>
-              <a:t>i</a:t>
-            </a:r>
-            <a:r>
-              <a:rPr lang="en-US" sz="1800" cap="none" dirty="0" smtClean="0">
-                <a:solidFill>
-                  <a:schemeClr val="tx1"/>
-                </a:solidFill>
-                <a:latin typeface="Andale Mono" charset="0"/>
-                <a:ea typeface="Andale Mono" charset="0"/>
-                <a:cs typeface="Andale Mono" charset="0"/>
-              </a:rPr>
-              <a:t>].</a:t>
-            </a:r>
-            <a:r>
-              <a:rPr lang="en-US" sz="1800" cap="none" dirty="0" err="1" smtClean="0">
-                <a:solidFill>
-                  <a:schemeClr val="tx1"/>
-                </a:solidFill>
-                <a:latin typeface="Andale Mono" charset="0"/>
-                <a:ea typeface="Andale Mono" charset="0"/>
-                <a:cs typeface="Andale Mono" charset="0"/>
-              </a:rPr>
-              <a:t>isalpha</a:t>
-            </a:r>
-            <a:r>
-              <a:rPr lang="en-US" sz="1800" cap="none" dirty="0" smtClean="0">
-                <a:solidFill>
-                  <a:schemeClr val="tx1"/>
-                </a:solidFill>
-                <a:latin typeface="Andale Mono" charset="0"/>
-                <a:ea typeface="Andale Mono" charset="0"/>
-                <a:cs typeface="Andale Mono" charset="0"/>
-              </a:rPr>
-              <a:t>() == false):</a:t>
-            </a:r>
-          </a:p>
-          <a:p>
-            <a:pPr marL="0" indent="0">
-              <a:buNone/>
-            </a:pPr>
-            <a:r>
-              <a:rPr lang="en-US" sz="1800" cap="none" dirty="0">
-                <a:solidFill>
-                  <a:schemeClr val="tx1"/>
-                </a:solidFill>
-                <a:latin typeface="Andale Mono" charset="0"/>
-                <a:ea typeface="Andale Mono" charset="0"/>
-                <a:cs typeface="Andale Mono" charset="0"/>
-              </a:rPr>
-              <a:t>	</a:t>
-            </a:r>
-            <a:r>
-              <a:rPr lang="en-US" sz="1800" cap="none" dirty="0" smtClean="0">
-                <a:solidFill>
-                  <a:schemeClr val="tx1"/>
-                </a:solidFill>
-                <a:latin typeface="Andale Mono" charset="0"/>
-                <a:ea typeface="Andale Mono" charset="0"/>
-                <a:cs typeface="Andale Mono" charset="0"/>
-              </a:rPr>
-              <a:t>	</a:t>
-            </a:r>
-            <a:r>
-              <a:rPr lang="en-US" sz="1800" cap="none" dirty="0" err="1" smtClean="0">
-                <a:solidFill>
-                  <a:srgbClr val="00B050"/>
-                </a:solidFill>
-                <a:latin typeface="Andale Mono" charset="0"/>
-                <a:ea typeface="Andale Mono" charset="0"/>
-                <a:cs typeface="Andale Mono" charset="0"/>
-              </a:rPr>
-              <a:t>newString</a:t>
-            </a:r>
-            <a:r>
-              <a:rPr lang="en-US" sz="1800" cap="none" dirty="0" smtClean="0">
-                <a:solidFill>
-                  <a:srgbClr val="00B050"/>
-                </a:solidFill>
-                <a:latin typeface="Andale Mono" charset="0"/>
-                <a:ea typeface="Andale Mono" charset="0"/>
-                <a:cs typeface="Andale Mono" charset="0"/>
-              </a:rPr>
-              <a:t> </a:t>
-            </a:r>
-            <a:r>
-              <a:rPr lang="en-US" sz="1800" cap="none" dirty="0" smtClean="0">
-                <a:solidFill>
-                  <a:schemeClr val="tx1"/>
-                </a:solidFill>
-                <a:latin typeface="Andale Mono" charset="0"/>
-                <a:ea typeface="Andale Mono" charset="0"/>
-                <a:cs typeface="Andale Mono" charset="0"/>
-              </a:rPr>
-              <a:t>= </a:t>
-            </a:r>
-            <a:r>
-              <a:rPr lang="en-US" sz="1800" cap="none" dirty="0" err="1" smtClean="0">
-                <a:solidFill>
-                  <a:srgbClr val="00B050"/>
-                </a:solidFill>
-                <a:latin typeface="Andale Mono" charset="0"/>
-                <a:ea typeface="Andale Mono" charset="0"/>
-                <a:cs typeface="Andale Mono" charset="0"/>
-              </a:rPr>
-              <a:t>newString</a:t>
-            </a:r>
-            <a:r>
-              <a:rPr lang="en-US" sz="1800" cap="none" dirty="0" smtClean="0">
-                <a:solidFill>
-                  <a:srgbClr val="00B050"/>
-                </a:solidFill>
-                <a:latin typeface="Andale Mono" charset="0"/>
-                <a:ea typeface="Andale Mono" charset="0"/>
-                <a:cs typeface="Andale Mono" charset="0"/>
-              </a:rPr>
-              <a:t> </a:t>
-            </a:r>
-            <a:r>
-              <a:rPr lang="en-US" sz="1800" cap="none" dirty="0" smtClean="0">
-                <a:solidFill>
-                  <a:schemeClr val="tx1"/>
-                </a:solidFill>
-                <a:latin typeface="Andale Mono" charset="0"/>
-                <a:ea typeface="Andale Mono" charset="0"/>
-                <a:cs typeface="Andale Mono" charset="0"/>
-              </a:rPr>
-              <a:t>+ </a:t>
-            </a:r>
-            <a:r>
-              <a:rPr lang="en-US" sz="1800" cap="none" dirty="0" err="1" smtClean="0">
-                <a:solidFill>
-                  <a:srgbClr val="00B050"/>
-                </a:solidFill>
-                <a:latin typeface="Andale Mono" charset="0"/>
-                <a:ea typeface="Andale Mono" charset="0"/>
-                <a:cs typeface="Andale Mono" charset="0"/>
-              </a:rPr>
-              <a:t>userInput</a:t>
-            </a:r>
-            <a:endParaRPr lang="en-US" sz="1800" cap="none" dirty="0" smtClean="0">
-              <a:solidFill>
-                <a:srgbClr val="00B050"/>
-              </a:solidFill>
-              <a:latin typeface="Andale Mono" charset="0"/>
-              <a:ea typeface="Andale Mono" charset="0"/>
-              <a:cs typeface="Andale Mono" charset="0"/>
-            </a:endParaRPr>
-          </a:p>
-          <a:p>
-            <a:pPr marL="0" indent="0">
-              <a:buNone/>
-            </a:pPr>
-            <a:r>
-              <a:rPr lang="en-US" sz="1800" cap="none" dirty="0">
-                <a:solidFill>
-                  <a:schemeClr val="tx1"/>
-                </a:solidFill>
-                <a:latin typeface="Andale Mono" charset="0"/>
-                <a:ea typeface="Andale Mono" charset="0"/>
-                <a:cs typeface="Andale Mono" charset="0"/>
-              </a:rPr>
-              <a:t>	</a:t>
-            </a:r>
-            <a:r>
-              <a:rPr lang="en-US" sz="1800" cap="none" dirty="0" smtClean="0">
-                <a:solidFill>
-                  <a:schemeClr val="tx1"/>
-                </a:solidFill>
-                <a:latin typeface="Andale Mono" charset="0"/>
-                <a:ea typeface="Andale Mono" charset="0"/>
-                <a:cs typeface="Andale Mono" charset="0"/>
-              </a:rPr>
-              <a:t>	</a:t>
-            </a:r>
-            <a:r>
-              <a:rPr lang="en-US" sz="1800" cap="none" dirty="0" err="1" smtClean="0">
-                <a:solidFill>
-                  <a:srgbClr val="00B050"/>
-                </a:solidFill>
-                <a:latin typeface="Andale Mono" charset="0"/>
-                <a:ea typeface="Andale Mono" charset="0"/>
-                <a:cs typeface="Andale Mono" charset="0"/>
-              </a:rPr>
-              <a:t>correctBoolean</a:t>
-            </a:r>
-            <a:r>
-              <a:rPr lang="en-US" sz="1800" cap="none" dirty="0" smtClean="0">
-                <a:solidFill>
-                  <a:srgbClr val="00B050"/>
-                </a:solidFill>
-                <a:latin typeface="Andale Mono" charset="0"/>
-                <a:ea typeface="Andale Mono" charset="0"/>
-                <a:cs typeface="Andale Mono" charset="0"/>
-              </a:rPr>
-              <a:t> </a:t>
-            </a:r>
-            <a:r>
-              <a:rPr lang="en-US" sz="1800" cap="none" dirty="0" smtClean="0">
-                <a:solidFill>
-                  <a:schemeClr val="tx1"/>
-                </a:solidFill>
-                <a:latin typeface="Andale Mono" charset="0"/>
-                <a:ea typeface="Andale Mono" charset="0"/>
-                <a:cs typeface="Andale Mono" charset="0"/>
-              </a:rPr>
-              <a:t>= true</a:t>
-            </a:r>
-          </a:p>
-          <a:p>
-            <a:pPr marL="0" indent="0">
-              <a:buNone/>
-            </a:pPr>
-            <a:r>
-              <a:rPr lang="en-US" sz="1800" cap="none" dirty="0">
-                <a:solidFill>
-                  <a:schemeClr val="tx1"/>
-                </a:solidFill>
-                <a:latin typeface="Andale Mono" charset="0"/>
-                <a:ea typeface="Andale Mono" charset="0"/>
-                <a:cs typeface="Andale Mono" charset="0"/>
-              </a:rPr>
-              <a:t>	</a:t>
-            </a:r>
-            <a:r>
-              <a:rPr lang="en-US" sz="1800" cap="none" dirty="0" smtClean="0">
-                <a:solidFill>
-                  <a:schemeClr val="tx1"/>
-                </a:solidFill>
-                <a:latin typeface="Andale Mono" charset="0"/>
-                <a:ea typeface="Andale Mono" charset="0"/>
-                <a:cs typeface="Andale Mono" charset="0"/>
-              </a:rPr>
-              <a:t>if (</a:t>
-            </a:r>
-            <a:r>
-              <a:rPr lang="en-US" sz="1800" cap="none" dirty="0" err="1" smtClean="0">
-                <a:solidFill>
-                  <a:schemeClr val="tx1"/>
-                </a:solidFill>
-                <a:latin typeface="Andale Mono" charset="0"/>
-                <a:ea typeface="Andale Mono" charset="0"/>
-                <a:cs typeface="Andale Mono" charset="0"/>
-              </a:rPr>
-              <a:t>inputHistory</a:t>
-            </a:r>
-            <a:r>
-              <a:rPr lang="en-US" sz="1800" cap="none" dirty="0" smtClean="0">
-                <a:solidFill>
-                  <a:schemeClr val="tx1"/>
-                </a:solidFill>
-                <a:latin typeface="Andale Mono" charset="0"/>
-                <a:ea typeface="Andale Mono" charset="0"/>
-                <a:cs typeface="Andale Mono" charset="0"/>
-              </a:rPr>
-              <a:t>[</a:t>
-            </a:r>
-            <a:r>
-              <a:rPr lang="en-US" sz="1800" cap="none" dirty="0" err="1" smtClean="0">
-                <a:solidFill>
-                  <a:schemeClr val="tx1"/>
-                </a:solidFill>
-                <a:latin typeface="Andale Mono" charset="0"/>
-                <a:ea typeface="Andale Mono" charset="0"/>
-                <a:cs typeface="Andale Mono" charset="0"/>
-              </a:rPr>
-              <a:t>i</a:t>
-            </a:r>
-            <a:r>
-              <a:rPr lang="en-US" sz="1800" cap="none" dirty="0" smtClean="0">
-                <a:solidFill>
-                  <a:schemeClr val="tx1"/>
-                </a:solidFill>
-                <a:latin typeface="Andale Mono" charset="0"/>
-                <a:ea typeface="Andale Mono" charset="0"/>
-                <a:cs typeface="Andale Mono" charset="0"/>
-              </a:rPr>
-              <a:t>].</a:t>
-            </a:r>
-            <a:r>
-              <a:rPr lang="en-US" sz="1800" cap="none" dirty="0" err="1" smtClean="0">
-                <a:solidFill>
-                  <a:schemeClr val="tx1"/>
-                </a:solidFill>
-                <a:latin typeface="Andale Mono" charset="0"/>
-                <a:ea typeface="Andale Mono" charset="0"/>
-                <a:cs typeface="Andale Mono" charset="0"/>
-              </a:rPr>
-              <a:t>isalpha</a:t>
-            </a:r>
-            <a:r>
-              <a:rPr lang="en-US" sz="1800" cap="none" dirty="0" smtClean="0">
-                <a:solidFill>
-                  <a:schemeClr val="tx1"/>
-                </a:solidFill>
-                <a:latin typeface="Andale Mono" charset="0"/>
-                <a:ea typeface="Andale Mono" charset="0"/>
-                <a:cs typeface="Andale Mono" charset="0"/>
-              </a:rPr>
-              <a:t>() == true):</a:t>
-            </a:r>
-          </a:p>
-          <a:p>
-            <a:pPr marL="0" indent="0">
-              <a:buNone/>
-            </a:pPr>
-            <a:r>
-              <a:rPr lang="en-US" sz="1800" cap="none" dirty="0">
-                <a:solidFill>
-                  <a:schemeClr val="tx1"/>
-                </a:solidFill>
-                <a:latin typeface="Andale Mono" charset="0"/>
-                <a:ea typeface="Andale Mono" charset="0"/>
-                <a:cs typeface="Andale Mono" charset="0"/>
-              </a:rPr>
-              <a:t>	</a:t>
-            </a:r>
-            <a:r>
-              <a:rPr lang="en-US" sz="1800" cap="none" dirty="0" smtClean="0">
-                <a:solidFill>
-                  <a:schemeClr val="tx1"/>
-                </a:solidFill>
-                <a:latin typeface="Andale Mono" charset="0"/>
-                <a:ea typeface="Andale Mono" charset="0"/>
-                <a:cs typeface="Andale Mono" charset="0"/>
-              </a:rPr>
-              <a:t>	</a:t>
-            </a:r>
-            <a:r>
-              <a:rPr lang="en-US" sz="1800" cap="none" dirty="0" err="1" smtClean="0">
-                <a:solidFill>
-                  <a:srgbClr val="00B050"/>
-                </a:solidFill>
-                <a:latin typeface="Andale Mono" charset="0"/>
-                <a:ea typeface="Andale Mono" charset="0"/>
-                <a:cs typeface="Andale Mono" charset="0"/>
-              </a:rPr>
-              <a:t>newString</a:t>
-            </a:r>
-            <a:r>
-              <a:rPr lang="en-US" sz="1800" cap="none" dirty="0" smtClean="0">
-                <a:solidFill>
-                  <a:srgbClr val="00B050"/>
-                </a:solidFill>
-                <a:latin typeface="Andale Mono" charset="0"/>
-                <a:ea typeface="Andale Mono" charset="0"/>
-                <a:cs typeface="Andale Mono" charset="0"/>
-              </a:rPr>
-              <a:t> </a:t>
-            </a:r>
-            <a:r>
-              <a:rPr lang="en-US" sz="1800" cap="none" dirty="0" smtClean="0">
-                <a:solidFill>
-                  <a:schemeClr val="tx1"/>
-                </a:solidFill>
-                <a:latin typeface="Andale Mono" charset="0"/>
-                <a:ea typeface="Andale Mono" charset="0"/>
-                <a:cs typeface="Andale Mono" charset="0"/>
-              </a:rPr>
-              <a:t>= </a:t>
-            </a:r>
-            <a:r>
-              <a:rPr lang="en-US" sz="1800" cap="none" dirty="0" err="1" smtClean="0">
-                <a:solidFill>
-                  <a:srgbClr val="00B050"/>
-                </a:solidFill>
-                <a:latin typeface="Andale Mono" charset="0"/>
-                <a:ea typeface="Andale Mono" charset="0"/>
-                <a:cs typeface="Andale Mono" charset="0"/>
-              </a:rPr>
-              <a:t>newString</a:t>
-            </a:r>
-            <a:r>
-              <a:rPr lang="en-US" sz="1800" cap="none" dirty="0" smtClean="0">
-                <a:solidFill>
-                  <a:srgbClr val="00B050"/>
-                </a:solidFill>
-                <a:latin typeface="Andale Mono" charset="0"/>
-                <a:ea typeface="Andale Mono" charset="0"/>
-                <a:cs typeface="Andale Mono" charset="0"/>
-              </a:rPr>
-              <a:t> </a:t>
-            </a:r>
-            <a:r>
-              <a:rPr lang="en-US" sz="1800" cap="none" dirty="0" smtClean="0">
-                <a:solidFill>
-                  <a:schemeClr val="tx1"/>
-                </a:solidFill>
-                <a:latin typeface="Andale Mono" charset="0"/>
-                <a:ea typeface="Andale Mono" charset="0"/>
-                <a:cs typeface="Andale Mono" charset="0"/>
-              </a:rPr>
-              <a:t>+ </a:t>
-            </a:r>
-            <a:r>
-              <a:rPr lang="en-US" sz="1800" cap="none" dirty="0" err="1" smtClean="0">
-                <a:solidFill>
-                  <a:srgbClr val="00B050"/>
-                </a:solidFill>
-                <a:latin typeface="Andale Mono" charset="0"/>
-                <a:ea typeface="Andale Mono" charset="0"/>
-                <a:cs typeface="Andale Mono" charset="0"/>
-              </a:rPr>
-              <a:t>inputHistory</a:t>
-            </a:r>
-            <a:r>
-              <a:rPr lang="en-US" sz="1800" cap="none" dirty="0" smtClean="0">
-                <a:solidFill>
-                  <a:schemeClr val="tx1"/>
-                </a:solidFill>
-                <a:latin typeface="Andale Mono" charset="0"/>
-                <a:ea typeface="Andale Mono" charset="0"/>
-                <a:cs typeface="Andale Mono" charset="0"/>
-              </a:rPr>
-              <a:t>[</a:t>
-            </a:r>
-            <a:r>
-              <a:rPr lang="en-US" sz="1800" cap="none" dirty="0" err="1" smtClean="0">
-                <a:solidFill>
-                  <a:schemeClr val="tx1"/>
-                </a:solidFill>
-                <a:latin typeface="Andale Mono" charset="0"/>
-                <a:ea typeface="Andale Mono" charset="0"/>
-                <a:cs typeface="Andale Mono" charset="0"/>
-              </a:rPr>
-              <a:t>i</a:t>
-            </a:r>
-            <a:r>
-              <a:rPr lang="en-US" sz="1800" cap="none" dirty="0" smtClean="0">
-                <a:solidFill>
-                  <a:schemeClr val="tx1"/>
-                </a:solidFill>
-                <a:latin typeface="Andale Mono" charset="0"/>
-                <a:ea typeface="Andale Mono" charset="0"/>
-                <a:cs typeface="Andale Mono" charset="0"/>
-              </a:rPr>
-              <a:t>]</a:t>
-            </a:r>
-          </a:p>
-          <a:p>
-            <a:pPr marL="0" indent="0">
-              <a:buNone/>
-            </a:pPr>
-            <a:r>
-              <a:rPr lang="en-US" sz="1800" cap="none" dirty="0">
-                <a:solidFill>
-                  <a:schemeClr val="tx1"/>
-                </a:solidFill>
-                <a:latin typeface="Andale Mono" charset="0"/>
-                <a:ea typeface="Andale Mono" charset="0"/>
-                <a:cs typeface="Andale Mono" charset="0"/>
-              </a:rPr>
-              <a:t>	</a:t>
-            </a:r>
-            <a:r>
-              <a:rPr lang="en-US" sz="1800" cap="none" dirty="0" smtClean="0">
-                <a:solidFill>
-                  <a:schemeClr val="tx1"/>
-                </a:solidFill>
-                <a:latin typeface="Andale Mono" charset="0"/>
-                <a:ea typeface="Andale Mono" charset="0"/>
-                <a:cs typeface="Andale Mono" charset="0"/>
-              </a:rPr>
-              <a:t>else:</a:t>
-            </a:r>
-          </a:p>
-          <a:p>
-            <a:pPr marL="0" indent="0">
-              <a:buNone/>
-            </a:pPr>
-            <a:r>
-              <a:rPr lang="en-US" sz="1800" cap="none" dirty="0">
-                <a:solidFill>
-                  <a:schemeClr val="tx1"/>
-                </a:solidFill>
-                <a:latin typeface="Andale Mono" charset="0"/>
-                <a:ea typeface="Andale Mono" charset="0"/>
-                <a:cs typeface="Andale Mono" charset="0"/>
-              </a:rPr>
-              <a:t>	</a:t>
-            </a:r>
-            <a:r>
-              <a:rPr lang="en-US" sz="1800" cap="none" dirty="0" smtClean="0">
-                <a:solidFill>
-                  <a:schemeClr val="tx1"/>
-                </a:solidFill>
-                <a:latin typeface="Andale Mono" charset="0"/>
-                <a:ea typeface="Andale Mono" charset="0"/>
-                <a:cs typeface="Andale Mono" charset="0"/>
-              </a:rPr>
-              <a:t>	</a:t>
-            </a:r>
-            <a:r>
-              <a:rPr lang="en-US" sz="1800" cap="none" dirty="0" err="1" smtClean="0">
-                <a:solidFill>
-                  <a:srgbClr val="00B050"/>
-                </a:solidFill>
-                <a:latin typeface="Andale Mono" charset="0"/>
-                <a:ea typeface="Andale Mono" charset="0"/>
-                <a:cs typeface="Andale Mono" charset="0"/>
-              </a:rPr>
-              <a:t>newString</a:t>
-            </a:r>
-            <a:r>
-              <a:rPr lang="en-US" sz="1800" cap="none" dirty="0" smtClean="0">
-                <a:solidFill>
-                  <a:srgbClr val="00B050"/>
-                </a:solidFill>
-                <a:latin typeface="Andale Mono" charset="0"/>
-                <a:ea typeface="Andale Mono" charset="0"/>
-                <a:cs typeface="Andale Mono" charset="0"/>
-              </a:rPr>
-              <a:t> </a:t>
-            </a:r>
-            <a:r>
-              <a:rPr lang="en-US" sz="1800" cap="none" dirty="0" smtClean="0">
-                <a:solidFill>
-                  <a:schemeClr val="tx1"/>
-                </a:solidFill>
-                <a:latin typeface="Andale Mono" charset="0"/>
-                <a:ea typeface="Andale Mono" charset="0"/>
-                <a:cs typeface="Andale Mono" charset="0"/>
-              </a:rPr>
-              <a:t>= </a:t>
-            </a:r>
-            <a:r>
-              <a:rPr lang="en-US" sz="1800" cap="none" dirty="0" err="1" smtClean="0">
-                <a:solidFill>
-                  <a:srgbClr val="00B050"/>
-                </a:solidFill>
-                <a:latin typeface="Andale Mono" charset="0"/>
-                <a:ea typeface="Andale Mono" charset="0"/>
-                <a:cs typeface="Andale Mono" charset="0"/>
-              </a:rPr>
-              <a:t>newString</a:t>
-            </a:r>
-            <a:r>
-              <a:rPr lang="en-US" sz="1800" cap="none" dirty="0" smtClean="0">
-                <a:solidFill>
-                  <a:srgbClr val="00B050"/>
-                </a:solidFill>
-                <a:latin typeface="Andale Mono" charset="0"/>
-                <a:ea typeface="Andale Mono" charset="0"/>
-                <a:cs typeface="Andale Mono" charset="0"/>
-              </a:rPr>
-              <a:t> </a:t>
-            </a:r>
-            <a:r>
-              <a:rPr lang="en-US" sz="1800" cap="none" dirty="0" smtClean="0">
-                <a:solidFill>
-                  <a:schemeClr val="tx1"/>
-                </a:solidFill>
-                <a:latin typeface="Andale Mono" charset="0"/>
-                <a:ea typeface="Andale Mono" charset="0"/>
-                <a:cs typeface="Andale Mono" charset="0"/>
-              </a:rPr>
-              <a:t>+ ‘_’</a:t>
-            </a:r>
-          </a:p>
-          <a:p>
-            <a:pPr marL="0" indent="0">
-              <a:buNone/>
-            </a:pPr>
-            <a:r>
-              <a:rPr lang="en-US" sz="1800" cap="none" dirty="0" smtClean="0">
-                <a:solidFill>
-                  <a:schemeClr val="tx1"/>
-                </a:solidFill>
-                <a:latin typeface="Andale Mono" charset="0"/>
-                <a:ea typeface="Andale Mono" charset="0"/>
-                <a:cs typeface="Andale Mono" charset="0"/>
-              </a:rPr>
-              <a:t>return </a:t>
-            </a:r>
-            <a:r>
-              <a:rPr lang="en-US" sz="1800" cap="none" dirty="0" err="1" smtClean="0">
-                <a:solidFill>
-                  <a:srgbClr val="00B050"/>
-                </a:solidFill>
-                <a:latin typeface="Andale Mono" charset="0"/>
-                <a:ea typeface="Andale Mono" charset="0"/>
-                <a:cs typeface="Andale Mono" charset="0"/>
-              </a:rPr>
-              <a:t>newString</a:t>
-            </a:r>
-            <a:r>
-              <a:rPr lang="en-US" sz="1800" cap="none" dirty="0" smtClean="0">
-                <a:solidFill>
-                  <a:schemeClr val="tx1"/>
-                </a:solidFill>
-                <a:latin typeface="Andale Mono" charset="0"/>
-                <a:ea typeface="Andale Mono" charset="0"/>
-                <a:cs typeface="Andale Mono" charset="0"/>
-              </a:rPr>
-              <a:t>, </a:t>
-            </a:r>
-            <a:r>
-              <a:rPr lang="en-US" sz="1800" cap="none" dirty="0" err="1" smtClean="0">
-                <a:solidFill>
-                  <a:srgbClr val="00B050"/>
-                </a:solidFill>
-                <a:latin typeface="Andale Mono" charset="0"/>
-                <a:ea typeface="Andale Mono" charset="0"/>
-                <a:cs typeface="Andale Mono" charset="0"/>
-              </a:rPr>
-              <a:t>correctBoolean</a:t>
-            </a:r>
-            <a:endParaRPr lang="en-US" sz="1800" cap="none" dirty="0" smtClean="0">
-              <a:solidFill>
-                <a:srgbClr val="00B050"/>
-              </a:solidFill>
-              <a:latin typeface="Andale Mono" charset="0"/>
-              <a:ea typeface="Andale Mono" charset="0"/>
-              <a:cs typeface="Andale Mono" charset="0"/>
-            </a:endParaRPr>
-          </a:p>
-        </p:txBody>
-      </p:sp>
-      <p:cxnSp>
-        <p:nvCxnSpPr>
-          <p:cNvPr id="5" name="Straight Arrow Connector 4"/>
-          <p:cNvCxnSpPr/>
-          <p:nvPr/>
-        </p:nvCxnSpPr>
-        <p:spPr>
-          <a:xfrm flipH="1">
-            <a:off x="6105833" y="6150077"/>
-            <a:ext cx="530941" cy="0"/>
-          </a:xfrm>
-          <a:prstGeom prst="straightConnector1">
-            <a:avLst/>
-          </a:prstGeom>
-          <a:ln w="38100">
-            <a:solidFill>
-              <a:srgbClr val="FF0000"/>
-            </a:solidFill>
-            <a:tailEnd type="triangle"/>
-          </a:ln>
-        </p:spPr>
-        <p:style>
-          <a:lnRef idx="1">
-            <a:schemeClr val="accent1"/>
-          </a:lnRef>
-          <a:fillRef idx="0">
-            <a:schemeClr val="accent1"/>
-          </a:fillRef>
-          <a:effectRef idx="0">
-            <a:schemeClr val="accent1"/>
-          </a:effectRef>
-          <a:fontRef idx="minor">
-            <a:schemeClr val="tx1"/>
-          </a:fontRef>
-        </p:style>
-      </p:cxnSp>
     </p:spTree>
     <p:extLst>
       <p:ext uri="{BB962C8B-B14F-4D97-AF65-F5344CB8AC3E}">
-        <p14:creationId xmlns:p14="http://schemas.microsoft.com/office/powerpoint/2010/main" val="252288373"/>
+        <p14:creationId xmlns:p14="http://schemas.microsoft.com/office/powerpoint/2010/main" val="1024176789"/>
       </p:ext>
     </p:extLst>
   </p:cSld>
   <p:clrMapOvr>
     <a:masterClrMapping/>
   </p:clrMapOvr>
+  <p:timing>
+    <p:tnLst>
+      <p:par>
+        <p:cTn id="1" dur="indefinite" restart="never" nodeType="tmRoot"/>
+      </p:par>
+    </p:tnLst>
+  </p:timing>
 </p:sld>
 </file>
 
@@ -7163,8 +6437,8 @@
         </p:blipFill>
         <p:spPr>
           <a:xfrm>
-            <a:off x="267211" y="952500"/>
-            <a:ext cx="1219200" cy="1219200"/>
+            <a:off x="354013" y="1168400"/>
+            <a:ext cx="787400" cy="787400"/>
           </a:xfrm>
           <a:prstGeom prst="rect">
             <a:avLst/>
@@ -7195,27 +6469,12 @@
           <a:lstStyle/>
           <a:p>
             <a:r>
-              <a:rPr lang="en-US" dirty="0"/>
-              <a:t>Programming lab exercise: </a:t>
-            </a:r>
-            <a:r>
               <a:rPr lang="en-US" dirty="0" smtClean="0"/>
-              <a:t/>
-            </a:r>
-            <a:br>
+              <a:t>code </a:t>
+            </a:r>
+            <a:r>
               <a:rPr lang="en-US" dirty="0" smtClean="0"/>
-            </a:br>
-            <a:r>
-              <a:rPr lang="en-US" dirty="0" smtClean="0"/>
-              <a:t>Hangman pseudocode (part one </a:t>
-            </a:r>
-            <a:r>
-              <a:rPr lang="en-US" dirty="0" err="1" smtClean="0"/>
-              <a:t>revisted</a:t>
-            </a:r>
-            <a:r>
-              <a:rPr lang="en-US" dirty="0" smtClean="0"/>
-              <a:t>)</a:t>
+              <a:t>(part one)</a:t>
             </a:r>
             <a:endParaRPr lang="en-US" dirty="0"/>
           </a:p>
@@ -7239,7 +6498,7 @@
         </p:spPr>
         <p:txBody>
           <a:bodyPr>
-            <a:normAutofit fontScale="92500" lnSpcReduction="10000"/>
+            <a:normAutofit/>
           </a:bodyPr>
           <a:lstStyle/>
           <a:p>
@@ -7258,26 +6517,92 @@
               <a:t>for </a:t>
             </a:r>
             <a:r>
+              <a:rPr lang="en-US" sz="1800" cap="none" dirty="0" err="1" smtClean="0">
+                <a:solidFill>
+                  <a:srgbClr val="00B050"/>
+                </a:solidFill>
+                <a:latin typeface="Andale Mono" charset="0"/>
+                <a:ea typeface="Andale Mono" charset="0"/>
+                <a:cs typeface="Andale Mono" charset="0"/>
+              </a:rPr>
+              <a:t>guessesMade</a:t>
+            </a:r>
+            <a:r>
               <a:rPr lang="en-US" sz="1800" cap="none" dirty="0" smtClean="0">
                 <a:solidFill>
+                  <a:schemeClr val="tx1"/>
+                </a:solidFill>
+                <a:latin typeface="Andale Mono" charset="0"/>
+                <a:ea typeface="Andale Mono" charset="0"/>
+                <a:cs typeface="Andale Mono" charset="0"/>
+              </a:rPr>
+              <a:t> in </a:t>
+            </a:r>
+            <a:r>
+              <a:rPr lang="en-US" sz="1800" cap="none" dirty="0" smtClean="0">
+                <a:solidFill>
+                  <a:schemeClr val="tx1"/>
+                </a:solidFill>
+                <a:latin typeface="Andale Mono" charset="0"/>
+                <a:ea typeface="Andale Mono" charset="0"/>
+                <a:cs typeface="Andale Mono" charset="0"/>
+              </a:rPr>
+              <a:t>range (</a:t>
+            </a:r>
+            <a:r>
+              <a:rPr lang="en-US" sz="1800" cap="none" dirty="0" smtClean="0">
+                <a:solidFill>
+                  <a:schemeClr val="tx1"/>
+                </a:solidFill>
+                <a:latin typeface="Andale Mono" charset="0"/>
+                <a:ea typeface="Andale Mono" charset="0"/>
+                <a:cs typeface="Andale Mono" charset="0"/>
+              </a:rPr>
+              <a:t>0,</a:t>
+            </a:r>
+            <a:r>
+              <a:rPr lang="en-US" sz="1800" cap="none" dirty="0">
+                <a:solidFill>
                   <a:srgbClr val="00B050"/>
                 </a:solidFill>
                 <a:latin typeface="Andale Mono" charset="0"/>
                 <a:ea typeface="Andale Mono" charset="0"/>
                 <a:cs typeface="Andale Mono" charset="0"/>
               </a:rPr>
-              <a:t>guesses</a:t>
+              <a:t> </a:t>
+            </a:r>
+            <a:r>
+              <a:rPr lang="en-US" sz="1800" cap="none" dirty="0" err="1" smtClean="0">
+                <a:solidFill>
+                  <a:srgbClr val="00B050"/>
+                </a:solidFill>
+                <a:latin typeface="Andale Mono" charset="0"/>
+                <a:ea typeface="Andale Mono" charset="0"/>
+                <a:cs typeface="Andale Mono" charset="0"/>
+              </a:rPr>
+              <a:t>guessesAllowed</a:t>
             </a:r>
             <a:r>
               <a:rPr lang="en-US" sz="1800" cap="none" dirty="0" smtClean="0">
                 <a:solidFill>
-                  <a:schemeClr val="tx1"/>
-                </a:solidFill>
-                <a:latin typeface="Andale Mono" charset="0"/>
-                <a:ea typeface="Andale Mono" charset="0"/>
-                <a:cs typeface="Andale Mono" charset="0"/>
-              </a:rPr>
-              <a:t> remaining:</a:t>
+                  <a:srgbClr val="00B050"/>
+                </a:solidFill>
+                <a:latin typeface="Andale Mono" charset="0"/>
+                <a:ea typeface="Andale Mono" charset="0"/>
+                <a:cs typeface="Andale Mono" charset="0"/>
+              </a:rPr>
+              <a:t>)</a:t>
+            </a:r>
+            <a:r>
+              <a:rPr lang="en-US" sz="1800" cap="none" dirty="0" smtClean="0">
+                <a:solidFill>
+                  <a:schemeClr val="tx1"/>
+                </a:solidFill>
+                <a:latin typeface="Andale Mono" charset="0"/>
+                <a:ea typeface="Andale Mono" charset="0"/>
+                <a:cs typeface="Andale Mono" charset="0"/>
+              </a:rPr>
+              <a:t> :</a:t>
             </a:r>
           </a:p>
           <a:p>
@@ -7293,7 +6618,56 @@
                 <a:ea typeface="Andale Mono" charset="0"/>
                 <a:cs typeface="Andale Mono" charset="0"/>
               </a:rPr>
-              <a:t>	while(</a:t>
+              <a:t>	</a:t>
+            </a:r>
+            <a:r>
+              <a:rPr lang="en-US" sz="1800" cap="none" dirty="0" smtClean="0">
+                <a:solidFill>
+                  <a:srgbClr val="00B050"/>
+                </a:solidFill>
+                <a:latin typeface="Andale Mono" charset="0"/>
+                <a:ea typeface="Andale Mono" charset="0"/>
+                <a:cs typeface="Andale Mono" charset="0"/>
+              </a:rPr>
+              <a:t>continue </a:t>
+            </a:r>
+            <a:r>
+              <a:rPr lang="en-US" sz="1800" cap="none" dirty="0" smtClean="0">
+                <a:solidFill>
+                  <a:schemeClr val="tx1"/>
+                </a:solidFill>
+                <a:latin typeface="Andale Mono" charset="0"/>
+                <a:ea typeface="Andale Mono" charset="0"/>
+                <a:cs typeface="Andale Mono" charset="0"/>
+              </a:rPr>
+              <a:t>= true</a:t>
+            </a:r>
+          </a:p>
+          <a:p>
+            <a:pPr marL="0" indent="0">
+              <a:buNone/>
+            </a:pPr>
+            <a:r>
+              <a:rPr lang="en-US" sz="1800" cap="none" dirty="0">
+                <a:solidFill>
+                  <a:schemeClr val="tx1"/>
+                </a:solidFill>
+                <a:latin typeface="Andale Mono" charset="0"/>
+                <a:ea typeface="Andale Mono" charset="0"/>
+                <a:cs typeface="Andale Mono" charset="0"/>
+              </a:rPr>
+              <a:t>	</a:t>
+            </a:r>
+            <a:r>
+              <a:rPr lang="en-US" sz="1800" cap="none" dirty="0" smtClean="0">
+                <a:solidFill>
+                  <a:schemeClr val="tx1"/>
+                </a:solidFill>
+                <a:latin typeface="Andale Mono" charset="0"/>
+                <a:ea typeface="Andale Mono" charset="0"/>
+                <a:cs typeface="Andale Mono" charset="0"/>
+              </a:rPr>
+              <a:t>while(</a:t>
             </a:r>
             <a:r>
               <a:rPr lang="en-US" sz="1800" cap="none" dirty="0" smtClean="0">
@@ -7464,132 +6838,7 @@
                 <a:ea typeface="Andale Mono" charset="0"/>
                 <a:cs typeface="Andale Mono" charset="0"/>
               </a:rPr>
-              <a:t>		if (</a:t>
-            </a:r>
-            <a:r>
-              <a:rPr lang="en-US" sz="1800" cap="none" dirty="0" smtClean="0">
-                <a:solidFill>
-                  <a:srgbClr val="00B050"/>
-                </a:solidFill>
-                <a:latin typeface="Andale Mono" charset="0"/>
-                <a:ea typeface="Andale Mono" charset="0"/>
-                <a:cs typeface="Andale Mono" charset="0"/>
-              </a:rPr>
-              <a:t>correct</a:t>
-            </a:r>
-            <a:r>
-              <a:rPr lang="en-US" sz="1800" cap="none" dirty="0" smtClean="0">
-                <a:solidFill>
-                  <a:schemeClr val="tx1"/>
-                </a:solidFill>
-                <a:latin typeface="Andale Mono" charset="0"/>
-                <a:ea typeface="Andale Mono" charset="0"/>
-                <a:cs typeface="Andale Mono" charset="0"/>
-              </a:rPr>
-              <a:t>):</a:t>
-            </a:r>
-          </a:p>
-          <a:p>
-            <a:pPr marL="0" indent="0">
-              <a:buNone/>
-            </a:pPr>
-            <a:r>
-              <a:rPr lang="en-US" sz="1800" cap="none" dirty="0">
-                <a:solidFill>
-                  <a:schemeClr val="tx1"/>
-                </a:solidFill>
-                <a:latin typeface="Andale Mono" charset="0"/>
-                <a:ea typeface="Andale Mono" charset="0"/>
-                <a:cs typeface="Andale Mono" charset="0"/>
-              </a:rPr>
-              <a:t>	</a:t>
-            </a:r>
-            <a:r>
-              <a:rPr lang="en-US" sz="1800" cap="none" dirty="0" smtClean="0">
-                <a:solidFill>
-                  <a:schemeClr val="tx1"/>
-                </a:solidFill>
-                <a:latin typeface="Andale Mono" charset="0"/>
-                <a:ea typeface="Andale Mono" charset="0"/>
-                <a:cs typeface="Andale Mono" charset="0"/>
-              </a:rPr>
-              <a:t>			</a:t>
-            </a:r>
-            <a:r>
-              <a:rPr lang="en-US" sz="1800" cap="none" dirty="0" smtClean="0">
-                <a:solidFill>
-                  <a:srgbClr val="00B050"/>
-                </a:solidFill>
-                <a:latin typeface="Andale Mono" charset="0"/>
-                <a:ea typeface="Andale Mono" charset="0"/>
-                <a:cs typeface="Andale Mono" charset="0"/>
-              </a:rPr>
-              <a:t>continue</a:t>
-            </a:r>
-            <a:r>
-              <a:rPr lang="en-US" sz="1800" cap="none" dirty="0" smtClean="0">
-                <a:solidFill>
-                  <a:schemeClr val="tx1"/>
-                </a:solidFill>
-                <a:latin typeface="Andale Mono" charset="0"/>
-                <a:ea typeface="Andale Mono" charset="0"/>
-                <a:cs typeface="Andale Mono" charset="0"/>
-              </a:rPr>
-              <a:t> = true</a:t>
-            </a:r>
-          </a:p>
-          <a:p>
-            <a:pPr marL="0" indent="0">
-              <a:buNone/>
-            </a:pPr>
-            <a:r>
-              <a:rPr lang="en-US" sz="1800" cap="none" dirty="0">
-                <a:solidFill>
-                  <a:schemeClr val="tx1"/>
-                </a:solidFill>
-                <a:latin typeface="Andale Mono" charset="0"/>
-                <a:ea typeface="Andale Mono" charset="0"/>
-                <a:cs typeface="Andale Mono" charset="0"/>
-              </a:rPr>
-              <a:t>	</a:t>
-            </a:r>
-            <a:r>
-              <a:rPr lang="en-US" sz="1800" cap="none" dirty="0" smtClean="0">
-                <a:solidFill>
-                  <a:schemeClr val="tx1"/>
-                </a:solidFill>
-                <a:latin typeface="Andale Mono" charset="0"/>
-                <a:ea typeface="Andale Mono" charset="0"/>
-                <a:cs typeface="Andale Mono" charset="0"/>
-              </a:rPr>
-              <a:t>		else:</a:t>
-            </a:r>
-          </a:p>
-          <a:p>
-            <a:pPr marL="0" indent="0">
-              <a:buNone/>
-            </a:pPr>
-            <a:r>
-              <a:rPr lang="en-US" sz="1800" cap="none" dirty="0">
-                <a:solidFill>
-                  <a:schemeClr val="tx1"/>
-                </a:solidFill>
-                <a:latin typeface="Andale Mono" charset="0"/>
-                <a:ea typeface="Andale Mono" charset="0"/>
-                <a:cs typeface="Andale Mono" charset="0"/>
-              </a:rPr>
-              <a:t>	</a:t>
-            </a:r>
-            <a:r>
-              <a:rPr lang="en-US" sz="1800" cap="none" dirty="0" smtClean="0">
-                <a:solidFill>
-                  <a:schemeClr val="tx1"/>
-                </a:solidFill>
-                <a:latin typeface="Andale Mono" charset="0"/>
-                <a:ea typeface="Andale Mono" charset="0"/>
-                <a:cs typeface="Andale Mono" charset="0"/>
-              </a:rPr>
-              <a:t>			</a:t>
+              <a:t>		</a:t>
             </a:r>
             <a:r>
               <a:rPr lang="en-US" sz="1800" cap="none" dirty="0" smtClean="0">
@@ -7673,13 +6922,20 @@
     </p:spTree>
     <p:extLst>
       <p:ext uri="{BB962C8B-B14F-4D97-AF65-F5344CB8AC3E}">
-        <p14:creationId xmlns:p14="http://schemas.microsoft.com/office/powerpoint/2010/main" val="662807524"/>
+        <p14:creationId xmlns:p14="http://schemas.microsoft.com/office/powerpoint/2010/main" val="1356719668"/>
       </p:ext>
     </p:extLst>
   </p:cSld>
   <p:clrMapOvr>
     <a:masterClrMapping/>
   </p:clrMapOvr>
+  <p:timing>
+    <p:tnLst>
+      <p:par>
+        <p:cTn id="1" dur="indefinite" restart="never" nodeType="tmRoot"/>
+      </p:par>
+    </p:tnLst>
+  </p:timing>
 </p:sld>
 </file>
 
@@ -7716,19 +6972,12 @@
           <a:lstStyle/>
           <a:p>
             <a:r>
-              <a:rPr lang="en-US" dirty="0"/>
-              <a:t>Programming </a:t>
-            </a:r>
-            <a:r>
               <a:rPr lang="en-US" dirty="0" smtClean="0"/>
-              <a:t>lab: </a:t>
-            </a:r>
-            <a:br>
+              <a:t>code </a:t>
+            </a:r>
+            <a:r>
               <a:rPr lang="en-US" dirty="0" smtClean="0"/>
-            </a:br>
-            <a:r>
-              <a:rPr lang="en-US" dirty="0" smtClean="0"/>
-              <a:t>Hangman</a:t>
+              <a:t>(part two)</a:t>
             </a:r>
             <a:endParaRPr lang="en-US" dirty="0"/>
           </a:p>
@@ -7746,8 +6995,8 @@
         </p:nvSpPr>
         <p:spPr>
           <a:xfrm>
-            <a:off x="1009112" y="2599765"/>
-            <a:ext cx="10170600" cy="2301616"/>
+            <a:off x="1141413" y="2514600"/>
+            <a:ext cx="10170600" cy="4063181"/>
           </a:xfrm>
         </p:spPr>
         <p:txBody>
@@ -7756,32 +7005,747 @@
           </a:bodyPr>
           <a:lstStyle/>
           <a:p>
-            <a:pPr marL="0" indent="0" algn="ctr">
+            <a:pPr marL="0" indent="0">
               <a:buNone/>
             </a:pPr>
             <a:r>
-              <a:rPr lang="en-US" sz="6600" cap="none" dirty="0" smtClean="0">
-                <a:solidFill>
-                  <a:schemeClr val="tx1"/>
-                </a:solidFill>
-                <a:ea typeface="Andale Mono" charset="0"/>
-                <a:cs typeface="Andale Mono" charset="0"/>
-              </a:rPr>
-              <a:t>Demo</a:t>
-            </a:r>
-            <a:endParaRPr lang="en-US" sz="6600" cap="none" dirty="0">
+              <a:rPr lang="en-US" sz="1800" cap="none" dirty="0" smtClean="0">
+                <a:solidFill>
+                  <a:schemeClr val="tx1"/>
+                </a:solidFill>
+                <a:latin typeface="Andale Mono" charset="0"/>
+                <a:ea typeface="Andale Mono" charset="0"/>
+                <a:cs typeface="Andale Mono" charset="0"/>
+              </a:rPr>
+              <a:t>for </a:t>
+            </a:r>
+            <a:r>
+              <a:rPr lang="en-US" sz="1800" cap="none" dirty="0" err="1" smtClean="0">
+                <a:solidFill>
+                  <a:schemeClr val="tx1"/>
+                </a:solidFill>
+                <a:latin typeface="Andale Mono" charset="0"/>
+                <a:ea typeface="Andale Mono" charset="0"/>
+                <a:cs typeface="Andale Mono" charset="0"/>
+              </a:rPr>
+              <a:t>i</a:t>
+            </a:r>
+            <a:r>
+              <a:rPr lang="en-US" sz="1800" cap="none" dirty="0" smtClean="0">
+                <a:solidFill>
+                  <a:schemeClr val="tx1"/>
+                </a:solidFill>
+                <a:latin typeface="Andale Mono" charset="0"/>
+                <a:ea typeface="Andale Mono" charset="0"/>
+                <a:cs typeface="Andale Mono" charset="0"/>
+              </a:rPr>
+              <a:t> in range (0,</a:t>
+            </a:r>
+            <a:r>
+              <a:rPr lang="en-US" sz="1800" cap="none" dirty="0" smtClean="0">
+                <a:solidFill>
+                  <a:schemeClr val="tx1"/>
+                </a:solidFill>
+                <a:latin typeface="Andale Mono" charset="0"/>
+                <a:ea typeface="Andale Mono" charset="0"/>
+                <a:cs typeface="Andale Mono" charset="0"/>
+              </a:rPr>
+              <a:t>len(</a:t>
+            </a:r>
+            <a:r>
+              <a:rPr lang="en-US" sz="1800" cap="none" dirty="0" smtClean="0">
+                <a:solidFill>
+                  <a:srgbClr val="00B050"/>
+                </a:solidFill>
+                <a:latin typeface="Andale Mono" charset="0"/>
+                <a:ea typeface="Andale Mono" charset="0"/>
+                <a:cs typeface="Andale Mono" charset="0"/>
+              </a:rPr>
+              <a:t>word</a:t>
+            </a:r>
+            <a:r>
+              <a:rPr lang="en-US" sz="1800" cap="none" dirty="0" smtClean="0">
+                <a:solidFill>
+                  <a:schemeClr val="tx1"/>
+                </a:solidFill>
+                <a:latin typeface="Andale Mono" charset="0"/>
+                <a:ea typeface="Andale Mono" charset="0"/>
+                <a:cs typeface="Andale Mono" charset="0"/>
+              </a:rPr>
+              <a:t>)):</a:t>
+            </a:r>
+            <a:endParaRPr lang="en-US" sz="1800" cap="none" dirty="0" smtClean="0">
               <a:solidFill>
                 <a:schemeClr val="tx1"/>
               </a:solidFill>
+              <a:latin typeface="Andale Mono" charset="0"/>
               <a:ea typeface="Andale Mono" charset="0"/>
               <a:cs typeface="Andale Mono" charset="0"/>
             </a:endParaRPr>
           </a:p>
-        </p:txBody>
-      </p:sp>
+          <a:p>
+            <a:pPr marL="0" indent="0">
+              <a:buNone/>
+            </a:pPr>
+            <a:r>
+              <a:rPr lang="en-US" sz="1800" cap="none" dirty="0">
+                <a:solidFill>
+                  <a:schemeClr val="tx1"/>
+                </a:solidFill>
+                <a:latin typeface="Andale Mono" charset="0"/>
+                <a:ea typeface="Andale Mono" charset="0"/>
+                <a:cs typeface="Andale Mono" charset="0"/>
+              </a:rPr>
+              <a:t>	</a:t>
+            </a:r>
+            <a:r>
+              <a:rPr lang="en-US" sz="1800" cap="none" dirty="0" smtClean="0">
+                <a:solidFill>
+                  <a:schemeClr val="tx1"/>
+                </a:solidFill>
+                <a:latin typeface="Andale Mono" charset="0"/>
+                <a:ea typeface="Andale Mono" charset="0"/>
+                <a:cs typeface="Andale Mono" charset="0"/>
+              </a:rPr>
+              <a:t>if </a:t>
+            </a:r>
+            <a:r>
+              <a:rPr lang="en-US" sz="1800" cap="none" dirty="0" smtClean="0">
+                <a:solidFill>
+                  <a:schemeClr val="tx1"/>
+                </a:solidFill>
+                <a:latin typeface="Andale Mono" charset="0"/>
+                <a:ea typeface="Andale Mono" charset="0"/>
+                <a:cs typeface="Andale Mono" charset="0"/>
+              </a:rPr>
+              <a:t>(character match at I </a:t>
+            </a:r>
+            <a:r>
+              <a:rPr lang="en-US" sz="1800" cap="none" dirty="0" smtClean="0">
+                <a:solidFill>
+                  <a:srgbClr val="FF0000"/>
+                </a:solidFill>
+                <a:latin typeface="Andale Mono" charset="0"/>
+                <a:ea typeface="Andale Mono" charset="0"/>
+                <a:cs typeface="Andale Mono" charset="0"/>
+              </a:rPr>
+              <a:t>and</a:t>
+            </a:r>
+            <a:r>
+              <a:rPr lang="en-US" sz="1800" cap="none" dirty="0" smtClean="0">
+                <a:solidFill>
+                  <a:schemeClr val="tx1"/>
+                </a:solidFill>
+                <a:latin typeface="Andale Mono" charset="0"/>
+                <a:ea typeface="Andale Mono" charset="0"/>
+                <a:cs typeface="Andale Mono" charset="0"/>
+              </a:rPr>
+              <a:t> </a:t>
+            </a:r>
+            <a:r>
+              <a:rPr lang="en-US" sz="1800" cap="none" dirty="0" smtClean="0">
+                <a:solidFill>
+                  <a:schemeClr val="tx1"/>
+                </a:solidFill>
+                <a:latin typeface="Andale Mono" charset="0"/>
+                <a:ea typeface="Andale Mono" charset="0"/>
+                <a:cs typeface="Andale Mono" charset="0"/>
+              </a:rPr>
+              <a:t>character not been guessed</a:t>
+            </a:r>
+            <a:r>
+              <a:rPr lang="en-US" sz="1800" cap="none" dirty="0" smtClean="0">
+                <a:solidFill>
+                  <a:schemeClr val="tx1"/>
+                </a:solidFill>
+                <a:latin typeface="Andale Mono" charset="0"/>
+                <a:ea typeface="Andale Mono" charset="0"/>
+                <a:cs typeface="Andale Mono" charset="0"/>
+              </a:rPr>
+              <a:t>):</a:t>
+            </a:r>
+            <a:endParaRPr lang="en-US" sz="1800" cap="none" dirty="0" smtClean="0">
+              <a:solidFill>
+                <a:schemeClr val="tx1"/>
+              </a:solidFill>
+              <a:latin typeface="Andale Mono" charset="0"/>
+              <a:ea typeface="Andale Mono" charset="0"/>
+              <a:cs typeface="Andale Mono" charset="0"/>
+            </a:endParaRPr>
+          </a:p>
+          <a:p>
+            <a:pPr marL="0" indent="0">
+              <a:buNone/>
+            </a:pPr>
+            <a:r>
+              <a:rPr lang="en-US" sz="1800" cap="none" dirty="0">
+                <a:solidFill>
+                  <a:schemeClr val="tx1"/>
+                </a:solidFill>
+                <a:latin typeface="Andale Mono" charset="0"/>
+                <a:ea typeface="Andale Mono" charset="0"/>
+                <a:cs typeface="Andale Mono" charset="0"/>
+              </a:rPr>
+              <a:t>	</a:t>
+            </a:r>
+            <a:r>
+              <a:rPr lang="en-US" sz="1800" cap="none" dirty="0" smtClean="0">
+                <a:solidFill>
+                  <a:schemeClr val="tx1"/>
+                </a:solidFill>
+                <a:latin typeface="Andale Mono" charset="0"/>
+                <a:ea typeface="Andale Mono" charset="0"/>
+                <a:cs typeface="Andale Mono" charset="0"/>
+              </a:rPr>
+              <a:t>	</a:t>
+            </a:r>
+            <a:r>
+              <a:rPr lang="en-US" sz="1800" cap="none" dirty="0" err="1" smtClean="0">
+                <a:solidFill>
+                  <a:srgbClr val="00B050"/>
+                </a:solidFill>
+                <a:latin typeface="Andale Mono" charset="0"/>
+                <a:ea typeface="Andale Mono" charset="0"/>
+                <a:cs typeface="Andale Mono" charset="0"/>
+              </a:rPr>
+              <a:t>newString</a:t>
+            </a:r>
+            <a:r>
+              <a:rPr lang="en-US" sz="1800" cap="none" dirty="0" smtClean="0">
+                <a:solidFill>
+                  <a:srgbClr val="00B050"/>
+                </a:solidFill>
+                <a:latin typeface="Andale Mono" charset="0"/>
+                <a:ea typeface="Andale Mono" charset="0"/>
+                <a:cs typeface="Andale Mono" charset="0"/>
+              </a:rPr>
+              <a:t> </a:t>
+            </a:r>
+            <a:r>
+              <a:rPr lang="en-US" sz="1800" cap="none" dirty="0" smtClean="0">
+                <a:solidFill>
+                  <a:schemeClr val="tx1"/>
+                </a:solidFill>
+                <a:latin typeface="Andale Mono" charset="0"/>
+                <a:ea typeface="Andale Mono" charset="0"/>
+                <a:cs typeface="Andale Mono" charset="0"/>
+              </a:rPr>
+              <a:t>= </a:t>
+            </a:r>
+            <a:r>
+              <a:rPr lang="en-US" sz="1800" cap="none" dirty="0" err="1" smtClean="0">
+                <a:solidFill>
+                  <a:srgbClr val="00B050"/>
+                </a:solidFill>
+                <a:latin typeface="Andale Mono" charset="0"/>
+                <a:ea typeface="Andale Mono" charset="0"/>
+                <a:cs typeface="Andale Mono" charset="0"/>
+              </a:rPr>
+              <a:t>newString</a:t>
+            </a:r>
+            <a:r>
+              <a:rPr lang="en-US" sz="1800" cap="none" dirty="0" smtClean="0">
+                <a:solidFill>
+                  <a:srgbClr val="00B050"/>
+                </a:solidFill>
+                <a:latin typeface="Andale Mono" charset="0"/>
+                <a:ea typeface="Andale Mono" charset="0"/>
+                <a:cs typeface="Andale Mono" charset="0"/>
+              </a:rPr>
+              <a:t> </a:t>
+            </a:r>
+            <a:r>
+              <a:rPr lang="en-US" sz="1800" cap="none" dirty="0" smtClean="0">
+                <a:solidFill>
+                  <a:schemeClr val="tx1"/>
+                </a:solidFill>
+                <a:latin typeface="Andale Mono" charset="0"/>
+                <a:ea typeface="Andale Mono" charset="0"/>
+                <a:cs typeface="Andale Mono" charset="0"/>
+              </a:rPr>
+              <a:t>+ </a:t>
+            </a:r>
+            <a:r>
+              <a:rPr lang="en-US" sz="1800" cap="none" dirty="0" err="1" smtClean="0">
+                <a:solidFill>
+                  <a:srgbClr val="00B050"/>
+                </a:solidFill>
+                <a:latin typeface="Andale Mono" charset="0"/>
+                <a:ea typeface="Andale Mono" charset="0"/>
+                <a:cs typeface="Andale Mono" charset="0"/>
+              </a:rPr>
+              <a:t>userInput</a:t>
+            </a:r>
+            <a:endParaRPr lang="en-US" sz="1800" cap="none" dirty="0" smtClean="0">
+              <a:solidFill>
+                <a:srgbClr val="00B050"/>
+              </a:solidFill>
+              <a:latin typeface="Andale Mono" charset="0"/>
+              <a:ea typeface="Andale Mono" charset="0"/>
+              <a:cs typeface="Andale Mono" charset="0"/>
+            </a:endParaRPr>
+          </a:p>
+          <a:p>
+            <a:pPr marL="0" indent="0">
+              <a:buNone/>
+            </a:pPr>
+            <a:r>
+              <a:rPr lang="en-US" sz="1800" cap="none" dirty="0">
+                <a:solidFill>
+                  <a:schemeClr val="tx1"/>
+                </a:solidFill>
+                <a:latin typeface="Andale Mono" charset="0"/>
+                <a:ea typeface="Andale Mono" charset="0"/>
+                <a:cs typeface="Andale Mono" charset="0"/>
+              </a:rPr>
+              <a:t>	</a:t>
+            </a:r>
+            <a:r>
+              <a:rPr lang="en-US" sz="1800" cap="none" dirty="0" smtClean="0">
+                <a:solidFill>
+                  <a:schemeClr val="tx1"/>
+                </a:solidFill>
+                <a:latin typeface="Andale Mono" charset="0"/>
+                <a:ea typeface="Andale Mono" charset="0"/>
+                <a:cs typeface="Andale Mono" charset="0"/>
+              </a:rPr>
+              <a:t>	</a:t>
+            </a:r>
+            <a:r>
+              <a:rPr lang="en-US" sz="1800" cap="none" dirty="0" err="1" smtClean="0">
+                <a:solidFill>
+                  <a:srgbClr val="00B050"/>
+                </a:solidFill>
+                <a:latin typeface="Andale Mono" charset="0"/>
+                <a:ea typeface="Andale Mono" charset="0"/>
+                <a:cs typeface="Andale Mono" charset="0"/>
+              </a:rPr>
+              <a:t>correctBoolean</a:t>
+            </a:r>
+            <a:r>
+              <a:rPr lang="en-US" sz="1800" cap="none" dirty="0" smtClean="0">
+                <a:solidFill>
+                  <a:srgbClr val="00B050"/>
+                </a:solidFill>
+                <a:latin typeface="Andale Mono" charset="0"/>
+                <a:ea typeface="Andale Mono" charset="0"/>
+                <a:cs typeface="Andale Mono" charset="0"/>
+              </a:rPr>
+              <a:t> </a:t>
+            </a:r>
+            <a:r>
+              <a:rPr lang="en-US" sz="1800" cap="none" dirty="0" smtClean="0">
+                <a:solidFill>
+                  <a:schemeClr val="tx1"/>
+                </a:solidFill>
+                <a:latin typeface="Andale Mono" charset="0"/>
+                <a:ea typeface="Andale Mono" charset="0"/>
+                <a:cs typeface="Andale Mono" charset="0"/>
+              </a:rPr>
+              <a:t>= true</a:t>
+            </a:r>
+          </a:p>
+          <a:p>
+            <a:pPr marL="0" indent="0">
+              <a:buNone/>
+            </a:pPr>
+            <a:r>
+              <a:rPr lang="en-US" sz="1800" cap="none" dirty="0">
+                <a:solidFill>
+                  <a:schemeClr val="tx1"/>
+                </a:solidFill>
+                <a:latin typeface="Andale Mono" charset="0"/>
+                <a:ea typeface="Andale Mono" charset="0"/>
+                <a:cs typeface="Andale Mono" charset="0"/>
+              </a:rPr>
+              <a:t>	</a:t>
+            </a:r>
+            <a:r>
+              <a:rPr lang="en-US" sz="1800" cap="none" dirty="0" smtClean="0">
+                <a:solidFill>
+                  <a:schemeClr val="tx1"/>
+                </a:solidFill>
+                <a:latin typeface="Andale Mono" charset="0"/>
+                <a:ea typeface="Andale Mono" charset="0"/>
+                <a:cs typeface="Andale Mono" charset="0"/>
+              </a:rPr>
+              <a:t>if </a:t>
+            </a:r>
+            <a:r>
+              <a:rPr lang="en-US" sz="1800" cap="none" dirty="0" smtClean="0">
+                <a:solidFill>
+                  <a:schemeClr val="tx1"/>
+                </a:solidFill>
+                <a:latin typeface="Andale Mono" charset="0"/>
+                <a:ea typeface="Andale Mono" charset="0"/>
+                <a:cs typeface="Andale Mono" charset="0"/>
+              </a:rPr>
+              <a:t>(character has been guessed):</a:t>
+            </a:r>
+            <a:endParaRPr lang="en-US" sz="1800" cap="none" dirty="0" smtClean="0">
+              <a:solidFill>
+                <a:schemeClr val="tx1"/>
+              </a:solidFill>
+              <a:latin typeface="Andale Mono" charset="0"/>
+              <a:ea typeface="Andale Mono" charset="0"/>
+              <a:cs typeface="Andale Mono" charset="0"/>
+            </a:endParaRPr>
+          </a:p>
+          <a:p>
+            <a:pPr marL="0" indent="0">
+              <a:buNone/>
+            </a:pPr>
+            <a:r>
+              <a:rPr lang="en-US" sz="1800" cap="none" dirty="0">
+                <a:solidFill>
+                  <a:schemeClr val="tx1"/>
+                </a:solidFill>
+                <a:latin typeface="Andale Mono" charset="0"/>
+                <a:ea typeface="Andale Mono" charset="0"/>
+                <a:cs typeface="Andale Mono" charset="0"/>
+              </a:rPr>
+              <a:t>	</a:t>
+            </a:r>
+            <a:r>
+              <a:rPr lang="en-US" sz="1800" cap="none" dirty="0" smtClean="0">
+                <a:solidFill>
+                  <a:schemeClr val="tx1"/>
+                </a:solidFill>
+                <a:latin typeface="Andale Mono" charset="0"/>
+                <a:ea typeface="Andale Mono" charset="0"/>
+                <a:cs typeface="Andale Mono" charset="0"/>
+              </a:rPr>
+              <a:t>	</a:t>
+            </a:r>
+            <a:r>
+              <a:rPr lang="en-US" sz="1800" cap="none" dirty="0" err="1" smtClean="0">
+                <a:solidFill>
+                  <a:srgbClr val="00B050"/>
+                </a:solidFill>
+                <a:latin typeface="Andale Mono" charset="0"/>
+                <a:ea typeface="Andale Mono" charset="0"/>
+                <a:cs typeface="Andale Mono" charset="0"/>
+              </a:rPr>
+              <a:t>newString</a:t>
+            </a:r>
+            <a:r>
+              <a:rPr lang="en-US" sz="1800" cap="none" dirty="0" smtClean="0">
+                <a:solidFill>
+                  <a:srgbClr val="00B050"/>
+                </a:solidFill>
+                <a:latin typeface="Andale Mono" charset="0"/>
+                <a:ea typeface="Andale Mono" charset="0"/>
+                <a:cs typeface="Andale Mono" charset="0"/>
+              </a:rPr>
+              <a:t> </a:t>
+            </a:r>
+            <a:r>
+              <a:rPr lang="en-US" sz="1800" cap="none" dirty="0" smtClean="0">
+                <a:solidFill>
+                  <a:schemeClr val="tx1"/>
+                </a:solidFill>
+                <a:latin typeface="Andale Mono" charset="0"/>
+                <a:ea typeface="Andale Mono" charset="0"/>
+                <a:cs typeface="Andale Mono" charset="0"/>
+              </a:rPr>
+              <a:t>= </a:t>
+            </a:r>
+            <a:r>
+              <a:rPr lang="en-US" sz="1800" cap="none" dirty="0" err="1" smtClean="0">
+                <a:solidFill>
+                  <a:srgbClr val="00B050"/>
+                </a:solidFill>
+                <a:latin typeface="Andale Mono" charset="0"/>
+                <a:ea typeface="Andale Mono" charset="0"/>
+                <a:cs typeface="Andale Mono" charset="0"/>
+              </a:rPr>
+              <a:t>newString</a:t>
+            </a:r>
+            <a:r>
+              <a:rPr lang="en-US" sz="1800" cap="none" dirty="0" smtClean="0">
+                <a:solidFill>
+                  <a:srgbClr val="00B050"/>
+                </a:solidFill>
+                <a:latin typeface="Andale Mono" charset="0"/>
+                <a:ea typeface="Andale Mono" charset="0"/>
+                <a:cs typeface="Andale Mono" charset="0"/>
+              </a:rPr>
+              <a:t> </a:t>
+            </a:r>
+            <a:r>
+              <a:rPr lang="en-US" sz="1800" cap="none" dirty="0" smtClean="0">
+                <a:solidFill>
+                  <a:schemeClr val="tx1"/>
+                </a:solidFill>
+                <a:latin typeface="Andale Mono" charset="0"/>
+                <a:ea typeface="Andale Mono" charset="0"/>
+                <a:cs typeface="Andale Mono" charset="0"/>
+              </a:rPr>
+              <a:t>+ </a:t>
+            </a:r>
+            <a:r>
+              <a:rPr lang="en-US" sz="1800" cap="none" dirty="0" err="1" smtClean="0">
+                <a:solidFill>
+                  <a:srgbClr val="00B050"/>
+                </a:solidFill>
+                <a:latin typeface="Andale Mono" charset="0"/>
+                <a:ea typeface="Andale Mono" charset="0"/>
+                <a:cs typeface="Andale Mono" charset="0"/>
+              </a:rPr>
+              <a:t>inputHistory</a:t>
+            </a:r>
+            <a:r>
+              <a:rPr lang="en-US" sz="1800" cap="none" dirty="0" smtClean="0">
+                <a:solidFill>
+                  <a:schemeClr val="tx1"/>
+                </a:solidFill>
+                <a:latin typeface="Andale Mono" charset="0"/>
+                <a:ea typeface="Andale Mono" charset="0"/>
+                <a:cs typeface="Andale Mono" charset="0"/>
+              </a:rPr>
+              <a:t>[</a:t>
+            </a:r>
+            <a:r>
+              <a:rPr lang="en-US" sz="1800" cap="none" dirty="0" err="1" smtClean="0">
+                <a:solidFill>
+                  <a:schemeClr val="tx1"/>
+                </a:solidFill>
+                <a:latin typeface="Andale Mono" charset="0"/>
+                <a:ea typeface="Andale Mono" charset="0"/>
+                <a:cs typeface="Andale Mono" charset="0"/>
+              </a:rPr>
+              <a:t>i</a:t>
+            </a:r>
+            <a:r>
+              <a:rPr lang="en-US" sz="1800" cap="none" dirty="0" smtClean="0">
+                <a:solidFill>
+                  <a:schemeClr val="tx1"/>
+                </a:solidFill>
+                <a:latin typeface="Andale Mono" charset="0"/>
+                <a:ea typeface="Andale Mono" charset="0"/>
+                <a:cs typeface="Andale Mono" charset="0"/>
+              </a:rPr>
+              <a:t>]</a:t>
+            </a:r>
+          </a:p>
+          <a:p>
+            <a:pPr marL="0" indent="0">
+              <a:buNone/>
+            </a:pPr>
+            <a:r>
+              <a:rPr lang="en-US" sz="1800" cap="none" dirty="0">
+                <a:solidFill>
+                  <a:schemeClr val="tx1"/>
+                </a:solidFill>
+                <a:latin typeface="Andale Mono" charset="0"/>
+                <a:ea typeface="Andale Mono" charset="0"/>
+                <a:cs typeface="Andale Mono" charset="0"/>
+              </a:rPr>
+              <a:t>	</a:t>
+            </a:r>
+            <a:r>
+              <a:rPr lang="en-US" sz="1800" cap="none" dirty="0" smtClean="0">
+                <a:solidFill>
+                  <a:schemeClr val="tx1"/>
+                </a:solidFill>
+                <a:latin typeface="Andale Mono" charset="0"/>
+                <a:ea typeface="Andale Mono" charset="0"/>
+                <a:cs typeface="Andale Mono" charset="0"/>
+              </a:rPr>
+              <a:t>else:</a:t>
+            </a:r>
+          </a:p>
+          <a:p>
+            <a:pPr marL="0" indent="0">
+              <a:buNone/>
+            </a:pPr>
+            <a:r>
+              <a:rPr lang="en-US" sz="1800" cap="none" dirty="0">
+                <a:solidFill>
+                  <a:schemeClr val="tx1"/>
+                </a:solidFill>
+                <a:latin typeface="Andale Mono" charset="0"/>
+                <a:ea typeface="Andale Mono" charset="0"/>
+                <a:cs typeface="Andale Mono" charset="0"/>
+              </a:rPr>
+              <a:t>	</a:t>
+            </a:r>
+            <a:r>
+              <a:rPr lang="en-US" sz="1800" cap="none" dirty="0" smtClean="0">
+                <a:solidFill>
+                  <a:schemeClr val="tx1"/>
+                </a:solidFill>
+                <a:latin typeface="Andale Mono" charset="0"/>
+                <a:ea typeface="Andale Mono" charset="0"/>
+                <a:cs typeface="Andale Mono" charset="0"/>
+              </a:rPr>
+              <a:t>	</a:t>
+            </a:r>
+            <a:r>
+              <a:rPr lang="en-US" sz="1800" cap="none" dirty="0" err="1" smtClean="0">
+                <a:solidFill>
+                  <a:srgbClr val="00B050"/>
+                </a:solidFill>
+                <a:latin typeface="Andale Mono" charset="0"/>
+                <a:ea typeface="Andale Mono" charset="0"/>
+                <a:cs typeface="Andale Mono" charset="0"/>
+              </a:rPr>
+              <a:t>newString</a:t>
+            </a:r>
+            <a:r>
+              <a:rPr lang="en-US" sz="1800" cap="none" dirty="0" smtClean="0">
+                <a:solidFill>
+                  <a:srgbClr val="00B050"/>
+                </a:solidFill>
+                <a:latin typeface="Andale Mono" charset="0"/>
+                <a:ea typeface="Andale Mono" charset="0"/>
+                <a:cs typeface="Andale Mono" charset="0"/>
+              </a:rPr>
+              <a:t> </a:t>
+            </a:r>
+            <a:r>
+              <a:rPr lang="en-US" sz="1800" cap="none" dirty="0" smtClean="0">
+                <a:solidFill>
+                  <a:schemeClr val="tx1"/>
+                </a:solidFill>
+                <a:latin typeface="Andale Mono" charset="0"/>
+                <a:ea typeface="Andale Mono" charset="0"/>
+                <a:cs typeface="Andale Mono" charset="0"/>
+              </a:rPr>
+              <a:t>= </a:t>
+            </a:r>
+            <a:r>
+              <a:rPr lang="en-US" sz="1800" cap="none" dirty="0" err="1" smtClean="0">
+                <a:solidFill>
+                  <a:srgbClr val="00B050"/>
+                </a:solidFill>
+                <a:latin typeface="Andale Mono" charset="0"/>
+                <a:ea typeface="Andale Mono" charset="0"/>
+                <a:cs typeface="Andale Mono" charset="0"/>
+              </a:rPr>
+              <a:t>newString</a:t>
+            </a:r>
+            <a:r>
+              <a:rPr lang="en-US" sz="1800" cap="none" dirty="0" smtClean="0">
+                <a:solidFill>
+                  <a:srgbClr val="00B050"/>
+                </a:solidFill>
+                <a:latin typeface="Andale Mono" charset="0"/>
+                <a:ea typeface="Andale Mono" charset="0"/>
+                <a:cs typeface="Andale Mono" charset="0"/>
+              </a:rPr>
+              <a:t> </a:t>
+            </a:r>
+            <a:r>
+              <a:rPr lang="en-US" sz="1800" cap="none" dirty="0" smtClean="0">
+                <a:solidFill>
+                  <a:schemeClr val="tx1"/>
+                </a:solidFill>
+                <a:latin typeface="Andale Mono" charset="0"/>
+                <a:ea typeface="Andale Mono" charset="0"/>
+                <a:cs typeface="Andale Mono" charset="0"/>
+              </a:rPr>
+              <a:t>+ ‘_’</a:t>
+            </a:r>
+          </a:p>
+          <a:p>
+            <a:pPr marL="0" indent="0">
+              <a:buNone/>
+            </a:pPr>
+            <a:r>
+              <a:rPr lang="en-US" sz="1800" cap="none" dirty="0" smtClean="0">
+                <a:solidFill>
+                  <a:schemeClr val="tx1"/>
+                </a:solidFill>
+                <a:latin typeface="Andale Mono" charset="0"/>
+                <a:ea typeface="Andale Mono" charset="0"/>
+                <a:cs typeface="Andale Mono" charset="0"/>
+              </a:rPr>
+              <a:t>return </a:t>
+            </a:r>
+            <a:r>
+              <a:rPr lang="en-US" sz="1800" cap="none" dirty="0" err="1" smtClean="0">
+                <a:solidFill>
+                  <a:srgbClr val="00B050"/>
+                </a:solidFill>
+                <a:latin typeface="Andale Mono" charset="0"/>
+                <a:ea typeface="Andale Mono" charset="0"/>
+                <a:cs typeface="Andale Mono" charset="0"/>
+              </a:rPr>
+              <a:t>newString</a:t>
+            </a:r>
+            <a:r>
+              <a:rPr lang="en-US" sz="1800" cap="none" dirty="0" smtClean="0">
+                <a:solidFill>
+                  <a:schemeClr val="tx1"/>
+                </a:solidFill>
+                <a:latin typeface="Andale Mono" charset="0"/>
+                <a:ea typeface="Andale Mono" charset="0"/>
+                <a:cs typeface="Andale Mono" charset="0"/>
+              </a:rPr>
+              <a:t>, </a:t>
+            </a:r>
+            <a:r>
+              <a:rPr lang="en-US" sz="1800" cap="none" dirty="0" err="1" smtClean="0">
+                <a:solidFill>
+                  <a:srgbClr val="00B050"/>
+                </a:solidFill>
+                <a:latin typeface="Andale Mono" charset="0"/>
+                <a:ea typeface="Andale Mono" charset="0"/>
+                <a:cs typeface="Andale Mono" charset="0"/>
+              </a:rPr>
+              <a:t>correctBoolean</a:t>
+            </a:r>
+            <a:endParaRPr lang="en-US" sz="1800" cap="none" dirty="0" smtClean="0">
+              <a:solidFill>
+                <a:srgbClr val="00B050"/>
+              </a:solidFill>
+              <a:latin typeface="Andale Mono" charset="0"/>
+              <a:ea typeface="Andale Mono" charset="0"/>
+              <a:cs typeface="Andale Mono" charset="0"/>
+            </a:endParaRPr>
+          </a:p>
+        </p:txBody>
+      </p:sp>
+      <p:cxnSp>
+        <p:nvCxnSpPr>
+          <p:cNvPr id="5" name="Straight Arrow Connector 4"/>
+          <p:cNvCxnSpPr/>
+          <p:nvPr/>
+        </p:nvCxnSpPr>
+        <p:spPr>
+          <a:xfrm flipH="1">
+            <a:off x="5712133" y="6226277"/>
+            <a:ext cx="530941" cy="0"/>
+          </a:xfrm>
+          <a:prstGeom prst="straightConnector1">
+            <a:avLst/>
+          </a:prstGeom>
+          <a:ln w="38100">
+            <a:solidFill>
+              <a:srgbClr val="FF0000"/>
+            </a:solidFill>
+            <a:tailEnd type="triangle"/>
+          </a:ln>
+        </p:spPr>
+        <p:style>
+          <a:lnRef idx="1">
+            <a:schemeClr val="accent1"/>
+          </a:lnRef>
+          <a:fillRef idx="0">
+            <a:schemeClr val="accent1"/>
+          </a:fillRef>
+          <a:effectRef idx="0">
+            <a:schemeClr val="accent1"/>
+          </a:effectRef>
+          <a:fontRef idx="minor">
+            <a:schemeClr val="tx1"/>
+          </a:fontRef>
+        </p:style>
+      </p:cxnSp>
       <p:pic>
         <p:nvPicPr>
-          <p:cNvPr id="4" name="Picture 3"/>
+          <p:cNvPr id="6" name="Picture 5"/>
           <p:cNvPicPr>
             <a:picLocks noChangeAspect="1"/>
           </p:cNvPicPr>
@@ -7801,17 +7765,16 @@
         </p:blipFill>
         <p:spPr>
           <a:xfrm>
-            <a:off x="5484812" y="2126673"/>
-            <a:ext cx="1219200" cy="1219200"/>
+            <a:off x="354013" y="1168400"/>
+            <a:ext cx="787400" cy="787400"/>
           </a:xfrm>
           <a:prstGeom prst="rect">
             <a:avLst/>
           </a:prstGeom>
           <a:effectLst>
-            <a:glow rad="1905000">
+            <a:glow rad="63500">
               <a:schemeClr val="accent1">
-                <a:lumMod val="60000"/>
-                <a:lumOff val="40000"/>
+                <a:satMod val="175000"/>
                 <a:alpha val="40000"/>
               </a:schemeClr>
             </a:glow>
@@ -7821,13 +7784,20 @@
     </p:spTree>
     <p:extLst>
       <p:ext uri="{BB962C8B-B14F-4D97-AF65-F5344CB8AC3E}">
-        <p14:creationId xmlns:p14="http://schemas.microsoft.com/office/powerpoint/2010/main" val="1219035133"/>
+        <p14:creationId xmlns:p14="http://schemas.microsoft.com/office/powerpoint/2010/main" val="252288373"/>
       </p:ext>
     </p:extLst>
   </p:cSld>
   <p:clrMapOvr>
     <a:masterClrMapping/>
   </p:clrMapOvr>
+  <p:timing>
+    <p:tnLst>
+      <p:par>
+        <p:cTn id="1" dur="indefinite" restart="never" nodeType="tmRoot"/>
+      </p:par>
+    </p:tnLst>
+  </p:timing>
 </p:sld>
 </file>
 
@@ -7864,12 +7834,20 @@
           <a:lstStyle/>
           <a:p>
             <a:r>
-              <a:rPr lang="en-US" dirty="0"/>
-              <a:t>Programming </a:t>
-            </a:r>
-            <a:r>
               <a:rPr lang="en-US" dirty="0" smtClean="0"/>
-              <a:t>lab: tricks</a:t>
+              <a:t>code part </a:t>
+            </a:r>
+            <a:r>
+              <a:rPr lang="en-US" dirty="0" smtClean="0"/>
+              <a:t>one </a:t>
+            </a:r>
+            <a:r>
+              <a:rPr lang="en-US" dirty="0" smtClean="0"/>
+              <a:t>(re-visited</a:t>
+            </a:r>
+            <a:r>
+              <a:rPr lang="en-US" dirty="0" smtClean="0"/>
+              <a:t>)</a:t>
             </a:r>
             <a:endParaRPr lang="en-US" dirty="0"/>
           </a:p>
@@ -7893,83 +7871,971 @@
         </p:spPr>
         <p:txBody>
           <a:bodyPr>
-            <a:normAutofit/>
+            <a:normAutofit fontScale="92500" lnSpcReduction="20000"/>
           </a:bodyPr>
           <a:lstStyle/>
           <a:p>
-            <a:r>
-              <a:rPr lang="en-US" sz="1600" cap="none" dirty="0" smtClean="0">
-                <a:solidFill>
-                  <a:schemeClr val="tx1"/>
-                </a:solidFill>
-                <a:ea typeface="Andale Mono" charset="0"/>
-                <a:cs typeface="Andale Mono" charset="0"/>
-              </a:rPr>
-              <a:t>Make functions for:</a:t>
-            </a:r>
-          </a:p>
-          <a:p>
-            <a:pPr lvl="1"/>
-            <a:r>
-              <a:rPr lang="en-US" sz="1600" cap="none" dirty="0" smtClean="0">
-                <a:solidFill>
-                  <a:schemeClr val="tx1"/>
-                </a:solidFill>
-                <a:ea typeface="Andale Mono" charset="0"/>
-                <a:cs typeface="Andale Mono" charset="0"/>
-              </a:rPr>
-              <a:t>Create empty string of a certain length</a:t>
-            </a:r>
-          </a:p>
-          <a:p>
-            <a:pPr lvl="1"/>
-            <a:r>
-              <a:rPr lang="en-US" sz="1600" cap="none" dirty="0" smtClean="0">
-                <a:solidFill>
-                  <a:schemeClr val="tx1"/>
-                </a:solidFill>
-                <a:ea typeface="Andale Mono" charset="0"/>
-                <a:cs typeface="Andale Mono" charset="0"/>
-              </a:rPr>
-              <a:t>Printing spaces in strings</a:t>
-            </a:r>
-          </a:p>
-          <a:p>
-            <a:pPr lvl="1"/>
-            <a:r>
-              <a:rPr lang="en-US" sz="1600" cap="none" dirty="0" smtClean="0">
-                <a:solidFill>
-                  <a:schemeClr val="tx1"/>
-                </a:solidFill>
-                <a:ea typeface="Andale Mono" charset="0"/>
-                <a:cs typeface="Andale Mono" charset="0"/>
-              </a:rPr>
-              <a:t>Search for a character in a string and return tuple</a:t>
-            </a:r>
-            <a:endParaRPr lang="en-US" sz="1600" cap="none" dirty="0">
+            <a:pPr marL="0" indent="0">
+              <a:buNone/>
+            </a:pPr>
+            <a:r>
+              <a:rPr lang="en-US" sz="1800" cap="none" dirty="0">
+                <a:solidFill>
+                  <a:schemeClr val="tx1"/>
+                </a:solidFill>
+                <a:latin typeface="Andale Mono" charset="0"/>
+                <a:ea typeface="Andale Mono" charset="0"/>
+                <a:cs typeface="Andale Mono" charset="0"/>
+              </a:rPr>
+              <a:t>for </a:t>
+            </a:r>
+            <a:r>
+              <a:rPr lang="en-US" sz="1800" cap="none" dirty="0" err="1">
+                <a:solidFill>
+                  <a:srgbClr val="00B050"/>
+                </a:solidFill>
+                <a:latin typeface="Andale Mono" charset="0"/>
+                <a:ea typeface="Andale Mono" charset="0"/>
+                <a:cs typeface="Andale Mono" charset="0"/>
+              </a:rPr>
+              <a:t>guessesMade</a:t>
+            </a:r>
+            <a:r>
+              <a:rPr lang="en-US" sz="1800" cap="none" dirty="0">
+                <a:solidFill>
+                  <a:schemeClr val="tx1"/>
+                </a:solidFill>
+                <a:latin typeface="Andale Mono" charset="0"/>
+                <a:ea typeface="Andale Mono" charset="0"/>
+                <a:cs typeface="Andale Mono" charset="0"/>
+              </a:rPr>
+              <a:t> in range (0,</a:t>
+            </a:r>
+            <a:r>
+              <a:rPr lang="en-US" sz="1800" cap="none" dirty="0">
+                <a:solidFill>
+                  <a:srgbClr val="00B050"/>
+                </a:solidFill>
+                <a:latin typeface="Andale Mono" charset="0"/>
+                <a:ea typeface="Andale Mono" charset="0"/>
+                <a:cs typeface="Andale Mono" charset="0"/>
+              </a:rPr>
+              <a:t> </a:t>
+            </a:r>
+            <a:r>
+              <a:rPr lang="en-US" sz="1800" cap="none" dirty="0" err="1">
+                <a:solidFill>
+                  <a:srgbClr val="00B050"/>
+                </a:solidFill>
+                <a:latin typeface="Andale Mono" charset="0"/>
+                <a:ea typeface="Andale Mono" charset="0"/>
+                <a:cs typeface="Andale Mono" charset="0"/>
+              </a:rPr>
+              <a:t>guessesAllowed</a:t>
+            </a:r>
+            <a:r>
+              <a:rPr lang="en-US" sz="1800" cap="none" dirty="0">
+                <a:solidFill>
+                  <a:srgbClr val="00B050"/>
+                </a:solidFill>
+                <a:latin typeface="Andale Mono" charset="0"/>
+                <a:ea typeface="Andale Mono" charset="0"/>
+                <a:cs typeface="Andale Mono" charset="0"/>
+              </a:rPr>
+              <a:t>)</a:t>
+            </a:r>
+            <a:r>
+              <a:rPr lang="en-US" sz="1800" cap="none" dirty="0">
+                <a:solidFill>
+                  <a:schemeClr val="tx1"/>
+                </a:solidFill>
+                <a:latin typeface="Andale Mono" charset="0"/>
+                <a:ea typeface="Andale Mono" charset="0"/>
+                <a:cs typeface="Andale Mono" charset="0"/>
+              </a:rPr>
+              <a:t> :</a:t>
+            </a:r>
+          </a:p>
+          <a:p>
+            <a:pPr marL="0" indent="0">
+              <a:buNone/>
+            </a:pPr>
+            <a:r>
+              <a:rPr lang="en-US" sz="1800" cap="none" dirty="0" smtClean="0">
+                <a:solidFill>
+                  <a:schemeClr val="tx1"/>
+                </a:solidFill>
+                <a:latin typeface="Andale Mono" charset="0"/>
+                <a:ea typeface="Andale Mono" charset="0"/>
+                <a:cs typeface="Andale Mono" charset="0"/>
+              </a:rPr>
+              <a:t>	</a:t>
+            </a:r>
+            <a:r>
+              <a:rPr lang="en-US" sz="1800" cap="none" dirty="0" smtClean="0">
+                <a:solidFill>
+                  <a:srgbClr val="00B050"/>
+                </a:solidFill>
+                <a:latin typeface="Andale Mono" charset="0"/>
+                <a:ea typeface="Andale Mono" charset="0"/>
+                <a:cs typeface="Andale Mono" charset="0"/>
+              </a:rPr>
+              <a:t>continue </a:t>
+            </a:r>
+            <a:r>
+              <a:rPr lang="en-US" sz="1800" cap="none" dirty="0" smtClean="0">
+                <a:solidFill>
+                  <a:schemeClr val="tx1"/>
+                </a:solidFill>
+                <a:latin typeface="Andale Mono" charset="0"/>
+                <a:ea typeface="Andale Mono" charset="0"/>
+                <a:cs typeface="Andale Mono" charset="0"/>
+              </a:rPr>
+              <a:t>= true</a:t>
+            </a:r>
+          </a:p>
+          <a:p>
+            <a:pPr marL="0" indent="0">
+              <a:buNone/>
+            </a:pPr>
+            <a:r>
+              <a:rPr lang="en-US" sz="1800" cap="none" dirty="0" smtClean="0">
+                <a:solidFill>
+                  <a:schemeClr val="tx1"/>
+                </a:solidFill>
+                <a:latin typeface="Andale Mono" charset="0"/>
+                <a:ea typeface="Andale Mono" charset="0"/>
+                <a:cs typeface="Andale Mono" charset="0"/>
+              </a:rPr>
+              <a:t>	while(</a:t>
+            </a:r>
+            <a:r>
+              <a:rPr lang="en-US" sz="1800" cap="none" dirty="0" smtClean="0">
+                <a:solidFill>
+                  <a:srgbClr val="00B050"/>
+                </a:solidFill>
+                <a:latin typeface="Andale Mono" charset="0"/>
+                <a:ea typeface="Andale Mono" charset="0"/>
+                <a:cs typeface="Andale Mono" charset="0"/>
+              </a:rPr>
+              <a:t>continue</a:t>
+            </a:r>
+            <a:r>
+              <a:rPr lang="en-US" sz="1800" cap="none" dirty="0" smtClean="0">
+                <a:solidFill>
+                  <a:schemeClr val="tx1"/>
+                </a:solidFill>
+                <a:latin typeface="Andale Mono" charset="0"/>
+                <a:ea typeface="Andale Mono" charset="0"/>
+                <a:cs typeface="Andale Mono" charset="0"/>
+              </a:rPr>
+              <a:t>):</a:t>
+            </a:r>
+          </a:p>
+          <a:p>
+            <a:pPr marL="0" indent="0">
+              <a:buNone/>
+            </a:pPr>
+            <a:r>
+              <a:rPr lang="en-US" sz="1800" cap="none" dirty="0" smtClean="0">
+                <a:solidFill>
+                  <a:schemeClr val="tx1"/>
+                </a:solidFill>
+                <a:latin typeface="Andale Mono" charset="0"/>
+                <a:ea typeface="Andale Mono" charset="0"/>
+                <a:cs typeface="Andale Mono" charset="0"/>
+              </a:rPr>
+              <a:t>		</a:t>
+            </a:r>
+            <a:r>
+              <a:rPr lang="en-US" sz="1800" cap="none" dirty="0" err="1" smtClean="0">
+                <a:solidFill>
+                  <a:srgbClr val="00B050"/>
+                </a:solidFill>
+                <a:latin typeface="Andale Mono" charset="0"/>
+                <a:ea typeface="Andale Mono" charset="0"/>
+                <a:cs typeface="Andale Mono" charset="0"/>
+              </a:rPr>
+              <a:t>userInput</a:t>
+            </a:r>
+            <a:r>
+              <a:rPr lang="en-US" sz="1800" cap="none" dirty="0" smtClean="0">
+                <a:solidFill>
+                  <a:srgbClr val="00B050"/>
+                </a:solidFill>
+                <a:latin typeface="Andale Mono" charset="0"/>
+                <a:ea typeface="Andale Mono" charset="0"/>
+                <a:cs typeface="Andale Mono" charset="0"/>
+              </a:rPr>
+              <a:t> </a:t>
+            </a:r>
+            <a:r>
+              <a:rPr lang="en-US" sz="1800" cap="none" dirty="0" smtClean="0">
+                <a:solidFill>
+                  <a:schemeClr val="tx1"/>
+                </a:solidFill>
+                <a:latin typeface="Andale Mono" charset="0"/>
+                <a:ea typeface="Andale Mono" charset="0"/>
+                <a:cs typeface="Andale Mono" charset="0"/>
+              </a:rPr>
+              <a:t>= </a:t>
+            </a:r>
+            <a:r>
+              <a:rPr lang="en-US" sz="1800" cap="none" dirty="0" err="1" smtClean="0">
+                <a:solidFill>
+                  <a:schemeClr val="tx1"/>
+                </a:solidFill>
+                <a:latin typeface="Andale Mono" charset="0"/>
+                <a:ea typeface="Andale Mono" charset="0"/>
+                <a:cs typeface="Andale Mono" charset="0"/>
+              </a:rPr>
+              <a:t>getString</a:t>
+            </a:r>
+            <a:r>
+              <a:rPr lang="en-US" sz="1800" cap="none" dirty="0" smtClean="0">
+                <a:solidFill>
+                  <a:schemeClr val="tx1"/>
+                </a:solidFill>
+                <a:latin typeface="Andale Mono" charset="0"/>
+                <a:ea typeface="Andale Mono" charset="0"/>
+                <a:cs typeface="Andale Mono" charset="0"/>
+              </a:rPr>
+              <a:t>(“Enter a character”)</a:t>
+            </a:r>
+            <a:endParaRPr lang="en-US" sz="1800" cap="none" dirty="0">
               <a:solidFill>
                 <a:schemeClr val="tx1"/>
               </a:solidFill>
+              <a:latin typeface="Andale Mono" charset="0"/>
               <a:ea typeface="Andale Mono" charset="0"/>
               <a:cs typeface="Andale Mono" charset="0"/>
             </a:endParaRPr>
           </a:p>
-        </p:txBody>
-      </p:sp>
+          <a:p>
+            <a:pPr marL="0" indent="0">
+              <a:buNone/>
+            </a:pPr>
+            <a:r>
+              <a:rPr lang="en-US" sz="1800" cap="none" dirty="0" smtClean="0">
+                <a:solidFill>
+                  <a:schemeClr val="tx1"/>
+                </a:solidFill>
+                <a:latin typeface="Andale Mono" charset="0"/>
+                <a:ea typeface="Andale Mono" charset="0"/>
+                <a:cs typeface="Andale Mono" charset="0"/>
+              </a:rPr>
+              <a:t>		if (alpha and only one character):</a:t>
+            </a:r>
+          </a:p>
+          <a:p>
+            <a:pPr marL="0" indent="0">
+              <a:buNone/>
+            </a:pPr>
+            <a:r>
+              <a:rPr lang="en-US" sz="1800" cap="none" dirty="0">
+                <a:solidFill>
+                  <a:schemeClr val="tx1"/>
+                </a:solidFill>
+                <a:latin typeface="Andale Mono" charset="0"/>
+                <a:ea typeface="Andale Mono" charset="0"/>
+                <a:cs typeface="Andale Mono" charset="0"/>
+              </a:rPr>
+              <a:t>	</a:t>
+            </a:r>
+            <a:r>
+              <a:rPr lang="en-US" sz="1800" cap="none" dirty="0" smtClean="0">
+                <a:solidFill>
+                  <a:schemeClr val="tx1"/>
+                </a:solidFill>
+                <a:latin typeface="Andale Mono" charset="0"/>
+                <a:ea typeface="Andale Mono" charset="0"/>
+                <a:cs typeface="Andale Mono" charset="0"/>
+              </a:rPr>
+              <a:t>		</a:t>
+            </a:r>
+            <a:r>
+              <a:rPr lang="en-US" sz="1800" cap="none" dirty="0" err="1" smtClean="0">
+                <a:solidFill>
+                  <a:schemeClr val="tx1"/>
+                </a:solidFill>
+                <a:latin typeface="Andale Mono" charset="0"/>
+                <a:ea typeface="Andale Mono" charset="0"/>
+                <a:cs typeface="Andale Mono" charset="0"/>
+              </a:rPr>
+              <a:t>userHistory</a:t>
+            </a:r>
+            <a:r>
+              <a:rPr lang="en-US" sz="1800" cap="none" dirty="0" smtClean="0">
+                <a:solidFill>
+                  <a:schemeClr val="tx1"/>
+                </a:solidFill>
+                <a:latin typeface="Andale Mono" charset="0"/>
+                <a:ea typeface="Andale Mono" charset="0"/>
+                <a:cs typeface="Andale Mono" charset="0"/>
+              </a:rPr>
+              <a:t>, correct = </a:t>
+            </a:r>
+            <a:r>
+              <a:rPr lang="en-US" sz="1800" cap="none" dirty="0" err="1" smtClean="0">
+                <a:solidFill>
+                  <a:schemeClr val="tx1"/>
+                </a:solidFill>
+                <a:latin typeface="Andale Mono" charset="0"/>
+                <a:ea typeface="Andale Mono" charset="0"/>
+                <a:cs typeface="Andale Mono" charset="0"/>
+              </a:rPr>
+              <a:t>checkString</a:t>
+            </a:r>
+            <a:r>
+              <a:rPr lang="en-US" sz="1800" cap="none" dirty="0" smtClean="0">
+                <a:solidFill>
+                  <a:schemeClr val="tx1"/>
+                </a:solidFill>
+                <a:latin typeface="Andale Mono" charset="0"/>
+                <a:ea typeface="Andale Mono" charset="0"/>
+                <a:cs typeface="Andale Mono" charset="0"/>
+              </a:rPr>
+              <a:t>(</a:t>
+            </a:r>
+            <a:r>
+              <a:rPr lang="en-US" sz="1800" cap="none" dirty="0" err="1" smtClean="0">
+                <a:solidFill>
+                  <a:schemeClr val="tx1"/>
+                </a:solidFill>
+                <a:latin typeface="Andale Mono" charset="0"/>
+                <a:ea typeface="Andale Mono" charset="0"/>
+                <a:cs typeface="Andale Mono" charset="0"/>
+              </a:rPr>
+              <a:t>userInput</a:t>
+            </a:r>
+            <a:r>
+              <a:rPr lang="en-US" sz="1800" cap="none" dirty="0" smtClean="0">
+                <a:solidFill>
+                  <a:schemeClr val="tx1"/>
+                </a:solidFill>
+                <a:latin typeface="Andale Mono" charset="0"/>
+                <a:ea typeface="Andale Mono" charset="0"/>
+                <a:cs typeface="Andale Mono" charset="0"/>
+              </a:rPr>
+              <a:t>, </a:t>
+            </a:r>
+            <a:r>
+              <a:rPr lang="en-US" sz="1800" cap="none" dirty="0" err="1" smtClean="0">
+                <a:solidFill>
+                  <a:schemeClr val="tx1"/>
+                </a:solidFill>
+                <a:latin typeface="Andale Mono" charset="0"/>
+                <a:ea typeface="Andale Mono" charset="0"/>
+                <a:cs typeface="Andale Mono" charset="0"/>
+              </a:rPr>
+              <a:t>userHistory</a:t>
+            </a:r>
+            <a:r>
+              <a:rPr lang="en-US" sz="1800" cap="none" dirty="0" smtClean="0">
+                <a:solidFill>
+                  <a:schemeClr val="tx1"/>
+                </a:solidFill>
+                <a:latin typeface="Andale Mono" charset="0"/>
+                <a:ea typeface="Andale Mono" charset="0"/>
+                <a:cs typeface="Andale Mono" charset="0"/>
+              </a:rPr>
+              <a:t>, </a:t>
+            </a:r>
+            <a:r>
+              <a:rPr lang="mr-IN" sz="1800" cap="none" dirty="0" smtClean="0">
+                <a:solidFill>
+                  <a:schemeClr val="tx1"/>
+                </a:solidFill>
+                <a:latin typeface="Andale Mono" charset="0"/>
+                <a:ea typeface="Andale Mono" charset="0"/>
+                <a:cs typeface="Andale Mono" charset="0"/>
+              </a:rPr>
+              <a:t>…</a:t>
+            </a:r>
+            <a:r>
+              <a:rPr lang="en-US" sz="1800" cap="none" dirty="0" smtClean="0">
+                <a:solidFill>
+                  <a:schemeClr val="tx1"/>
+                </a:solidFill>
+                <a:latin typeface="Andale Mono" charset="0"/>
+                <a:ea typeface="Andale Mono" charset="0"/>
+                <a:cs typeface="Andale Mono" charset="0"/>
+              </a:rPr>
+              <a:t>)</a:t>
+            </a:r>
+            <a:endParaRPr lang="en-US" sz="1800" cap="none" dirty="0" smtClean="0">
+              <a:solidFill>
+                <a:schemeClr val="tx1"/>
+              </a:solidFill>
+              <a:latin typeface="Andale Mono" charset="0"/>
+              <a:ea typeface="Andale Mono" charset="0"/>
+              <a:cs typeface="Andale Mono" charset="0"/>
+            </a:endParaRPr>
+          </a:p>
+          <a:p>
+            <a:pPr marL="0" indent="0">
+              <a:buNone/>
+            </a:pPr>
+            <a:r>
+              <a:rPr lang="en-US" sz="1800" cap="none" dirty="0">
+                <a:solidFill>
+                  <a:schemeClr val="tx1"/>
+                </a:solidFill>
+                <a:latin typeface="Andale Mono" charset="0"/>
+                <a:ea typeface="Andale Mono" charset="0"/>
+                <a:cs typeface="Andale Mono" charset="0"/>
+              </a:rPr>
+              <a:t>	</a:t>
+            </a:r>
+            <a:r>
+              <a:rPr lang="en-US" sz="1800" cap="none" dirty="0" smtClean="0">
+                <a:solidFill>
+                  <a:schemeClr val="tx1"/>
+                </a:solidFill>
+                <a:latin typeface="Andale Mono" charset="0"/>
+                <a:ea typeface="Andale Mono" charset="0"/>
+                <a:cs typeface="Andale Mono" charset="0"/>
+              </a:rPr>
+              <a:t>		if (</a:t>
+            </a:r>
+            <a:r>
+              <a:rPr lang="en-US" sz="1800" cap="none" dirty="0" smtClean="0">
+                <a:solidFill>
+                  <a:srgbClr val="00B050"/>
+                </a:solidFill>
+                <a:latin typeface="Andale Mono" charset="0"/>
+                <a:ea typeface="Andale Mono" charset="0"/>
+                <a:cs typeface="Andale Mono" charset="0"/>
+              </a:rPr>
+              <a:t>correct</a:t>
+            </a:r>
+            <a:r>
+              <a:rPr lang="en-US" sz="1800" cap="none" dirty="0" smtClean="0">
+                <a:solidFill>
+                  <a:schemeClr val="tx1"/>
+                </a:solidFill>
+                <a:latin typeface="Andale Mono" charset="0"/>
+                <a:ea typeface="Andale Mono" charset="0"/>
+                <a:cs typeface="Andale Mono" charset="0"/>
+              </a:rPr>
+              <a:t>):</a:t>
+            </a:r>
+          </a:p>
+          <a:p>
+            <a:pPr marL="0" indent="0">
+              <a:buNone/>
+            </a:pPr>
+            <a:r>
+              <a:rPr lang="en-US" sz="1800" cap="none" dirty="0">
+                <a:solidFill>
+                  <a:schemeClr val="tx1"/>
+                </a:solidFill>
+                <a:latin typeface="Andale Mono" charset="0"/>
+                <a:ea typeface="Andale Mono" charset="0"/>
+                <a:cs typeface="Andale Mono" charset="0"/>
+              </a:rPr>
+              <a:t>	</a:t>
+            </a:r>
+            <a:r>
+              <a:rPr lang="en-US" sz="1800" cap="none" dirty="0" smtClean="0">
+                <a:solidFill>
+                  <a:schemeClr val="tx1"/>
+                </a:solidFill>
+                <a:latin typeface="Andale Mono" charset="0"/>
+                <a:ea typeface="Andale Mono" charset="0"/>
+                <a:cs typeface="Andale Mono" charset="0"/>
+              </a:rPr>
+              <a:t>			</a:t>
+            </a:r>
+            <a:r>
+              <a:rPr lang="en-US" sz="1800" cap="none" dirty="0" smtClean="0">
+                <a:solidFill>
+                  <a:srgbClr val="00B050"/>
+                </a:solidFill>
+                <a:latin typeface="Andale Mono" charset="0"/>
+                <a:ea typeface="Andale Mono" charset="0"/>
+                <a:cs typeface="Andale Mono" charset="0"/>
+              </a:rPr>
+              <a:t>continue</a:t>
+            </a:r>
+            <a:r>
+              <a:rPr lang="en-US" sz="1800" cap="none" dirty="0" smtClean="0">
+                <a:solidFill>
+                  <a:schemeClr val="tx1"/>
+                </a:solidFill>
+                <a:latin typeface="Andale Mono" charset="0"/>
+                <a:ea typeface="Andale Mono" charset="0"/>
+                <a:cs typeface="Andale Mono" charset="0"/>
+              </a:rPr>
+              <a:t> = true</a:t>
+            </a:r>
+          </a:p>
+          <a:p>
+            <a:pPr marL="0" indent="0">
+              <a:buNone/>
+            </a:pPr>
+            <a:r>
+              <a:rPr lang="en-US" sz="1800" cap="none" dirty="0">
+                <a:solidFill>
+                  <a:schemeClr val="tx1"/>
+                </a:solidFill>
+                <a:latin typeface="Andale Mono" charset="0"/>
+                <a:ea typeface="Andale Mono" charset="0"/>
+                <a:cs typeface="Andale Mono" charset="0"/>
+              </a:rPr>
+              <a:t>	</a:t>
+            </a:r>
+            <a:r>
+              <a:rPr lang="en-US" sz="1800" cap="none" dirty="0" smtClean="0">
+                <a:solidFill>
+                  <a:schemeClr val="tx1"/>
+                </a:solidFill>
+                <a:latin typeface="Andale Mono" charset="0"/>
+                <a:ea typeface="Andale Mono" charset="0"/>
+                <a:cs typeface="Andale Mono" charset="0"/>
+              </a:rPr>
+              <a:t>		else:</a:t>
+            </a:r>
+          </a:p>
+          <a:p>
+            <a:pPr marL="0" indent="0">
+              <a:buNone/>
+            </a:pPr>
+            <a:r>
+              <a:rPr lang="en-US" sz="1800" cap="none" dirty="0">
+                <a:solidFill>
+                  <a:schemeClr val="tx1"/>
+                </a:solidFill>
+                <a:latin typeface="Andale Mono" charset="0"/>
+                <a:ea typeface="Andale Mono" charset="0"/>
+                <a:cs typeface="Andale Mono" charset="0"/>
+              </a:rPr>
+              <a:t>	</a:t>
+            </a:r>
+            <a:r>
+              <a:rPr lang="en-US" sz="1800" cap="none" dirty="0" smtClean="0">
+                <a:solidFill>
+                  <a:schemeClr val="tx1"/>
+                </a:solidFill>
+                <a:latin typeface="Andale Mono" charset="0"/>
+                <a:ea typeface="Andale Mono" charset="0"/>
+                <a:cs typeface="Andale Mono" charset="0"/>
+              </a:rPr>
+              <a:t>			</a:t>
+            </a:r>
+            <a:r>
+              <a:rPr lang="en-US" sz="1800" cap="none" dirty="0" smtClean="0">
+                <a:solidFill>
+                  <a:srgbClr val="00B050"/>
+                </a:solidFill>
+                <a:latin typeface="Andale Mono" charset="0"/>
+                <a:ea typeface="Andale Mono" charset="0"/>
+                <a:cs typeface="Andale Mono" charset="0"/>
+              </a:rPr>
+              <a:t>continue</a:t>
+            </a:r>
+            <a:r>
+              <a:rPr lang="en-US" sz="1800" cap="none" dirty="0" smtClean="0">
+                <a:solidFill>
+                  <a:schemeClr val="tx1"/>
+                </a:solidFill>
+                <a:latin typeface="Andale Mono" charset="0"/>
+                <a:ea typeface="Andale Mono" charset="0"/>
+                <a:cs typeface="Andale Mono" charset="0"/>
+              </a:rPr>
+              <a:t> = false</a:t>
+            </a:r>
+          </a:p>
+          <a:p>
+            <a:pPr marL="0" indent="0">
+              <a:buNone/>
+            </a:pPr>
+            <a:r>
+              <a:rPr lang="en-US" sz="1800" cap="none" dirty="0">
+                <a:solidFill>
+                  <a:schemeClr val="tx1"/>
+                </a:solidFill>
+                <a:latin typeface="Andale Mono" charset="0"/>
+                <a:ea typeface="Andale Mono" charset="0"/>
+                <a:cs typeface="Andale Mono" charset="0"/>
+              </a:rPr>
+              <a:t>	</a:t>
+            </a:r>
+            <a:r>
+              <a:rPr lang="en-US" sz="1800" cap="none" dirty="0" smtClean="0">
+                <a:solidFill>
+                  <a:schemeClr val="tx1"/>
+                </a:solidFill>
+                <a:latin typeface="Andale Mono" charset="0"/>
+                <a:ea typeface="Andale Mono" charset="0"/>
+                <a:cs typeface="Andale Mono" charset="0"/>
+              </a:rPr>
+              <a:t>	else:</a:t>
+            </a:r>
+          </a:p>
+          <a:p>
+            <a:pPr marL="0" indent="0">
+              <a:buNone/>
+            </a:pPr>
+            <a:r>
+              <a:rPr lang="en-US" sz="1800" cap="none" dirty="0">
+                <a:solidFill>
+                  <a:schemeClr val="tx1"/>
+                </a:solidFill>
+                <a:latin typeface="Andale Mono" charset="0"/>
+                <a:ea typeface="Andale Mono" charset="0"/>
+                <a:cs typeface="Andale Mono" charset="0"/>
+              </a:rPr>
+              <a:t>	</a:t>
+            </a:r>
+            <a:r>
+              <a:rPr lang="en-US" sz="1800" cap="none" dirty="0" smtClean="0">
+                <a:solidFill>
+                  <a:schemeClr val="tx1"/>
+                </a:solidFill>
+                <a:latin typeface="Andale Mono" charset="0"/>
+                <a:ea typeface="Andale Mono" charset="0"/>
+                <a:cs typeface="Andale Mono" charset="0"/>
+              </a:rPr>
+              <a:t>		print ‘Come on.  You can follow directions right?’</a:t>
+            </a:r>
+          </a:p>
+        </p:txBody>
+      </p:sp>
+      <p:pic>
+        <p:nvPicPr>
+          <p:cNvPr id="5" name="Picture 4"/>
+          <p:cNvPicPr>
+            <a:picLocks noChangeAspect="1"/>
+          </p:cNvPicPr>
+          <p:nvPr/>
+        </p:nvPicPr>
+        <p:blipFill>
+          <a:blip r:embed="rId2">
+            <a:extLst>
+              <a:ext uri="{28A0092B-C50C-407E-A947-70E740481C1C}">
+                <a14:useLocalDpi xmlns:a14="http://schemas.microsoft.com/office/drawing/2010/main" val="0"/>
+              </a:ext>
+            </a:extLst>
+          </a:blip>
+          <a:stretch>
+            <a:fillRect/>
+          </a:stretch>
+        </p:blipFill>
+        <p:spPr>
+          <a:xfrm>
+            <a:off x="354013" y="1168400"/>
+            <a:ext cx="787400" cy="787400"/>
+          </a:xfrm>
+          <a:prstGeom prst="rect">
+            <a:avLst/>
+          </a:prstGeom>
+          <a:effectLst>
+            <a:glow rad="63500">
+              <a:schemeClr val="accent1">
+                <a:satMod val="175000"/>
+                <a:alpha val="40000"/>
+              </a:schemeClr>
+            </a:glow>
+          </a:effectLst>
+        </p:spPr>
+      </p:pic>
     </p:spTree>
     <p:extLst>
       <p:ext uri="{BB962C8B-B14F-4D97-AF65-F5344CB8AC3E}">
-        <p14:creationId xmlns:p14="http://schemas.microsoft.com/office/powerpoint/2010/main" val="718987429"/>
+        <p14:creationId xmlns:p14="http://schemas.microsoft.com/office/powerpoint/2010/main" val="662807524"/>
       </p:ext>
     </p:extLst>
   </p:cSld>
   <p:clrMapOvr>
     <a:masterClrMapping/>
   </p:clrMapOvr>
+  <p:timing>
+    <p:tnLst>
+      <p:par>
+        <p:cTn id="1" dur="indefinite" restart="never" nodeType="tmRoot"/>
+      </p:par>
+    </p:tnLst>
+  </p:timing>
 </p:sld>
 </file>
 
 <file path=ppt/slides/slide14.xml><?xml version="1.0" encoding="utf-8"?>
+<p:sld xmlns:a="http://schemas.openxmlformats.org/drawingml/2006/main" xmlns:r="http://schemas.openxmlformats.org/officeDocument/2006/relationships" xmlns:p="http://schemas.openxmlformats.org/presentationml/2006/main">
+  <p:cSld>
+    <p:bg>
+      <p:bgPr>
+        <a:blipFill rotWithShape="1">
+          <a:blip r:embed="rId2">
+            <a:duotone>
+              <a:schemeClr val="bg2">
+                <a:shade val="28000"/>
+                <a:satMod val="94000"/>
+                <a:lumMod val="20000"/>
+              </a:schemeClr>
+              <a:schemeClr val="bg2">
+                <a:tint val="94000"/>
+                <a:shade val="84000"/>
+                <a:satMod val="148000"/>
+                <a:lumMod val="114000"/>
+              </a:schemeClr>
+            </a:duotone>
+          </a:blip>
+          <a:stretch/>
+        </a:blipFill>
+        <a:effectLst/>
+      </p:bgPr>
+    </p:bg>
+    <p:spTree>
+      <p:nvGrpSpPr>
+        <p:cNvPr id="1" name=""/>
+        <p:cNvGrpSpPr/>
+        <p:nvPr/>
+      </p:nvGrpSpPr>
+      <p:grpSpPr>
+        <a:xfrm>
+          <a:off x="0" y="0"/>
+          <a:ext cx="0" cy="0"/>
+          <a:chOff x="0" y="0"/>
+          <a:chExt cx="0" cy="0"/>
+        </a:xfrm>
+      </p:grpSpPr>
+      <p:sp>
+        <p:nvSpPr>
+          <p:cNvPr id="8" name="Rounded Rectangle 9">
+            <a:extLst>
+              <a:ext uri="{FF2B5EF4-FFF2-40B4-BE49-F238E27FC236}">
+                <a16:creationId xmlns:a16="http://schemas.microsoft.com/office/drawing/2014/main" xmlns="" id="{BCA2EB72-13DC-4DC6-B461-3B036C55B925}"/>
+              </a:ext>
+            </a:extLst>
+          </p:cNvPr>
+          <p:cNvSpPr>
+            <a:spLocks noGrp="1" noRot="1" noChangeAspect="1" noMove="1" noResize="1" noEditPoints="1" noAdjustHandles="1" noChangeArrowheads="1" noChangeShapeType="1" noTextEdit="1"/>
+          </p:cNvSpPr>
+          <p:nvPr>
+            <p:extLst>
+              <p:ext uri="{386F3935-93C4-4BCD-93E2-E3B085C9AB24}">
+                <p16:designElem xmlns:p16="http://schemas.microsoft.com/office/powerpoint/2015/main" val="1"/>
+              </p:ext>
+            </p:extLst>
+          </p:nvPr>
+        </p:nvSpPr>
+        <p:spPr>
+          <a:xfrm>
+            <a:off x="643467" y="643467"/>
+            <a:ext cx="10905066" cy="5571066"/>
+          </a:xfrm>
+          <a:prstGeom prst="roundRect">
+            <a:avLst>
+              <a:gd name="adj" fmla="val 2627"/>
+            </a:avLst>
+          </a:prstGeom>
+          <a:solidFill>
+            <a:schemeClr val="bg2">
+              <a:lumMod val="75000"/>
+            </a:schemeClr>
+          </a:solidFill>
+          <a:ln w="44450">
+            <a:gradFill>
+              <a:gsLst>
+                <a:gs pos="0">
+                  <a:schemeClr val="bg2">
+                    <a:alpha val="65000"/>
+                  </a:schemeClr>
+                </a:gs>
+                <a:gs pos="98000">
+                  <a:schemeClr val="bg2">
+                    <a:lumMod val="75000"/>
+                    <a:alpha val="55000"/>
+                  </a:schemeClr>
+                </a:gs>
+              </a:gsLst>
+              <a:lin ang="5400000" scaled="1"/>
+            </a:gradFill>
+          </a:ln>
+          <a:effectLst>
+            <a:innerShdw blurRad="63500" dist="50800" dir="14460000">
+              <a:prstClr val="black">
+                <a:alpha val="70000"/>
+              </a:prstClr>
+            </a:innerShdw>
+          </a:effectLst>
+        </p:spPr>
+        <p:style>
+          <a:lnRef idx="2">
+            <a:schemeClr val="accent1">
+              <a:shade val="50000"/>
+            </a:schemeClr>
+          </a:lnRef>
+          <a:fillRef idx="1003">
+            <a:schemeClr val="dk2"/>
+          </a:fillRef>
+          <a:effectRef idx="0">
+            <a:schemeClr val="accent1"/>
+          </a:effectRef>
+          <a:fontRef idx="minor">
+            <a:schemeClr val="lt1"/>
+          </a:fontRef>
+        </p:style>
+        <p:txBody>
+          <a:bodyPr rtlCol="0" anchor="ctr"/>
+          <a:lstStyle/>
+          <a:p>
+            <a:pPr algn="ctr"/>
+            <a:endParaRPr lang="en-US"/>
+          </a:p>
+        </p:txBody>
+      </p:sp>
+      <p:cxnSp>
+        <p:nvCxnSpPr>
+          <p:cNvPr id="10" name="Straight Connector 9">
+            <a:extLst>
+              <a:ext uri="{FF2B5EF4-FFF2-40B4-BE49-F238E27FC236}">
+                <a16:creationId xmlns:a16="http://schemas.microsoft.com/office/drawing/2014/main" xmlns="" id="{C8F75BF3-096E-451E-A222-96A7F0946814}"/>
+              </a:ext>
+            </a:extLst>
+          </p:cNvPr>
+          <p:cNvCxnSpPr>
+            <a:cxnSpLocks noGrp="1" noRot="1" noChangeAspect="1" noMove="1" noResize="1" noEditPoints="1" noAdjustHandles="1" noChangeArrowheads="1" noChangeShapeType="1"/>
+          </p:cNvCxnSpPr>
+          <p:nvPr>
+            <p:extLst>
+              <p:ext uri="{386F3935-93C4-4BCD-93E2-E3B085C9AB24}">
+                <p16:designElem xmlns:p16="http://schemas.microsoft.com/office/powerpoint/2015/main" val="1"/>
+              </p:ext>
+            </p:extLst>
+          </p:nvPr>
+        </p:nvCxnSpPr>
+        <p:spPr>
+          <a:xfrm>
+            <a:off x="7538699" y="1490778"/>
+            <a:ext cx="0" cy="3876444"/>
+          </a:xfrm>
+          <a:prstGeom prst="line">
+            <a:avLst/>
+          </a:prstGeom>
+        </p:spPr>
+        <p:style>
+          <a:lnRef idx="1">
+            <a:schemeClr val="accent1"/>
+          </a:lnRef>
+          <a:fillRef idx="0">
+            <a:schemeClr val="accent1"/>
+          </a:fillRef>
+          <a:effectRef idx="0">
+            <a:schemeClr val="accent1"/>
+          </a:effectRef>
+          <a:fontRef idx="minor">
+            <a:schemeClr val="tx1"/>
+          </a:fontRef>
+        </p:style>
+      </p:cxnSp>
+      <p:sp>
+        <p:nvSpPr>
+          <p:cNvPr id="2" name="Title 1"/>
+          <p:cNvSpPr>
+            <a:spLocks noGrp="1"/>
+          </p:cNvSpPr>
+          <p:nvPr>
+            <p:ph type="title"/>
+          </p:nvPr>
+        </p:nvSpPr>
+        <p:spPr>
+          <a:xfrm>
+            <a:off x="1141413" y="965199"/>
+            <a:ext cx="6075552" cy="4918075"/>
+          </a:xfrm>
+        </p:spPr>
+        <p:txBody>
+          <a:bodyPr vert="horz" lIns="91440" tIns="45720" rIns="91440" bIns="45720" rtlCol="0" anchor="ctr">
+            <a:normAutofit/>
+          </a:bodyPr>
+          <a:lstStyle/>
+          <a:p>
+            <a:pPr algn="r"/>
+            <a:r>
+              <a:rPr lang="en-US" sz="5400" cap="none" dirty="0" smtClean="0"/>
+              <a:t>Demo</a:t>
+            </a:r>
+            <a:endParaRPr lang="en-US" sz="5400" dirty="0">
+              <a:effectLst>
+                <a:glow rad="38100">
+                  <a:schemeClr val="bg1">
+                    <a:lumMod val="65000"/>
+                    <a:lumOff val="35000"/>
+                    <a:alpha val="50000"/>
+                  </a:schemeClr>
+                </a:glow>
+                <a:outerShdw blurRad="28575" dist="31750" dir="13200000" algn="tl" rotWithShape="0">
+                  <a:srgbClr val="000000">
+                    <a:alpha val="25000"/>
+                  </a:srgbClr>
+                </a:outerShdw>
+              </a:effectLst>
+            </a:endParaRPr>
+          </a:p>
+        </p:txBody>
+      </p:sp>
+      <p:pic>
+        <p:nvPicPr>
+          <p:cNvPr id="5" name="Picture 4"/>
+          <p:cNvPicPr>
+            <a:picLocks noChangeAspect="1"/>
+          </p:cNvPicPr>
+          <p:nvPr/>
+        </p:nvPicPr>
+        <p:blipFill>
+          <a:blip r:embed="rId3">
+            <a:extLst>
+              <a:ext uri="{28A0092B-C50C-407E-A947-70E740481C1C}">
+                <a14:useLocalDpi xmlns:a14="http://schemas.microsoft.com/office/drawing/2010/main" val="0"/>
+              </a:ext>
+            </a:extLst>
+          </a:blip>
+          <a:stretch>
+            <a:fillRect/>
+          </a:stretch>
+        </p:blipFill>
+        <p:spPr>
+          <a:xfrm>
+            <a:off x="8818946" y="2814636"/>
+            <a:ext cx="1219200" cy="1219200"/>
+          </a:xfrm>
+          <a:prstGeom prst="rect">
+            <a:avLst/>
+          </a:prstGeom>
+          <a:effectLst>
+            <a:glow rad="1905000">
+              <a:schemeClr val="accent1">
+                <a:lumMod val="60000"/>
+                <a:lumOff val="40000"/>
+                <a:alpha val="40000"/>
+              </a:schemeClr>
+            </a:glow>
+          </a:effectLst>
+        </p:spPr>
+      </p:pic>
+    </p:spTree>
+    <p:extLst>
+      <p:ext uri="{BB962C8B-B14F-4D97-AF65-F5344CB8AC3E}">
+        <p14:creationId xmlns:p14="http://schemas.microsoft.com/office/powerpoint/2010/main" val="1484343431"/>
+      </p:ext>
+    </p:extLst>
+  </p:cSld>
+  <p:clrMapOvr>
+    <a:masterClrMapping/>
+  </p:clrMapOvr>
+  <p:timing>
+    <p:tnLst>
+      <p:par>
+        <p:cTn id="1" dur="indefinite" restart="never" nodeType="tmRoot"/>
+      </p:par>
+    </p:tnLst>
+  </p:timing>
+</p:sld>
+</file>
+
+<file path=ppt/slides/slide15.xml><?xml version="1.0" encoding="utf-8"?>
 <p:sld xmlns:a="http://schemas.openxmlformats.org/drawingml/2006/main" xmlns:r="http://schemas.openxmlformats.org/officeDocument/2006/relationships" xmlns:p="http://schemas.openxmlformats.org/presentationml/2006/main">
   <p:cSld>
     <p:spTree>
@@ -8123,10 +8989,653 @@
   <p:clrMapOvr>
     <a:masterClrMapping/>
   </p:clrMapOvr>
+  <p:timing>
+    <p:tnLst>
+      <p:par>
+        <p:cTn id="1" dur="indefinite" restart="never" nodeType="tmRoot"/>
+      </p:par>
+    </p:tnLst>
+  </p:timing>
 </p:sld>
 </file>
 
 <file path=ppt/slides/slide2.xml><?xml version="1.0" encoding="utf-8"?>
+<p:sld xmlns:a="http://schemas.openxmlformats.org/drawingml/2006/main" xmlns:r="http://schemas.openxmlformats.org/officeDocument/2006/relationships" xmlns:p="http://schemas.openxmlformats.org/presentationml/2006/main">
+  <p:cSld>
+    <p:bg>
+      <p:bgPr>
+        <a:blipFill rotWithShape="1">
+          <a:blip r:embed="rId2">
+            <a:duotone>
+              <a:schemeClr val="bg2">
+                <a:shade val="28000"/>
+                <a:satMod val="94000"/>
+                <a:lumMod val="20000"/>
+              </a:schemeClr>
+              <a:schemeClr val="bg2">
+                <a:tint val="94000"/>
+                <a:shade val="84000"/>
+                <a:satMod val="148000"/>
+                <a:lumMod val="114000"/>
+              </a:schemeClr>
+            </a:duotone>
+          </a:blip>
+          <a:stretch/>
+        </a:blipFill>
+        <a:effectLst/>
+      </p:bgPr>
+    </p:bg>
+    <p:spTree>
+      <p:nvGrpSpPr>
+        <p:cNvPr id="1" name=""/>
+        <p:cNvGrpSpPr/>
+        <p:nvPr/>
+      </p:nvGrpSpPr>
+      <p:grpSpPr>
+        <a:xfrm>
+          <a:off x="0" y="0"/>
+          <a:ext cx="0" cy="0"/>
+          <a:chOff x="0" y="0"/>
+          <a:chExt cx="0" cy="0"/>
+        </a:xfrm>
+      </p:grpSpPr>
+      <p:sp>
+        <p:nvSpPr>
+          <p:cNvPr id="8" name="Rounded Rectangle 9">
+            <a:extLst>
+              <a:ext uri="{FF2B5EF4-FFF2-40B4-BE49-F238E27FC236}">
+                <a16:creationId xmlns:a16="http://schemas.microsoft.com/office/drawing/2014/main" xmlns="" id="{BCA2EB72-13DC-4DC6-B461-3B036C55B925}"/>
+              </a:ext>
+            </a:extLst>
+          </p:cNvPr>
+          <p:cNvSpPr>
+            <a:spLocks noGrp="1" noRot="1" noChangeAspect="1" noMove="1" noResize="1" noEditPoints="1" noAdjustHandles="1" noChangeArrowheads="1" noChangeShapeType="1" noTextEdit="1"/>
+          </p:cNvSpPr>
+          <p:nvPr>
+            <p:extLst>
+              <p:ext uri="{386F3935-93C4-4BCD-93E2-E3B085C9AB24}">
+                <p16:designElem xmlns:p16="http://schemas.microsoft.com/office/powerpoint/2015/main" val="1"/>
+              </p:ext>
+            </p:extLst>
+          </p:nvPr>
+        </p:nvSpPr>
+        <p:spPr>
+          <a:xfrm>
+            <a:off x="643467" y="643467"/>
+            <a:ext cx="10905066" cy="5571066"/>
+          </a:xfrm>
+          <a:prstGeom prst="roundRect">
+            <a:avLst>
+              <a:gd name="adj" fmla="val 2627"/>
+            </a:avLst>
+          </a:prstGeom>
+          <a:solidFill>
+            <a:schemeClr val="bg2">
+              <a:lumMod val="75000"/>
+            </a:schemeClr>
+          </a:solidFill>
+          <a:ln w="44450">
+            <a:gradFill>
+              <a:gsLst>
+                <a:gs pos="0">
+                  <a:schemeClr val="bg2">
+                    <a:alpha val="65000"/>
+                  </a:schemeClr>
+                </a:gs>
+                <a:gs pos="98000">
+                  <a:schemeClr val="bg2">
+                    <a:lumMod val="75000"/>
+                    <a:alpha val="55000"/>
+                  </a:schemeClr>
+                </a:gs>
+              </a:gsLst>
+              <a:lin ang="5400000" scaled="1"/>
+            </a:gradFill>
+          </a:ln>
+          <a:effectLst>
+            <a:innerShdw blurRad="63500" dist="50800" dir="14460000">
+              <a:prstClr val="black">
+                <a:alpha val="70000"/>
+              </a:prstClr>
+            </a:innerShdw>
+          </a:effectLst>
+        </p:spPr>
+        <p:style>
+          <a:lnRef idx="2">
+            <a:schemeClr val="accent1">
+              <a:shade val="50000"/>
+            </a:schemeClr>
+          </a:lnRef>
+          <a:fillRef idx="1003">
+            <a:schemeClr val="dk2"/>
+          </a:fillRef>
+          <a:effectRef idx="0">
+            <a:schemeClr val="accent1"/>
+          </a:effectRef>
+          <a:fontRef idx="minor">
+            <a:schemeClr val="lt1"/>
+          </a:fontRef>
+        </p:style>
+        <p:txBody>
+          <a:bodyPr rtlCol="0" anchor="ctr"/>
+          <a:lstStyle/>
+          <a:p>
+            <a:pPr algn="ctr"/>
+            <a:endParaRPr lang="en-US"/>
+          </a:p>
+        </p:txBody>
+      </p:sp>
+      <p:cxnSp>
+        <p:nvCxnSpPr>
+          <p:cNvPr id="10" name="Straight Connector 9">
+            <a:extLst>
+              <a:ext uri="{FF2B5EF4-FFF2-40B4-BE49-F238E27FC236}">
+                <a16:creationId xmlns:a16="http://schemas.microsoft.com/office/drawing/2014/main" xmlns="" id="{C8F75BF3-096E-451E-A222-96A7F0946814}"/>
+              </a:ext>
+            </a:extLst>
+          </p:cNvPr>
+          <p:cNvCxnSpPr>
+            <a:cxnSpLocks noGrp="1" noRot="1" noChangeAspect="1" noMove="1" noResize="1" noEditPoints="1" noAdjustHandles="1" noChangeArrowheads="1" noChangeShapeType="1"/>
+          </p:cNvCxnSpPr>
+          <p:nvPr>
+            <p:extLst>
+              <p:ext uri="{386F3935-93C4-4BCD-93E2-E3B085C9AB24}">
+                <p16:designElem xmlns:p16="http://schemas.microsoft.com/office/powerpoint/2015/main" val="1"/>
+              </p:ext>
+            </p:extLst>
+          </p:nvPr>
+        </p:nvCxnSpPr>
+        <p:spPr>
+          <a:xfrm>
+            <a:off x="7538699" y="1490778"/>
+            <a:ext cx="0" cy="3876444"/>
+          </a:xfrm>
+          <a:prstGeom prst="line">
+            <a:avLst/>
+          </a:prstGeom>
+        </p:spPr>
+        <p:style>
+          <a:lnRef idx="1">
+            <a:schemeClr val="accent1"/>
+          </a:lnRef>
+          <a:fillRef idx="0">
+            <a:schemeClr val="accent1"/>
+          </a:fillRef>
+          <a:effectRef idx="0">
+            <a:schemeClr val="accent1"/>
+          </a:effectRef>
+          <a:fontRef idx="minor">
+            <a:schemeClr val="tx1"/>
+          </a:fontRef>
+        </p:style>
+      </p:cxnSp>
+      <p:sp>
+        <p:nvSpPr>
+          <p:cNvPr id="2" name="Title 1"/>
+          <p:cNvSpPr>
+            <a:spLocks noGrp="1"/>
+          </p:cNvSpPr>
+          <p:nvPr>
+            <p:ph type="title"/>
+          </p:nvPr>
+        </p:nvSpPr>
+        <p:spPr>
+          <a:xfrm>
+            <a:off x="1141413" y="965199"/>
+            <a:ext cx="6075552" cy="4918075"/>
+          </a:xfrm>
+        </p:spPr>
+        <p:txBody>
+          <a:bodyPr vert="horz" lIns="91440" tIns="45720" rIns="91440" bIns="45720" rtlCol="0" anchor="ctr">
+            <a:normAutofit/>
+          </a:bodyPr>
+          <a:lstStyle/>
+          <a:p>
+            <a:pPr algn="r"/>
+            <a:r>
+              <a:rPr lang="en-US" sz="5400" cap="none" dirty="0" smtClean="0"/>
+              <a:t>Warm Up</a:t>
+            </a:r>
+            <a:endParaRPr lang="en-US" sz="5400" dirty="0">
+              <a:effectLst>
+                <a:glow rad="38100">
+                  <a:schemeClr val="bg1">
+                    <a:lumMod val="65000"/>
+                    <a:lumOff val="35000"/>
+                    <a:alpha val="50000"/>
+                  </a:schemeClr>
+                </a:glow>
+                <a:outerShdw blurRad="28575" dist="31750" dir="13200000" algn="tl" rotWithShape="0">
+                  <a:srgbClr val="000000">
+                    <a:alpha val="25000"/>
+                  </a:srgbClr>
+                </a:outerShdw>
+              </a:effectLst>
+            </a:endParaRPr>
+          </a:p>
+        </p:txBody>
+      </p:sp>
+      <p:pic>
+        <p:nvPicPr>
+          <p:cNvPr id="5" name="Picture 4"/>
+          <p:cNvPicPr>
+            <a:picLocks noChangeAspect="1"/>
+          </p:cNvPicPr>
+          <p:nvPr/>
+        </p:nvPicPr>
+        <p:blipFill>
+          <a:blip r:embed="rId3">
+            <a:extLst>
+              <a:ext uri="{28A0092B-C50C-407E-A947-70E740481C1C}">
+                <a14:useLocalDpi xmlns:a14="http://schemas.microsoft.com/office/drawing/2010/main" val="0"/>
+              </a:ext>
+            </a:extLst>
+          </a:blip>
+          <a:stretch>
+            <a:fillRect/>
+          </a:stretch>
+        </p:blipFill>
+        <p:spPr>
+          <a:xfrm>
+            <a:off x="8961466" y="2814636"/>
+            <a:ext cx="1219200" cy="1219200"/>
+          </a:xfrm>
+          <a:prstGeom prst="rect">
+            <a:avLst/>
+          </a:prstGeom>
+          <a:effectLst>
+            <a:glow rad="1308100">
+              <a:schemeClr val="accent1">
+                <a:satMod val="175000"/>
+                <a:alpha val="40000"/>
+              </a:schemeClr>
+            </a:glow>
+          </a:effectLst>
+        </p:spPr>
+      </p:pic>
+    </p:spTree>
+    <p:extLst>
+      <p:ext uri="{BB962C8B-B14F-4D97-AF65-F5344CB8AC3E}">
+        <p14:creationId xmlns:p14="http://schemas.microsoft.com/office/powerpoint/2010/main" val="956763683"/>
+      </p:ext>
+    </p:extLst>
+  </p:cSld>
+  <p:clrMapOvr>
+    <a:masterClrMapping/>
+  </p:clrMapOvr>
+  <p:timing>
+    <p:tnLst>
+      <p:par>
+        <p:cTn id="1" dur="indefinite" restart="never" nodeType="tmRoot"/>
+      </p:par>
+    </p:tnLst>
+  </p:timing>
+</p:sld>
+</file>
+
+<file path=ppt/slides/slide3.xml><?xml version="1.0" encoding="utf-8"?>
+<p:sld xmlns:a="http://schemas.openxmlformats.org/drawingml/2006/main" xmlns:r="http://schemas.openxmlformats.org/officeDocument/2006/relationships" xmlns:p="http://schemas.openxmlformats.org/presentationml/2006/main">
+  <p:cSld>
+    <p:bg>
+      <p:bgPr>
+        <a:blipFill rotWithShape="1">
+          <a:blip r:embed="rId2">
+            <a:duotone>
+              <a:schemeClr val="bg2">
+                <a:shade val="28000"/>
+                <a:satMod val="94000"/>
+                <a:lumMod val="20000"/>
+              </a:schemeClr>
+              <a:schemeClr val="bg2">
+                <a:tint val="94000"/>
+                <a:shade val="84000"/>
+                <a:satMod val="148000"/>
+                <a:lumMod val="114000"/>
+              </a:schemeClr>
+            </a:duotone>
+          </a:blip>
+          <a:stretch/>
+        </a:blipFill>
+        <a:effectLst/>
+      </p:bgPr>
+    </p:bg>
+    <p:spTree>
+      <p:nvGrpSpPr>
+        <p:cNvPr id="1" name=""/>
+        <p:cNvGrpSpPr/>
+        <p:nvPr/>
+      </p:nvGrpSpPr>
+      <p:grpSpPr>
+        <a:xfrm>
+          <a:off x="0" y="0"/>
+          <a:ext cx="0" cy="0"/>
+          <a:chOff x="0" y="0"/>
+          <a:chExt cx="0" cy="0"/>
+        </a:xfrm>
+      </p:grpSpPr>
+      <p:sp>
+        <p:nvSpPr>
+          <p:cNvPr id="8" name="Rectangle 7">
+            <a:extLst>
+              <a:ext uri="{FF2B5EF4-FFF2-40B4-BE49-F238E27FC236}">
+                <a16:creationId xmlns:a16="http://schemas.microsoft.com/office/drawing/2014/main" xmlns="" id="{375136A9-49F9-4DA0-A741-F065B0FA091D}"/>
+              </a:ext>
+            </a:extLst>
+          </p:cNvPr>
+          <p:cNvSpPr>
+            <a:spLocks noGrp="1" noRot="1" noChangeAspect="1" noMove="1" noResize="1" noEditPoints="1" noAdjustHandles="1" noChangeArrowheads="1" noChangeShapeType="1" noTextEdit="1"/>
+          </p:cNvSpPr>
+          <p:nvPr>
+            <p:extLst>
+              <p:ext uri="{386F3935-93C4-4BCD-93E2-E3B085C9AB24}">
+                <p16:designElem xmlns:p16="http://schemas.microsoft.com/office/powerpoint/2015/main" val="1"/>
+              </p:ext>
+            </p:extLst>
+          </p:nvPr>
+        </p:nvSpPr>
+        <p:spPr>
+          <a:xfrm>
+            <a:off x="4633356" y="0"/>
+            <a:ext cx="7558643" cy="6858000"/>
+          </a:xfrm>
+          <a:prstGeom prst="rect">
+            <a:avLst/>
+          </a:prstGeom>
+          <a:solidFill>
+            <a:schemeClr val="bg2"/>
+          </a:solidFill>
+          <a:ln>
+            <a:noFill/>
+          </a:ln>
+          <a:effectLst>
+            <a:innerShdw blurRad="63500" dist="50800" dir="10800000">
+              <a:prstClr val="black">
+                <a:alpha val="50000"/>
+              </a:prstClr>
+            </a:innerShdw>
+          </a:effectLst>
+        </p:spPr>
+        <p:style>
+          <a:lnRef idx="2">
+            <a:schemeClr val="accent1">
+              <a:shade val="50000"/>
+            </a:schemeClr>
+          </a:lnRef>
+          <a:fillRef idx="1">
+            <a:schemeClr val="accent1"/>
+          </a:fillRef>
+          <a:effectRef idx="0">
+            <a:schemeClr val="accent1"/>
+          </a:effectRef>
+          <a:fontRef idx="minor">
+            <a:schemeClr val="lt1"/>
+          </a:fontRef>
+        </p:style>
+        <p:txBody>
+          <a:bodyPr rtlCol="0" anchor="ctr"/>
+          <a:lstStyle/>
+          <a:p>
+            <a:pPr algn="ctr"/>
+            <a:endParaRPr lang="en-US" dirty="0"/>
+          </a:p>
+        </p:txBody>
+      </p:sp>
+      <p:sp>
+        <p:nvSpPr>
+          <p:cNvPr id="10" name="Rectangle 9">
+            <a:extLst>
+              <a:ext uri="{FF2B5EF4-FFF2-40B4-BE49-F238E27FC236}">
+                <a16:creationId xmlns:a16="http://schemas.microsoft.com/office/drawing/2014/main" xmlns="" id="{B912F6C7-0423-4B6F-AECE-710C848918FD}"/>
+              </a:ext>
+            </a:extLst>
+          </p:cNvPr>
+          <p:cNvSpPr>
+            <a:spLocks noGrp="1" noRot="1" noChangeAspect="1" noMove="1" noResize="1" noEditPoints="1" noAdjustHandles="1" noChangeArrowheads="1" noChangeShapeType="1" noTextEdit="1"/>
+          </p:cNvSpPr>
+          <p:nvPr>
+            <p:extLst>
+              <p:ext uri="{386F3935-93C4-4BCD-93E2-E3B085C9AB24}">
+                <p16:designElem xmlns:p16="http://schemas.microsoft.com/office/powerpoint/2015/main" val="1"/>
+              </p:ext>
+            </p:extLst>
+          </p:nvPr>
+        </p:nvSpPr>
+        <p:spPr>
+          <a:xfrm rot="5400000" flipH="1">
+            <a:off x="1446539" y="3195797"/>
+            <a:ext cx="6858000" cy="466406"/>
+          </a:xfrm>
+          <a:prstGeom prst="rect">
+            <a:avLst/>
+          </a:prstGeom>
+          <a:gradFill>
+            <a:gsLst>
+              <a:gs pos="0">
+                <a:srgbClr val="363D46">
+                  <a:alpha val="0"/>
+                </a:srgbClr>
+              </a:gs>
+              <a:gs pos="100000">
+                <a:srgbClr val="363D46">
+                  <a:lumMod val="75000"/>
+                </a:srgbClr>
+              </a:gs>
+            </a:gsLst>
+            <a:lin ang="5400000" scaled="0"/>
+          </a:gradFill>
+          <a:ln>
+            <a:noFill/>
+          </a:ln>
+          <a:effectLst/>
+        </p:spPr>
+        <p:style>
+          <a:lnRef idx="2">
+            <a:schemeClr val="accent1">
+              <a:shade val="50000"/>
+            </a:schemeClr>
+          </a:lnRef>
+          <a:fillRef idx="1">
+            <a:schemeClr val="accent1"/>
+          </a:fillRef>
+          <a:effectRef idx="0">
+            <a:schemeClr val="accent1"/>
+          </a:effectRef>
+          <a:fontRef idx="minor">
+            <a:schemeClr val="lt1"/>
+          </a:fontRef>
+        </p:style>
+        <p:txBody>
+          <a:bodyPr rot="0" spcFirstLastPara="0" vertOverflow="overflow" horzOverflow="overflow" vert="horz" wrap="square" lIns="91440" tIns="45720" rIns="91440" bIns="45720" numCol="1" spcCol="0" rtlCol="0" fromWordArt="0" anchor="ctr" anchorCtr="0" forceAA="0" compatLnSpc="1">
+            <a:prstTxWarp prst="textNoShape">
+              <a:avLst/>
+            </a:prstTxWarp>
+            <a:noAutofit/>
+          </a:bodyPr>
+          <a:lstStyle/>
+          <a:p>
+            <a:pPr algn="ctr"/>
+            <a:endParaRPr lang="en-US"/>
+          </a:p>
+        </p:txBody>
+      </p:sp>
+      <p:cxnSp>
+        <p:nvCxnSpPr>
+          <p:cNvPr id="12" name="Straight Connector 11">
+            <a:extLst>
+              <a:ext uri="{FF2B5EF4-FFF2-40B4-BE49-F238E27FC236}">
+                <a16:creationId xmlns:a16="http://schemas.microsoft.com/office/drawing/2014/main" xmlns="" id="{A7208205-03EE-4EC8-9C34-59270C1880D8}"/>
+              </a:ext>
+            </a:extLst>
+          </p:cNvPr>
+          <p:cNvCxnSpPr>
+            <a:cxnSpLocks noGrp="1" noRot="1" noChangeAspect="1" noMove="1" noResize="1" noEditPoints="1" noAdjustHandles="1" noChangeArrowheads="1" noChangeShapeType="1"/>
+          </p:cNvCxnSpPr>
+          <p:nvPr>
+            <p:extLst>
+              <p:ext uri="{386F3935-93C4-4BCD-93E2-E3B085C9AB24}">
+                <p16:designElem xmlns:p16="http://schemas.microsoft.com/office/powerpoint/2015/main" val="1"/>
+              </p:ext>
+            </p:extLst>
+          </p:nvPr>
+        </p:nvCxnSpPr>
+        <p:spPr>
+          <a:xfrm>
+            <a:off x="4642336" y="0"/>
+            <a:ext cx="0" cy="6858000"/>
+          </a:xfrm>
+          <a:prstGeom prst="line">
+            <a:avLst/>
+          </a:prstGeom>
+          <a:solidFill>
+            <a:srgbClr val="FFFFFF"/>
+          </a:solidFill>
+          <a:ln w="38100" cap="flat">
+            <a:gradFill flip="none" rotWithShape="1">
+              <a:gsLst>
+                <a:gs pos="0">
+                  <a:srgbClr val="363D46"/>
+                </a:gs>
+                <a:gs pos="100000">
+                  <a:srgbClr val="363D46">
+                    <a:lumMod val="75000"/>
+                  </a:srgbClr>
+                </a:gs>
+              </a:gsLst>
+              <a:lin ang="5400000" scaled="0"/>
+              <a:tileRect/>
+            </a:gradFill>
+            <a:miter lim="800000"/>
+          </a:ln>
+          <a:effectLst>
+            <a:innerShdw blurRad="57150" dist="38100" dir="14460000">
+              <a:srgbClr val="000000">
+                <a:alpha val="70000"/>
+              </a:srgbClr>
+            </a:innerShdw>
+          </a:effectLst>
+        </p:spPr>
+        <p:style>
+          <a:lnRef idx="2">
+            <a:schemeClr val="accent1">
+              <a:shade val="50000"/>
+            </a:schemeClr>
+          </a:lnRef>
+          <a:fillRef idx="1">
+            <a:schemeClr val="accent1"/>
+          </a:fillRef>
+          <a:effectRef idx="0">
+            <a:schemeClr val="accent1"/>
+          </a:effectRef>
+          <a:fontRef idx="minor">
+            <a:schemeClr val="lt1"/>
+          </a:fontRef>
+        </p:style>
+      </p:cxnSp>
+      <p:sp>
+        <p:nvSpPr>
+          <p:cNvPr id="2" name="Title 1"/>
+          <p:cNvSpPr>
+            <a:spLocks noGrp="1"/>
+          </p:cNvSpPr>
+          <p:nvPr>
+            <p:ph type="title"/>
+          </p:nvPr>
+        </p:nvSpPr>
+        <p:spPr>
+          <a:xfrm>
+            <a:off x="974179" y="714375"/>
+            <a:ext cx="3332955" cy="5076826"/>
+          </a:xfrm>
+        </p:spPr>
+        <p:txBody>
+          <a:bodyPr anchor="ctr">
+            <a:normAutofit/>
+          </a:bodyPr>
+          <a:lstStyle/>
+          <a:p>
+            <a:r>
+              <a:rPr lang="en-US" sz="3100" dirty="0" smtClean="0"/>
+              <a:t>lab </a:t>
+            </a:r>
+            <a:r>
+              <a:rPr lang="en-US" sz="3100" dirty="0"/>
+              <a:t>warmup</a:t>
+            </a:r>
+          </a:p>
+        </p:txBody>
+      </p:sp>
+      <p:sp>
+        <p:nvSpPr>
+          <p:cNvPr id="3" name="Content Placeholder 2"/>
+          <p:cNvSpPr>
+            <a:spLocks noGrp="1"/>
+          </p:cNvSpPr>
+          <p:nvPr>
+            <p:ph idx="1"/>
+          </p:nvPr>
+        </p:nvSpPr>
+        <p:spPr>
+          <a:xfrm>
+            <a:off x="4973046" y="714375"/>
+            <a:ext cx="6253751" cy="5076825"/>
+          </a:xfrm>
+        </p:spPr>
+        <p:txBody>
+          <a:bodyPr>
+            <a:normAutofit/>
+          </a:bodyPr>
+          <a:lstStyle/>
+          <a:p>
+            <a:r>
+              <a:rPr lang="en-US">
+                <a:solidFill>
+                  <a:schemeClr val="tx1"/>
+                </a:solidFill>
+              </a:rPr>
+              <a:t>Request user to enter their name</a:t>
+            </a:r>
+          </a:p>
+          <a:p>
+            <a:r>
+              <a:rPr lang="en-US">
+                <a:solidFill>
+                  <a:schemeClr val="tx1"/>
+                </a:solidFill>
+              </a:rPr>
+              <a:t>Annoy them and keep asking for name until they enter ‘stop’</a:t>
+            </a:r>
+          </a:p>
+          <a:p>
+            <a:pPr lvl="1"/>
+            <a:endParaRPr lang="en-US">
+              <a:solidFill>
+                <a:schemeClr val="tx1"/>
+              </a:solidFill>
+            </a:endParaRPr>
+          </a:p>
+        </p:txBody>
+      </p:sp>
+    </p:spTree>
+    <p:extLst>
+      <p:ext uri="{BB962C8B-B14F-4D97-AF65-F5344CB8AC3E}">
+        <p14:creationId xmlns:p14="http://schemas.microsoft.com/office/powerpoint/2010/main" val="717962220"/>
+      </p:ext>
+    </p:extLst>
+  </p:cSld>
+  <p:clrMapOvr>
+    <a:masterClrMapping/>
+  </p:clrMapOvr>
+  <p:timing>
+    <p:tnLst>
+      <p:par>
+        <p:cTn id="1" dur="indefinite" restart="never" nodeType="tmRoot"/>
+      </p:par>
+    </p:tnLst>
+  </p:timing>
+</p:sld>
+</file>
+
+<file path=ppt/slides/slide4.xml><?xml version="1.0" encoding="utf-8"?>
 <p:sld xmlns:a="http://schemas.openxmlformats.org/drawingml/2006/main" xmlns:r="http://schemas.openxmlformats.org/officeDocument/2006/relationships" xmlns:p="http://schemas.openxmlformats.org/presentationml/2006/main">
   <p:cSld>
     <p:spTree>
@@ -8707,11 +10216,6 @@
               </a:rPr>
               <a:t> = ‘123’</a:t>
             </a:r>
-            <a:endParaRPr lang="en-US" sz="3200" cap="none" dirty="0" smtClean="0">
-              <a:latin typeface="Andale Mono" charset="0"/>
-              <a:ea typeface="Andale Mono" charset="0"/>
-              <a:cs typeface="Andale Mono" charset="0"/>
-            </a:endParaRPr>
           </a:p>
         </p:txBody>
       </p:sp>
@@ -8737,8 +10241,8 @@
         </p:blipFill>
         <p:spPr>
           <a:xfrm>
-            <a:off x="-162973" y="666285"/>
-            <a:ext cx="1968933" cy="1968933"/>
+            <a:off x="5278878" y="1111317"/>
+            <a:ext cx="901566" cy="901566"/>
           </a:xfrm>
           <a:prstGeom prst="rect">
             <a:avLst/>
@@ -8763,10 +10267,17 @@
   <p:clrMapOvr>
     <a:masterClrMapping/>
   </p:clrMapOvr>
+  <p:timing>
+    <p:tnLst>
+      <p:par>
+        <p:cTn id="1" dur="indefinite" restart="never" nodeType="tmRoot"/>
+      </p:par>
+    </p:tnLst>
+  </p:timing>
 </p:sld>
 </file>
 
-<file path=ppt/slides/slide3.xml><?xml version="1.0" encoding="utf-8"?>
+<file path=ppt/slides/slide5.xml><?xml version="1.0" encoding="utf-8"?>
 <p:sld xmlns:a="http://schemas.openxmlformats.org/drawingml/2006/main" xmlns:r="http://schemas.openxmlformats.org/officeDocument/2006/relationships" xmlns:p="http://schemas.openxmlformats.org/presentationml/2006/main">
   <p:cSld>
     <p:spTree>
@@ -8800,249 +10311,11 @@
           <a:p>
             <a:r>
               <a:rPr lang="en-US" dirty="0" smtClean="0"/>
-              <a:t>Built in string methods | </a:t>
-            </a:r>
-            <a:r>
-              <a:rPr lang="en-US" dirty="0" err="1" smtClean="0"/>
-              <a:t>isalpha</a:t>
-            </a:r>
-            <a:endParaRPr lang="en-US" dirty="0"/>
-          </a:p>
-        </p:txBody>
-      </p:sp>
-      <p:sp>
-        <p:nvSpPr>
-          <p:cNvPr id="3" name="Content Placeholder 2"/>
-          <p:cNvSpPr>
-            <a:spLocks noGrp="1"/>
-          </p:cNvSpPr>
-          <p:nvPr>
-            <p:ph idx="1"/>
-          </p:nvPr>
-        </p:nvSpPr>
-        <p:spPr>
-          <a:xfrm>
-            <a:off x="1805959" y="2514600"/>
-            <a:ext cx="7588763" cy="3124201"/>
-          </a:xfrm>
-        </p:spPr>
-        <p:txBody>
-          <a:bodyPr>
-            <a:normAutofit/>
-          </a:bodyPr>
-          <a:lstStyle/>
-          <a:p>
-            <a:pPr marL="0" indent="0">
-              <a:buNone/>
-            </a:pPr>
-            <a:r>
-              <a:rPr lang="en-US" sz="3200" cap="none" dirty="0">
-                <a:solidFill>
-                  <a:schemeClr val="tx1"/>
-                </a:solidFill>
-                <a:latin typeface="Andale Mono" charset="0"/>
-                <a:ea typeface="Andale Mono" charset="0"/>
-                <a:cs typeface="Andale Mono" charset="0"/>
-              </a:rPr>
-              <a:t>&gt;&gt;&gt;</a:t>
-            </a:r>
-            <a:r>
-              <a:rPr lang="en-US" sz="3200" cap="none" dirty="0" smtClean="0">
-                <a:solidFill>
-                  <a:srgbClr val="00B050"/>
-                </a:solidFill>
-                <a:latin typeface="Andale Mono" charset="0"/>
-                <a:ea typeface="Andale Mono" charset="0"/>
-                <a:cs typeface="Andale Mono" charset="0"/>
-              </a:rPr>
-              <a:t> variable2 </a:t>
-            </a:r>
-            <a:r>
-              <a:rPr lang="en-US" sz="3200" cap="none" dirty="0">
-                <a:latin typeface="Andale Mono" charset="0"/>
-                <a:ea typeface="Andale Mono" charset="0"/>
-                <a:cs typeface="Andale Mono" charset="0"/>
-              </a:rPr>
-              <a:t>= </a:t>
-            </a:r>
-            <a:r>
-              <a:rPr lang="en-US" sz="3200" cap="none" dirty="0" smtClean="0">
-                <a:latin typeface="Andale Mono" charset="0"/>
-                <a:ea typeface="Andale Mono" charset="0"/>
-                <a:cs typeface="Andale Mono" charset="0"/>
-              </a:rPr>
-              <a:t>‘123’</a:t>
-            </a:r>
-            <a:endParaRPr lang="en-US" sz="3200" cap="none" dirty="0" smtClean="0">
-              <a:solidFill>
-                <a:srgbClr val="FF0000"/>
-              </a:solidFill>
-              <a:latin typeface="Andale Mono" charset="0"/>
-              <a:ea typeface="Andale Mono" charset="0"/>
-              <a:cs typeface="Andale Mono" charset="0"/>
-            </a:endParaRPr>
-          </a:p>
-          <a:p>
-            <a:pPr marL="0" indent="0">
-              <a:buNone/>
-            </a:pPr>
-            <a:r>
-              <a:rPr lang="en-US" sz="3200" cap="none" dirty="0" smtClean="0">
-                <a:solidFill>
-                  <a:schemeClr val="tx1"/>
-                </a:solidFill>
-                <a:latin typeface="Andale Mono" charset="0"/>
-                <a:ea typeface="Andale Mono" charset="0"/>
-                <a:cs typeface="Andale Mono" charset="0"/>
-              </a:rPr>
-              <a:t>&gt;&gt;&gt; print </a:t>
-            </a:r>
-            <a:r>
-              <a:rPr lang="en-US" sz="3200" cap="none" dirty="0" smtClean="0">
-                <a:solidFill>
-                  <a:srgbClr val="00B050"/>
-                </a:solidFill>
-                <a:latin typeface="Andale Mono" charset="0"/>
-                <a:ea typeface="Andale Mono" charset="0"/>
-                <a:cs typeface="Andale Mono" charset="0"/>
-              </a:rPr>
-              <a:t>variable2.</a:t>
-            </a:r>
-            <a:r>
-              <a:rPr lang="en-US" sz="3200" cap="none" dirty="0" smtClean="0">
-                <a:solidFill>
-                  <a:schemeClr val="tx1"/>
-                </a:solidFill>
-                <a:latin typeface="Andale Mono" charset="0"/>
-                <a:ea typeface="Andale Mono" charset="0"/>
-                <a:cs typeface="Andale Mono" charset="0"/>
-              </a:rPr>
-              <a:t>isalpha()</a:t>
-            </a:r>
-          </a:p>
-          <a:p>
-            <a:pPr marL="0" indent="0">
-              <a:buNone/>
-            </a:pPr>
-            <a:r>
-              <a:rPr lang="en-US" sz="3200" cap="none" dirty="0" smtClean="0">
-                <a:solidFill>
-                  <a:schemeClr val="tx1"/>
-                </a:solidFill>
-                <a:latin typeface="Andale Mono" charset="0"/>
-                <a:ea typeface="Andale Mono" charset="0"/>
-                <a:cs typeface="Andale Mono" charset="0"/>
-              </a:rPr>
-              <a:t>False</a:t>
-            </a:r>
-          </a:p>
-        </p:txBody>
-      </p:sp>
-      <p:pic>
-        <p:nvPicPr>
-          <p:cNvPr id="6" name="Picture 5"/>
-          <p:cNvPicPr>
-            <a:picLocks noChangeAspect="1"/>
-          </p:cNvPicPr>
-          <p:nvPr/>
-        </p:nvPicPr>
-        <p:blipFill>
-          <a:blip r:embed="rId2">
-            <a:extLst>
-              <a:ext uri="{28A0092B-C50C-407E-A947-70E740481C1C}">
-                <a14:useLocalDpi xmlns:a14="http://schemas.microsoft.com/office/drawing/2010/main" val="0"/>
-              </a:ext>
-            </a:extLst>
-          </a:blip>
-          <a:stretch>
-            <a:fillRect/>
-          </a:stretch>
-        </p:blipFill>
-        <p:spPr>
-          <a:xfrm>
-            <a:off x="-77787" y="952500"/>
-            <a:ext cx="1219200" cy="1219200"/>
-          </a:xfrm>
-          <a:prstGeom prst="rect">
-            <a:avLst/>
-          </a:prstGeom>
-          <a:effectLst>
-            <a:glow rad="63500">
-              <a:schemeClr val="accent1">
-                <a:satMod val="175000"/>
-                <a:alpha val="40000"/>
-              </a:schemeClr>
-            </a:glow>
-          </a:effectLst>
-        </p:spPr>
-      </p:pic>
-    </p:spTree>
-    <p:extLst>
-      <p:ext uri="{BB962C8B-B14F-4D97-AF65-F5344CB8AC3E}">
-        <p14:creationId xmlns:p14="http://schemas.microsoft.com/office/powerpoint/2010/main" val="1024176789"/>
-      </p:ext>
-    </p:extLst>
-  </p:cSld>
-  <p:clrMapOvr>
-    <a:masterClrMapping/>
-  </p:clrMapOvr>
-</p:sld>
-</file>
-
-<file path=ppt/slides/slide4.xml><?xml version="1.0" encoding="utf-8"?>
-<p:sld xmlns:a="http://schemas.openxmlformats.org/drawingml/2006/main" xmlns:r="http://schemas.openxmlformats.org/officeDocument/2006/relationships" xmlns:p="http://schemas.openxmlformats.org/presentationml/2006/main">
-  <p:cSld>
-    <p:spTree>
-      <p:nvGrpSpPr>
-        <p:cNvPr id="1" name=""/>
-        <p:cNvGrpSpPr/>
-        <p:nvPr/>
-      </p:nvGrpSpPr>
-      <p:grpSpPr>
-        <a:xfrm>
-          <a:off x="0" y="0"/>
-          <a:ext cx="0" cy="0"/>
-          <a:chOff x="0" y="0"/>
-          <a:chExt cx="0" cy="0"/>
-        </a:xfrm>
-      </p:grpSpPr>
-      <p:sp>
-        <p:nvSpPr>
-          <p:cNvPr id="2" name="Title 1"/>
-          <p:cNvSpPr>
-            <a:spLocks noGrp="1"/>
-          </p:cNvSpPr>
-          <p:nvPr>
-            <p:ph type="title"/>
-          </p:nvPr>
-        </p:nvSpPr>
-        <p:spPr/>
-        <p:txBody>
-          <a:bodyPr/>
-          <a:lstStyle/>
-          <a:p>
+              <a:t>Built in string </a:t>
+            </a:r>
             <a:r>
               <a:rPr lang="en-US" dirty="0" smtClean="0"/>
-              <a:t>Built in string methods | </a:t>
-            </a:r>
-            <a:r>
-              <a:rPr lang="en-US" dirty="0" err="1" smtClean="0"/>
-              <a:t>requeststring</a:t>
-            </a:r>
-            <a:r>
-              <a:rPr lang="en-US" dirty="0" smtClean="0"/>
-              <a:t/>
-            </a:r>
-            <a:br>
-              <a:rPr lang="en-US" dirty="0" smtClean="0"/>
-            </a:br>
-            <a:r>
-              <a:rPr lang="en-US" dirty="0"/>
-              <a:t>	</a:t>
-            </a:r>
-            <a:r>
-              <a:rPr lang="en-US" dirty="0" smtClean="0"/>
-              <a:t>											&amp; print</a:t>
+              <a:t>methods</a:t>
             </a:r>
             <a:endParaRPr lang="en-US" dirty="0"/>
           </a:p>
@@ -9357,7 +10630,7 @@
       </p:sp>
       <p:pic>
         <p:nvPicPr>
-          <p:cNvPr id="6" name="Picture 5"/>
+          <p:cNvPr id="7" name="Picture 6"/>
           <p:cNvPicPr>
             <a:picLocks noChangeAspect="1"/>
           </p:cNvPicPr>
@@ -9377,8 +10650,8 @@
         </p:blipFill>
         <p:spPr>
           <a:xfrm>
-            <a:off x="0" y="864009"/>
-            <a:ext cx="1219200" cy="1219200"/>
+            <a:off x="320992" y="1196339"/>
+            <a:ext cx="731521" cy="731521"/>
           </a:xfrm>
           <a:prstGeom prst="rect">
             <a:avLst/>
@@ -9403,131 +10676,13 @@
   <p:clrMapOvr>
     <a:masterClrMapping/>
   </p:clrMapOvr>
-</p:sld>
-</file>
-
-<file path=ppt/slides/slide5.xml><?xml version="1.0" encoding="utf-8"?>
-<p:sld xmlns:a="http://schemas.openxmlformats.org/drawingml/2006/main" xmlns:r="http://schemas.openxmlformats.org/officeDocument/2006/relationships" xmlns:p="http://schemas.openxmlformats.org/presentationml/2006/main">
-  <p:cSld>
-    <p:spTree>
-      <p:nvGrpSpPr>
-        <p:cNvPr id="1" name=""/>
-        <p:cNvGrpSpPr/>
-        <p:nvPr/>
-      </p:nvGrpSpPr>
-      <p:grpSpPr>
-        <a:xfrm>
-          <a:off x="0" y="0"/>
-          <a:ext cx="0" cy="0"/>
-          <a:chOff x="0" y="0"/>
-          <a:chExt cx="0" cy="0"/>
-        </a:xfrm>
-      </p:grpSpPr>
-      <p:sp>
-        <p:nvSpPr>
-          <p:cNvPr id="2" name="Title 1"/>
-          <p:cNvSpPr>
-            <a:spLocks noGrp="1"/>
-          </p:cNvSpPr>
-          <p:nvPr>
-            <p:ph type="title"/>
-          </p:nvPr>
-        </p:nvSpPr>
-        <p:spPr/>
-        <p:txBody>
-          <a:bodyPr/>
-          <a:lstStyle/>
-          <a:p>
-            <a:r>
-              <a:rPr lang="en-US" dirty="0" smtClean="0"/>
-              <a:t>Programming lab warmup</a:t>
-            </a:r>
-            <a:endParaRPr lang="en-US" dirty="0"/>
-          </a:p>
-        </p:txBody>
-      </p:sp>
-      <p:sp>
-        <p:nvSpPr>
-          <p:cNvPr id="3" name="Content Placeholder 2"/>
-          <p:cNvSpPr>
-            <a:spLocks noGrp="1"/>
-          </p:cNvSpPr>
-          <p:nvPr>
-            <p:ph idx="1"/>
-          </p:nvPr>
-        </p:nvSpPr>
-        <p:spPr/>
-        <p:txBody>
-          <a:bodyPr>
-            <a:normAutofit/>
-          </a:bodyPr>
-          <a:lstStyle/>
-          <a:p>
-            <a:r>
-              <a:rPr lang="en-US" sz="2800" dirty="0" smtClean="0"/>
-              <a:t>Request user to enter their name</a:t>
-            </a:r>
-          </a:p>
-          <a:p>
-            <a:r>
-              <a:rPr lang="en-US" sz="2800" dirty="0" smtClean="0"/>
-              <a:t>Annoy them and keep asking for name until they enter ‘stop’</a:t>
-            </a:r>
-          </a:p>
-          <a:p>
-            <a:pPr lvl="1"/>
-            <a:endParaRPr lang="en-US" sz="2800" dirty="0"/>
-          </a:p>
-        </p:txBody>
-      </p:sp>
-      <p:pic>
-        <p:nvPicPr>
-          <p:cNvPr id="4" name="Picture 3"/>
-          <p:cNvPicPr>
-            <a:picLocks noChangeAspect="1"/>
-          </p:cNvPicPr>
-          <p:nvPr/>
-        </p:nvPicPr>
-        <p:blipFill>
-          <a:blip r:embed="rId2">
-            <a:extLst>
-              <a:ext uri="{28A0092B-C50C-407E-A947-70E740481C1C}">
-                <a14:useLocalDpi xmlns:a14="http://schemas.microsoft.com/office/drawing/2010/main" val="0"/>
-              </a:ext>
-            </a:extLst>
-          </a:blip>
-          <a:stretch>
-            <a:fillRect/>
-          </a:stretch>
-        </p:blipFill>
-        <p:spPr>
-          <a:xfrm>
-            <a:off x="124691" y="952500"/>
-            <a:ext cx="1219200" cy="1219200"/>
-          </a:xfrm>
-          <a:prstGeom prst="rect">
-            <a:avLst/>
-          </a:prstGeom>
-          <a:effectLst>
-            <a:glow rad="63500">
-              <a:schemeClr val="accent1">
-                <a:satMod val="175000"/>
-                <a:alpha val="40000"/>
-              </a:schemeClr>
-            </a:glow>
-          </a:effectLst>
-        </p:spPr>
-      </p:pic>
-    </p:spTree>
-    <p:extLst>
-      <p:ext uri="{BB962C8B-B14F-4D97-AF65-F5344CB8AC3E}">
-        <p14:creationId xmlns:p14="http://schemas.microsoft.com/office/powerpoint/2010/main" val="1374791464"/>
-      </p:ext>
-    </p:extLst>
-  </p:cSld>
-  <p:clrMapOvr>
-    <a:masterClrMapping/>
-  </p:clrMapOvr>
+  <p:timing>
+    <p:tnLst>
+      <p:par>
+        <p:cTn id="1" dur="indefinite" restart="never" nodeType="tmRoot"/>
+      </p:par>
+    </p:tnLst>
+  </p:timing>
 </p:sld>
 </file>
 
@@ -9565,30 +10720,11 @@
           <a:p>
             <a:r>
               <a:rPr lang="en-US" dirty="0" smtClean="0"/>
-              <a:t>Built in methods and operators</a:t>
-            </a:r>
-            <a:br>
+              <a:t>Built in methods and </a:t>
+            </a:r>
+            <a:r>
               <a:rPr lang="en-US" dirty="0" smtClean="0"/>
-            </a:br>
-            <a:r>
-              <a:rPr lang="en-US" dirty="0" smtClean="0"/>
-              <a:t>while, if/</a:t>
-            </a:r>
-            <a:r>
-              <a:rPr lang="en-US" dirty="0" err="1" smtClean="0"/>
-              <a:t>elif</a:t>
-            </a:r>
-            <a:r>
-              <a:rPr lang="en-US" dirty="0" smtClean="0"/>
-              <a:t>/else, + (</a:t>
-            </a:r>
-            <a:r>
-              <a:rPr lang="en-US" dirty="0" err="1" smtClean="0"/>
-              <a:t>concat</a:t>
-            </a:r>
-            <a:r>
-              <a:rPr lang="en-US" dirty="0" smtClean="0"/>
-              <a:t>)</a:t>
+              <a:t>operators</a:t>
             </a:r>
             <a:endParaRPr lang="en-US" dirty="0"/>
           </a:p>
@@ -9933,6 +11069,14 @@
               </a:rPr>
               <a:t>’):      </a:t>
             </a:r>
+            <a:endParaRPr lang="en-US" sz="3200" cap="none" dirty="0" smtClean="0">
+              <a:solidFill>
+                <a:schemeClr val="tx1"/>
+              </a:solidFill>
+              <a:latin typeface="Andale Mono" charset="0"/>
+              <a:ea typeface="Andale Mono" charset="0"/>
+              <a:cs typeface="Andale Mono" charset="0"/>
+            </a:endParaRPr>
           </a:p>
           <a:p>
             <a:pPr marL="0" indent="0">
@@ -10300,7 +11444,7 @@
       </p:sp>
       <p:pic>
         <p:nvPicPr>
-          <p:cNvPr id="6" name="Picture 5"/>
+          <p:cNvPr id="5" name="Picture 4"/>
           <p:cNvPicPr>
             <a:picLocks noChangeAspect="1"/>
           </p:cNvPicPr>
@@ -10320,8 +11464,8 @@
         </p:blipFill>
         <p:spPr>
           <a:xfrm>
-            <a:off x="0" y="952500"/>
-            <a:ext cx="1219200" cy="1219200"/>
+            <a:off x="320992" y="1196339"/>
+            <a:ext cx="731521" cy="731521"/>
           </a:xfrm>
           <a:prstGeom prst="rect">
             <a:avLst/>
@@ -10346,12 +11490,42 @@
   <p:clrMapOvr>
     <a:masterClrMapping/>
   </p:clrMapOvr>
+  <p:timing>
+    <p:tnLst>
+      <p:par>
+        <p:cTn id="1" dur="indefinite" restart="never" nodeType="tmRoot"/>
+      </p:par>
+    </p:tnLst>
+  </p:timing>
 </p:sld>
 </file>
 
 <file path=ppt/slides/slide7.xml><?xml version="1.0" encoding="utf-8"?>
 <p:sld xmlns:a="http://schemas.openxmlformats.org/drawingml/2006/main" xmlns:r="http://schemas.openxmlformats.org/officeDocument/2006/relationships" xmlns:p="http://schemas.openxmlformats.org/presentationml/2006/main">
   <p:cSld>
+    <p:bg>
+      <p:bgPr>
+        <a:blipFill rotWithShape="1">
+          <a:blip r:embed="rId2">
+            <a:duotone>
+              <a:schemeClr val="bg2">
+                <a:shade val="28000"/>
+                <a:satMod val="94000"/>
+                <a:lumMod val="20000"/>
+              </a:schemeClr>
+              <a:schemeClr val="bg2">
+                <a:tint val="94000"/>
+                <a:shade val="84000"/>
+                <a:satMod val="148000"/>
+                <a:lumMod val="114000"/>
+              </a:schemeClr>
+            </a:duotone>
+          </a:blip>
+          <a:stretch/>
+        </a:blipFill>
+        <a:effectLst/>
+      </p:bgPr>
+    </p:bg>
     <p:spTree>
       <p:nvGrpSpPr>
         <p:cNvPr id="1" name=""/>
@@ -10368,6 +11542,136 @@
       </p:grpSpPr>
       <p:sp>
         <p:nvSpPr>
+          <p:cNvPr id="8" name="Rounded Rectangle 9">
+            <a:extLst>
+              <a:ext uri="{FF2B5EF4-FFF2-40B4-BE49-F238E27FC236}">
+                <a16:creationId xmlns:a16="http://schemas.microsoft.com/office/drawing/2014/main" xmlns="" id="{BCA2EB72-13DC-4DC6-B461-3B036C55B925}"/>
+              </a:ext>
+            </a:extLst>
+          </p:cNvPr>
+          <p:cNvSpPr>
+            <a:spLocks noGrp="1" noRot="1" noChangeAspect="1" noMove="1" noResize="1" noEditPoints="1" noAdjustHandles="1" noChangeArrowheads="1" noChangeShapeType="1" noTextEdit="1"/>
+          </p:cNvSpPr>
+          <p:nvPr>
+            <p:extLst>
+              <p:ext uri="{386F3935-93C4-4BCD-93E2-E3B085C9AB24}">
+                <p16:designElem xmlns:p16="http://schemas.microsoft.com/office/powerpoint/2015/main" val="1"/>
+              </p:ext>
+            </p:extLst>
+          </p:nvPr>
+        </p:nvSpPr>
+        <p:spPr>
+          <a:xfrm>
+            <a:off x="643467" y="643467"/>
+            <a:ext cx="10905066" cy="5571066"/>
+          </a:xfrm>
+          <a:prstGeom prst="roundRect">
+            <a:avLst>
+              <a:gd name="adj" fmla="val 2627"/>
+            </a:avLst>
+          </a:prstGeom>
+          <a:solidFill>
+            <a:schemeClr val="bg2">
+              <a:lumMod val="75000"/>
+            </a:schemeClr>
+          </a:solidFill>
+          <a:ln w="44450">
+            <a:gradFill>
+              <a:gsLst>
+                <a:gs pos="0">
+                  <a:schemeClr val="bg2">
+                    <a:alpha val="65000"/>
+                  </a:schemeClr>
+                </a:gs>
+                <a:gs pos="98000">
+                  <a:schemeClr val="bg2">
+                    <a:lumMod val="75000"/>
+                    <a:alpha val="55000"/>
+                  </a:schemeClr>
+                </a:gs>
+              </a:gsLst>
+              <a:lin ang="5400000" scaled="1"/>
+            </a:gradFill>
+          </a:ln>
+          <a:effectLst>
+            <a:innerShdw blurRad="63500" dist="50800" dir="14460000">
+              <a:prstClr val="black">
+                <a:alpha val="70000"/>
+              </a:prstClr>
+            </a:innerShdw>
+          </a:effectLst>
+        </p:spPr>
+        <p:style>
+          <a:lnRef idx="2">
+            <a:schemeClr val="accent1">
+              <a:shade val="50000"/>
+            </a:schemeClr>
+          </a:lnRef>
+          <a:fillRef idx="1003">
+            <a:schemeClr val="dk2"/>
+          </a:fillRef>
+          <a:effectRef idx="0">
+            <a:schemeClr val="accent1"/>
+          </a:effectRef>
+          <a:fontRef idx="minor">
+            <a:schemeClr val="lt1"/>
+          </a:fontRef>
+        </p:style>
+        <p:txBody>
+          <a:bodyPr rtlCol="0" anchor="ctr"/>
+          <a:lstStyle/>
+          <a:p>
+            <a:pPr algn="ctr"/>
+            <a:endParaRPr lang="en-US"/>
+          </a:p>
+        </p:txBody>
+      </p:sp>
+      <p:cxnSp>
+        <p:nvCxnSpPr>
+          <p:cNvPr id="10" name="Straight Connector 9">
+            <a:extLst>
+              <a:ext uri="{FF2B5EF4-FFF2-40B4-BE49-F238E27FC236}">
+                <a16:creationId xmlns:a16="http://schemas.microsoft.com/office/drawing/2014/main" xmlns="" id="{C8F75BF3-096E-451E-A222-96A7F0946814}"/>
+              </a:ext>
+            </a:extLst>
+          </p:cNvPr>
+          <p:cNvCxnSpPr>
+            <a:cxnSpLocks noGrp="1" noRot="1" noChangeAspect="1" noMove="1" noResize="1" noEditPoints="1" noAdjustHandles="1" noChangeArrowheads="1" noChangeShapeType="1"/>
+          </p:cNvCxnSpPr>
+          <p:nvPr>
+            <p:extLst>
+              <p:ext uri="{386F3935-93C4-4BCD-93E2-E3B085C9AB24}">
+                <p16:designElem xmlns:p16="http://schemas.microsoft.com/office/powerpoint/2015/main" val="1"/>
+              </p:ext>
+            </p:extLst>
+          </p:nvPr>
+        </p:nvCxnSpPr>
+        <p:spPr>
+          <a:xfrm>
+            <a:off x="7538699" y="1490778"/>
+            <a:ext cx="0" cy="3876444"/>
+          </a:xfrm>
+          <a:prstGeom prst="line">
+            <a:avLst/>
+          </a:prstGeom>
+        </p:spPr>
+        <p:style>
+          <a:lnRef idx="1">
+            <a:schemeClr val="accent1"/>
+          </a:lnRef>
+          <a:fillRef idx="0">
+            <a:schemeClr val="accent1"/>
+          </a:fillRef>
+          <a:effectRef idx="0">
+            <a:schemeClr val="accent1"/>
+          </a:effectRef>
+          <a:fontRef idx="minor">
+            <a:schemeClr val="tx1"/>
+          </a:fontRef>
+        </p:style>
+      </p:cxnSp>
+      <p:sp>
+        <p:nvSpPr>
           <p:cNvPr id="2" name="Title 1"/>
           <p:cNvSpPr>
             <a:spLocks noGrp="1"/>
@@ -10376,136 +11680,95 @@
             <p:ph type="title"/>
           </p:nvPr>
         </p:nvSpPr>
-        <p:spPr/>
-        <p:txBody>
-          <a:bodyPr/>
-          <a:lstStyle/>
-          <a:p>
-            <a:r>
-              <a:rPr lang="en-US" dirty="0" smtClean="0"/>
-              <a:t>Programming lab exercise: Hangman</a:t>
-            </a:r>
-            <a:endParaRPr lang="en-US" dirty="0"/>
-          </a:p>
-        </p:txBody>
-      </p:sp>
-      <p:sp>
-        <p:nvSpPr>
-          <p:cNvPr id="3" name="Content Placeholder 2"/>
-          <p:cNvSpPr>
-            <a:spLocks noGrp="1"/>
-          </p:cNvSpPr>
-          <p:nvPr>
-            <p:ph idx="1"/>
-          </p:nvPr>
-        </p:nvSpPr>
-        <p:spPr/>
-        <p:txBody>
-          <a:bodyPr>
-            <a:normAutofit fontScale="85000" lnSpcReduction="20000"/>
+        <p:spPr>
+          <a:xfrm>
+            <a:off x="1141413" y="965199"/>
+            <a:ext cx="6075552" cy="4918075"/>
+          </a:xfrm>
+        </p:spPr>
+        <p:txBody>
+          <a:bodyPr vert="horz" lIns="91440" tIns="45720" rIns="91440" bIns="45720" rtlCol="0" anchor="ctr">
+            <a:normAutofit/>
           </a:bodyPr>
           <a:lstStyle/>
           <a:p>
-            <a:r>
-              <a:rPr lang="en-US" sz="2800" cap="none" dirty="0" smtClean="0"/>
-              <a:t>User has to guess what word is stored</a:t>
-            </a:r>
-          </a:p>
-          <a:p>
-            <a:pPr lvl="1"/>
-            <a:r>
-              <a:rPr lang="en-US" sz="2600" cap="none" dirty="0" smtClean="0"/>
-              <a:t>They have x number guesses</a:t>
-            </a:r>
-          </a:p>
-          <a:p>
-            <a:pPr lvl="1"/>
-            <a:r>
-              <a:rPr lang="en-US" sz="2600" cap="none" dirty="0" smtClean="0"/>
-              <a:t>They can only enter alpha characters</a:t>
-            </a:r>
-          </a:p>
-          <a:p>
-            <a:pPr lvl="1"/>
-            <a:r>
-              <a:rPr lang="en-US" sz="2600" cap="none" dirty="0" smtClean="0"/>
-              <a:t>If they don’t enter correctly they can enter again without penalty</a:t>
-            </a:r>
-          </a:p>
-          <a:p>
-            <a:pPr lvl="1"/>
-            <a:r>
-              <a:rPr lang="en-US" sz="2600" cap="none" dirty="0" smtClean="0"/>
-              <a:t>If they guess one of the characters it doesn’t count against them</a:t>
-            </a:r>
-          </a:p>
-          <a:p>
-            <a:pPr lvl="1"/>
-            <a:r>
-              <a:rPr lang="en-US" sz="2600" cap="none" dirty="0" smtClean="0"/>
-              <a:t>None of the functions or logic can assume the word will be static e.g. if the word changes it cannot break the program after re-running</a:t>
-            </a:r>
-          </a:p>
-          <a:p>
-            <a:pPr lvl="1"/>
-            <a:endParaRPr lang="en-US" sz="2800" dirty="0"/>
-          </a:p>
-        </p:txBody>
-      </p:sp>
-      <p:pic>
-        <p:nvPicPr>
-          <p:cNvPr id="4" name="Picture 3"/>
-          <p:cNvPicPr>
-            <a:picLocks noChangeAspect="1"/>
-          </p:cNvPicPr>
-          <p:nvPr/>
-        </p:nvPicPr>
-        <p:blipFill>
-          <a:blip r:embed="rId2">
-            <a:extLst>
-              <a:ext uri="{28A0092B-C50C-407E-A947-70E740481C1C}">
-                <a14:useLocalDpi xmlns:a14="http://schemas.microsoft.com/office/drawing/2010/main" val="0"/>
-              </a:ext>
-            </a:extLst>
-          </a:blip>
-          <a:stretch>
-            <a:fillRect/>
-          </a:stretch>
-        </p:blipFill>
-        <p:spPr>
-          <a:xfrm>
-            <a:off x="0" y="952500"/>
-            <a:ext cx="1219200" cy="1219200"/>
-          </a:xfrm>
-          <a:prstGeom prst="rect">
-            <a:avLst/>
-          </a:prstGeom>
-          <a:effectLst>
-            <a:glow rad="63500">
-              <a:schemeClr val="accent1">
-                <a:satMod val="175000"/>
-                <a:alpha val="40000"/>
-              </a:schemeClr>
-            </a:glow>
-          </a:effectLst>
-        </p:spPr>
-      </p:pic>
+            <a:pPr algn="r"/>
+            <a:r>
+              <a:rPr lang="en-US" sz="5400" cap="none" dirty="0" smtClean="0"/>
+              <a:t>Hangman</a:t>
+            </a:r>
+            <a:br>
+              <a:rPr lang="en-US" sz="5400" cap="none" dirty="0" smtClean="0"/>
+            </a:br>
+            <a:r>
+              <a:rPr lang="en-US" sz="5400" cap="none" dirty="0" smtClean="0"/>
+              <a:t>Lab</a:t>
+            </a:r>
+            <a:endParaRPr lang="en-US" sz="5400" dirty="0">
+              <a:effectLst>
+                <a:glow rad="38100">
+                  <a:schemeClr val="bg1">
+                    <a:lumMod val="65000"/>
+                    <a:lumOff val="35000"/>
+                    <a:alpha val="50000"/>
+                  </a:schemeClr>
+                </a:glow>
+                <a:outerShdw blurRad="28575" dist="31750" dir="13200000" algn="tl" rotWithShape="0">
+                  <a:srgbClr val="000000">
+                    <a:alpha val="25000"/>
+                  </a:srgbClr>
+                </a:outerShdw>
+              </a:effectLst>
+            </a:endParaRPr>
+          </a:p>
+        </p:txBody>
+      </p:sp>
     </p:spTree>
     <p:extLst>
       <p:ext uri="{BB962C8B-B14F-4D97-AF65-F5344CB8AC3E}">
-        <p14:creationId xmlns:p14="http://schemas.microsoft.com/office/powerpoint/2010/main" val="912629375"/>
+        <p14:creationId xmlns:p14="http://schemas.microsoft.com/office/powerpoint/2010/main" val="2015556089"/>
       </p:ext>
     </p:extLst>
   </p:cSld>
   <p:clrMapOvr>
     <a:masterClrMapping/>
   </p:clrMapOvr>
+  <p:timing>
+    <p:tnLst>
+      <p:par>
+        <p:cTn id="1" dur="indefinite" restart="never" nodeType="tmRoot"/>
+      </p:par>
+    </p:tnLst>
+  </p:timing>
 </p:sld>
 </file>
 
 <file path=ppt/slides/slide8.xml><?xml version="1.0" encoding="utf-8"?>
 <p:sld xmlns:a="http://schemas.openxmlformats.org/drawingml/2006/main" xmlns:r="http://schemas.openxmlformats.org/officeDocument/2006/relationships" xmlns:p="http://schemas.openxmlformats.org/presentationml/2006/main">
   <p:cSld>
+    <p:bg>
+      <p:bgPr>
+        <a:blipFill rotWithShape="1">
+          <a:blip r:embed="rId2">
+            <a:duotone>
+              <a:schemeClr val="bg2">
+                <a:shade val="28000"/>
+                <a:satMod val="94000"/>
+                <a:lumMod val="20000"/>
+              </a:schemeClr>
+              <a:schemeClr val="bg2">
+                <a:tint val="94000"/>
+                <a:shade val="84000"/>
+                <a:satMod val="148000"/>
+                <a:lumMod val="114000"/>
+              </a:schemeClr>
+            </a:duotone>
+          </a:blip>
+          <a:stretch/>
+        </a:blipFill>
+        <a:effectLst/>
+      </p:bgPr>
+    </p:bg>
     <p:spTree>
       <p:nvGrpSpPr>
         <p:cNvPr id="1" name=""/>
@@ -10522,115 +11785,382 @@
       </p:grpSpPr>
       <p:sp>
         <p:nvSpPr>
-          <p:cNvPr id="2" name="Title 1"/>
-          <p:cNvSpPr>
-            <a:spLocks noGrp="1"/>
-          </p:cNvSpPr>
-          <p:nvPr>
-            <p:ph type="title"/>
+          <p:cNvPr id="8" name="Rectangle 7">
+            <a:extLst>
+              <a:ext uri="{FF2B5EF4-FFF2-40B4-BE49-F238E27FC236}">
+                <a16:creationId xmlns:a16="http://schemas.microsoft.com/office/drawing/2014/main" xmlns="" id="{375136A9-49F9-4DA0-A741-F065B0FA091D}"/>
+              </a:ext>
+            </a:extLst>
+          </p:cNvPr>
+          <p:cNvSpPr>
+            <a:spLocks noGrp="1" noRot="1" noChangeAspect="1" noMove="1" noResize="1" noEditPoints="1" noAdjustHandles="1" noChangeArrowheads="1" noChangeShapeType="1" noTextEdit="1"/>
+          </p:cNvSpPr>
+          <p:nvPr>
+            <p:extLst>
+              <p:ext uri="{386F3935-93C4-4BCD-93E2-E3B085C9AB24}">
+                <p16:designElem xmlns:p16="http://schemas.microsoft.com/office/powerpoint/2015/main" val="1"/>
+              </p:ext>
+            </p:extLst>
           </p:nvPr>
         </p:nvSpPr>
         <p:spPr>
           <a:xfrm>
-            <a:off x="1141413" y="609600"/>
-            <a:ext cx="10406574" cy="1905000"/>
-          </a:xfrm>
-        </p:spPr>
-        <p:txBody>
-          <a:bodyPr/>
-          <a:lstStyle/>
-          <a:p>
-            <a:r>
-              <a:rPr lang="en-US" dirty="0" smtClean="0"/>
-              <a:t>Programming lab exercise: Hangman cont.</a:t>
-            </a:r>
-            <a:endParaRPr lang="en-US" dirty="0"/>
-          </a:p>
-        </p:txBody>
-      </p:sp>
-      <p:pic>
-        <p:nvPicPr>
-          <p:cNvPr id="5" name="Picture 4"/>
-          <p:cNvPicPr>
-            <a:picLocks noChangeAspect="1"/>
-          </p:cNvPicPr>
-          <p:nvPr/>
-        </p:nvPicPr>
-        <p:blipFill rotWithShape="1">
-          <a:blip r:embed="rId2">
-            <a:extLst>
-              <a:ext uri="{28A0092B-C50C-407E-A947-70E740481C1C}">
-                <a14:useLocalDpi xmlns:a14="http://schemas.microsoft.com/office/drawing/2010/main" val="0"/>
-              </a:ext>
-            </a:extLst>
-          </a:blip>
-          <a:srcRect b="2330"/>
-          <a:stretch/>
-        </p:blipFill>
-        <p:spPr>
-          <a:xfrm>
-            <a:off x="609600" y="2819399"/>
-            <a:ext cx="10972800" cy="1236407"/>
+            <a:off x="4633356" y="0"/>
+            <a:ext cx="7558643" cy="6858000"/>
           </a:xfrm>
           <a:prstGeom prst="rect">
             <a:avLst/>
           </a:prstGeom>
+          <a:solidFill>
+            <a:schemeClr val="bg2"/>
+          </a:solidFill>
+          <a:ln>
+            <a:noFill/>
+          </a:ln>
+          <a:effectLst>
+            <a:innerShdw blurRad="63500" dist="50800" dir="10800000">
+              <a:prstClr val="black">
+                <a:alpha val="50000"/>
+              </a:prstClr>
+            </a:innerShdw>
+          </a:effectLst>
         </p:spPr>
-      </p:pic>
-      <p:pic>
-        <p:nvPicPr>
-          <p:cNvPr id="6" name="Picture 5"/>
-          <p:cNvPicPr>
-            <a:picLocks noChangeAspect="1"/>
-          </p:cNvPicPr>
-          <p:nvPr/>
-        </p:nvPicPr>
-        <p:blipFill>
-          <a:blip r:embed="rId3">
+        <p:style>
+          <a:lnRef idx="2">
+            <a:schemeClr val="accent1">
+              <a:shade val="50000"/>
+            </a:schemeClr>
+          </a:lnRef>
+          <a:fillRef idx="1">
+            <a:schemeClr val="accent1"/>
+          </a:fillRef>
+          <a:effectRef idx="0">
+            <a:schemeClr val="accent1"/>
+          </a:effectRef>
+          <a:fontRef idx="minor">
+            <a:schemeClr val="lt1"/>
+          </a:fontRef>
+        </p:style>
+        <p:txBody>
+          <a:bodyPr rtlCol="0" anchor="ctr"/>
+          <a:lstStyle/>
+          <a:p>
+            <a:pPr algn="ctr"/>
+            <a:endParaRPr lang="en-US" dirty="0"/>
+          </a:p>
+        </p:txBody>
+      </p:sp>
+      <p:sp>
+        <p:nvSpPr>
+          <p:cNvPr id="10" name="Rectangle 9">
             <a:extLst>
-              <a:ext uri="{28A0092B-C50C-407E-A947-70E740481C1C}">
-                <a14:useLocalDpi xmlns:a14="http://schemas.microsoft.com/office/drawing/2010/main" val="0"/>
+              <a:ext uri="{FF2B5EF4-FFF2-40B4-BE49-F238E27FC236}">
+                <a16:creationId xmlns:a16="http://schemas.microsoft.com/office/drawing/2014/main" xmlns="" id="{B912F6C7-0423-4B6F-AECE-710C848918FD}"/>
               </a:ext>
             </a:extLst>
-          </a:blip>
-          <a:stretch>
-            <a:fillRect/>
-          </a:stretch>
-        </p:blipFill>
+          </p:cNvPr>
+          <p:cNvSpPr>
+            <a:spLocks noGrp="1" noRot="1" noChangeAspect="1" noMove="1" noResize="1" noEditPoints="1" noAdjustHandles="1" noChangeArrowheads="1" noChangeShapeType="1" noTextEdit="1"/>
+          </p:cNvSpPr>
+          <p:nvPr>
+            <p:extLst>
+              <p:ext uri="{386F3935-93C4-4BCD-93E2-E3B085C9AB24}">
+                <p16:designElem xmlns:p16="http://schemas.microsoft.com/office/powerpoint/2015/main" val="1"/>
+              </p:ext>
+            </p:extLst>
+          </p:nvPr>
+        </p:nvSpPr>
         <p:spPr>
-          <a:xfrm>
-            <a:off x="0" y="952500"/>
-            <a:ext cx="1219200" cy="1219200"/>
+          <a:xfrm rot="5400000" flipH="1">
+            <a:off x="1446539" y="3195797"/>
+            <a:ext cx="6858000" cy="466406"/>
           </a:xfrm>
           <a:prstGeom prst="rect">
             <a:avLst/>
           </a:prstGeom>
+          <a:gradFill>
+            <a:gsLst>
+              <a:gs pos="0">
+                <a:srgbClr val="363D46">
+                  <a:alpha val="0"/>
+                </a:srgbClr>
+              </a:gs>
+              <a:gs pos="100000">
+                <a:srgbClr val="363D46">
+                  <a:lumMod val="75000"/>
+                </a:srgbClr>
+              </a:gs>
+            </a:gsLst>
+            <a:lin ang="5400000" scaled="0"/>
+          </a:gradFill>
+          <a:ln>
+            <a:noFill/>
+          </a:ln>
+          <a:effectLst/>
+        </p:spPr>
+        <p:style>
+          <a:lnRef idx="2">
+            <a:schemeClr val="accent1">
+              <a:shade val="50000"/>
+            </a:schemeClr>
+          </a:lnRef>
+          <a:fillRef idx="1">
+            <a:schemeClr val="accent1"/>
+          </a:fillRef>
+          <a:effectRef idx="0">
+            <a:schemeClr val="accent1"/>
+          </a:effectRef>
+          <a:fontRef idx="minor">
+            <a:schemeClr val="lt1"/>
+          </a:fontRef>
+        </p:style>
+        <p:txBody>
+          <a:bodyPr rot="0" spcFirstLastPara="0" vertOverflow="overflow" horzOverflow="overflow" vert="horz" wrap="square" lIns="91440" tIns="45720" rIns="91440" bIns="45720" numCol="1" spcCol="0" rtlCol="0" fromWordArt="0" anchor="ctr" anchorCtr="0" forceAA="0" compatLnSpc="1">
+            <a:prstTxWarp prst="textNoShape">
+              <a:avLst/>
+            </a:prstTxWarp>
+            <a:noAutofit/>
+          </a:bodyPr>
+          <a:lstStyle/>
+          <a:p>
+            <a:pPr algn="ctr"/>
+            <a:endParaRPr lang="en-US"/>
+          </a:p>
+        </p:txBody>
+      </p:sp>
+      <p:cxnSp>
+        <p:nvCxnSpPr>
+          <p:cNvPr id="12" name="Straight Connector 11">
+            <a:extLst>
+              <a:ext uri="{FF2B5EF4-FFF2-40B4-BE49-F238E27FC236}">
+                <a16:creationId xmlns:a16="http://schemas.microsoft.com/office/drawing/2014/main" xmlns="" id="{A7208205-03EE-4EC8-9C34-59270C1880D8}"/>
+              </a:ext>
+            </a:extLst>
+          </p:cNvPr>
+          <p:cNvCxnSpPr>
+            <a:cxnSpLocks noGrp="1" noRot="1" noChangeAspect="1" noMove="1" noResize="1" noEditPoints="1" noAdjustHandles="1" noChangeArrowheads="1" noChangeShapeType="1"/>
+          </p:cNvCxnSpPr>
+          <p:nvPr>
+            <p:extLst>
+              <p:ext uri="{386F3935-93C4-4BCD-93E2-E3B085C9AB24}">
+                <p16:designElem xmlns:p16="http://schemas.microsoft.com/office/powerpoint/2015/main" val="1"/>
+              </p:ext>
+            </p:extLst>
+          </p:nvPr>
+        </p:nvCxnSpPr>
+        <p:spPr>
+          <a:xfrm>
+            <a:off x="4642336" y="0"/>
+            <a:ext cx="0" cy="6858000"/>
+          </a:xfrm>
+          <a:prstGeom prst="line">
+            <a:avLst/>
+          </a:prstGeom>
+          <a:solidFill>
+            <a:srgbClr val="FFFFFF"/>
+          </a:solidFill>
+          <a:ln w="38100" cap="flat">
+            <a:gradFill flip="none" rotWithShape="1">
+              <a:gsLst>
+                <a:gs pos="0">
+                  <a:srgbClr val="363D46"/>
+                </a:gs>
+                <a:gs pos="100000">
+                  <a:srgbClr val="363D46">
+                    <a:lumMod val="75000"/>
+                  </a:srgbClr>
+                </a:gs>
+              </a:gsLst>
+              <a:lin ang="5400000" scaled="0"/>
+              <a:tileRect/>
+            </a:gradFill>
+            <a:miter lim="800000"/>
+          </a:ln>
           <a:effectLst>
-            <a:glow rad="63500">
-              <a:schemeClr val="accent1">
-                <a:satMod val="175000"/>
-                <a:alpha val="40000"/>
-              </a:schemeClr>
-            </a:glow>
+            <a:innerShdw blurRad="57150" dist="38100" dir="14460000">
+              <a:srgbClr val="000000">
+                <a:alpha val="70000"/>
+              </a:srgbClr>
+            </a:innerShdw>
           </a:effectLst>
         </p:spPr>
-      </p:pic>
+        <p:style>
+          <a:lnRef idx="2">
+            <a:schemeClr val="accent1">
+              <a:shade val="50000"/>
+            </a:schemeClr>
+          </a:lnRef>
+          <a:fillRef idx="1">
+            <a:schemeClr val="accent1"/>
+          </a:fillRef>
+          <a:effectRef idx="0">
+            <a:schemeClr val="accent1"/>
+          </a:effectRef>
+          <a:fontRef idx="minor">
+            <a:schemeClr val="lt1"/>
+          </a:fontRef>
+        </p:style>
+      </p:cxnSp>
+      <p:sp>
+        <p:nvSpPr>
+          <p:cNvPr id="2" name="Title 1"/>
+          <p:cNvSpPr>
+            <a:spLocks noGrp="1"/>
+          </p:cNvSpPr>
+          <p:nvPr>
+            <p:ph type="title"/>
+          </p:nvPr>
+        </p:nvSpPr>
+        <p:spPr>
+          <a:xfrm>
+            <a:off x="974179" y="714375"/>
+            <a:ext cx="3332955" cy="5076826"/>
+          </a:xfrm>
+        </p:spPr>
+        <p:txBody>
+          <a:bodyPr anchor="ctr">
+            <a:normAutofit/>
+          </a:bodyPr>
+          <a:lstStyle/>
+          <a:p>
+            <a:r>
+              <a:rPr lang="en-US" sz="3100" dirty="0" smtClean="0"/>
+              <a:t>Lab</a:t>
+            </a:r>
+            <a:br>
+              <a:rPr lang="en-US" sz="3100" dirty="0" smtClean="0"/>
+            </a:br>
+            <a:r>
+              <a:rPr lang="en-US" sz="3100" dirty="0" smtClean="0"/>
+              <a:t>Challenge</a:t>
+            </a:r>
+            <a:endParaRPr lang="en-US" sz="3100" dirty="0"/>
+          </a:p>
+        </p:txBody>
+      </p:sp>
+      <p:sp>
+        <p:nvSpPr>
+          <p:cNvPr id="3" name="Content Placeholder 2"/>
+          <p:cNvSpPr>
+            <a:spLocks noGrp="1"/>
+          </p:cNvSpPr>
+          <p:nvPr>
+            <p:ph idx="1"/>
+          </p:nvPr>
+        </p:nvSpPr>
+        <p:spPr>
+          <a:xfrm>
+            <a:off x="4968559" y="1236889"/>
+            <a:ext cx="6253751" cy="5316311"/>
+          </a:xfrm>
+        </p:spPr>
+        <p:txBody>
+          <a:bodyPr>
+            <a:normAutofit/>
+          </a:bodyPr>
+          <a:lstStyle/>
+          <a:p>
+            <a:r>
+              <a:rPr lang="en-US" sz="2800" cap="none" dirty="0" smtClean="0"/>
+              <a:t>Guess </a:t>
+            </a:r>
+            <a:r>
+              <a:rPr lang="en-US" sz="2800" cap="none" dirty="0"/>
+              <a:t>what word is stored</a:t>
+            </a:r>
+          </a:p>
+          <a:p>
+            <a:r>
+              <a:rPr lang="en-US" sz="2800" cap="none" dirty="0" smtClean="0"/>
+              <a:t>X number </a:t>
+            </a:r>
+            <a:r>
+              <a:rPr lang="en-US" sz="2800" cap="none" dirty="0"/>
+              <a:t>of guesses</a:t>
+            </a:r>
+          </a:p>
+          <a:p>
+            <a:r>
+              <a:rPr lang="en-US" sz="2800" cap="none" dirty="0" smtClean="0"/>
+              <a:t>Only enter </a:t>
+            </a:r>
+            <a:r>
+              <a:rPr lang="en-US" sz="2800" cap="none" dirty="0"/>
+              <a:t>alpha characters</a:t>
+            </a:r>
+          </a:p>
+          <a:p>
+            <a:r>
+              <a:rPr lang="en-US" sz="2800" cap="none" dirty="0" smtClean="0"/>
+              <a:t>Play again if bad character</a:t>
+            </a:r>
+          </a:p>
+          <a:p>
+            <a:r>
+              <a:rPr lang="en-US" sz="2800" cap="none" dirty="0" smtClean="0"/>
+              <a:t>Correct guesses don’t count</a:t>
+            </a:r>
+            <a:endParaRPr lang="en-US" sz="2800" cap="none" dirty="0"/>
+          </a:p>
+          <a:p>
+            <a:r>
+              <a:rPr lang="en-US" sz="2800" cap="none" dirty="0" smtClean="0"/>
+              <a:t>Static variables/functions are not allowed</a:t>
+            </a:r>
+            <a:endParaRPr lang="en-US" sz="2800" cap="none" dirty="0"/>
+          </a:p>
+          <a:p>
+            <a:pPr lvl="1"/>
+            <a:endParaRPr lang="en-US" sz="2800" dirty="0"/>
+          </a:p>
+        </p:txBody>
+      </p:sp>
     </p:spTree>
     <p:extLst>
       <p:ext uri="{BB962C8B-B14F-4D97-AF65-F5344CB8AC3E}">
-        <p14:creationId xmlns:p14="http://schemas.microsoft.com/office/powerpoint/2010/main" val="26309924"/>
+        <p14:creationId xmlns:p14="http://schemas.microsoft.com/office/powerpoint/2010/main" val="1054200776"/>
       </p:ext>
     </p:extLst>
   </p:cSld>
   <p:clrMapOvr>
     <a:masterClrMapping/>
   </p:clrMapOvr>
+  <p:timing>
+    <p:tnLst>
+      <p:par>
+        <p:cTn id="1" dur="indefinite" restart="never" nodeType="tmRoot"/>
+      </p:par>
+    </p:tnLst>
+  </p:timing>
 </p:sld>
 </file>
 
 <file path=ppt/slides/slide9.xml><?xml version="1.0" encoding="utf-8"?>
 <p:sld xmlns:a="http://schemas.openxmlformats.org/drawingml/2006/main" xmlns:r="http://schemas.openxmlformats.org/officeDocument/2006/relationships" xmlns:p="http://schemas.openxmlformats.org/presentationml/2006/main">
   <p:cSld>
+    <p:bg>
+      <p:bgPr>
+        <a:blipFill rotWithShape="1">
+          <a:blip r:embed="rId2">
+            <a:duotone>
+              <a:schemeClr val="bg2">
+                <a:shade val="28000"/>
+                <a:satMod val="94000"/>
+                <a:lumMod val="20000"/>
+              </a:schemeClr>
+              <a:schemeClr val="bg2">
+                <a:tint val="94000"/>
+                <a:shade val="84000"/>
+                <a:satMod val="148000"/>
+                <a:lumMod val="114000"/>
+              </a:schemeClr>
+            </a:duotone>
+          </a:blip>
+          <a:stretch/>
+        </a:blipFill>
+        <a:effectLst/>
+      </p:bgPr>
+    </p:bg>
     <p:spTree>
       <p:nvGrpSpPr>
         <p:cNvPr id="1" name=""/>
@@ -10645,92 +12175,268 @@
           <a:chExt cx="0" cy="0"/>
         </a:xfrm>
       </p:grpSpPr>
-      <p:pic>
-        <p:nvPicPr>
-          <p:cNvPr id="4" name="Picture 3"/>
-          <p:cNvPicPr>
-            <a:picLocks noChangeAspect="1"/>
-          </p:cNvPicPr>
-          <p:nvPr/>
-        </p:nvPicPr>
-        <p:blipFill>
-          <a:blip r:embed="rId2">
+      <p:sp>
+        <p:nvSpPr>
+          <p:cNvPr id="8" name="Rectangle 7">
             <a:extLst>
-              <a:ext uri="{28A0092B-C50C-407E-A947-70E740481C1C}">
-                <a14:useLocalDpi xmlns:a14="http://schemas.microsoft.com/office/drawing/2010/main" val="0"/>
+              <a:ext uri="{FF2B5EF4-FFF2-40B4-BE49-F238E27FC236}">
+                <a16:creationId xmlns:a16="http://schemas.microsoft.com/office/drawing/2014/main" xmlns="" id="{375136A9-49F9-4DA0-A741-F065B0FA091D}"/>
               </a:ext>
             </a:extLst>
-          </a:blip>
-          <a:stretch>
-            <a:fillRect/>
-          </a:stretch>
-        </p:blipFill>
+          </p:cNvPr>
+          <p:cNvSpPr>
+            <a:spLocks noGrp="1" noRot="1" noChangeAspect="1" noMove="1" noResize="1" noEditPoints="1" noAdjustHandles="1" noChangeArrowheads="1" noChangeShapeType="1" noTextEdit="1"/>
+          </p:cNvSpPr>
+          <p:nvPr>
+            <p:extLst>
+              <p:ext uri="{386F3935-93C4-4BCD-93E2-E3B085C9AB24}">
+                <p16:designElem xmlns:p16="http://schemas.microsoft.com/office/powerpoint/2015/main" val="1"/>
+              </p:ext>
+            </p:extLst>
+          </p:nvPr>
+        </p:nvSpPr>
         <p:spPr>
           <a:xfrm>
-            <a:off x="267211" y="952500"/>
-            <a:ext cx="1219200" cy="1219200"/>
+            <a:off x="4633356" y="0"/>
+            <a:ext cx="7558643" cy="6858000"/>
           </a:xfrm>
           <a:prstGeom prst="rect">
             <a:avLst/>
           </a:prstGeom>
+          <a:solidFill>
+            <a:schemeClr val="bg2"/>
+          </a:solidFill>
+          <a:ln>
+            <a:noFill/>
+          </a:ln>
           <a:effectLst>
-            <a:glow rad="63500">
-              <a:schemeClr val="accent1">
-                <a:satMod val="175000"/>
-                <a:alpha val="40000"/>
-              </a:schemeClr>
-            </a:glow>
+            <a:innerShdw blurRad="63500" dist="50800" dir="10800000">
+              <a:prstClr val="black">
+                <a:alpha val="50000"/>
+              </a:prstClr>
+            </a:innerShdw>
           </a:effectLst>
         </p:spPr>
-      </p:pic>
-      <p:sp>
-        <p:nvSpPr>
-          <p:cNvPr id="2" name="Title 1"/>
-          <p:cNvSpPr>
-            <a:spLocks noGrp="1"/>
-          </p:cNvSpPr>
-          <p:nvPr>
-            <p:ph type="title"/>
-          </p:nvPr>
-        </p:nvSpPr>
-        <p:spPr/>
-        <p:txBody>
-          <a:bodyPr/>
+        <p:style>
+          <a:lnRef idx="2">
+            <a:schemeClr val="accent1">
+              <a:shade val="50000"/>
+            </a:schemeClr>
+          </a:lnRef>
+          <a:fillRef idx="1">
+            <a:schemeClr val="accent1"/>
+          </a:fillRef>
+          <a:effectRef idx="0">
+            <a:schemeClr val="accent1"/>
+          </a:effectRef>
+          <a:fontRef idx="minor">
+            <a:schemeClr val="lt1"/>
+          </a:fontRef>
+        </p:style>
+        <p:txBody>
+          <a:bodyPr rtlCol="0" anchor="ctr"/>
           <a:lstStyle/>
           <a:p>
-            <a:r>
-              <a:rPr lang="en-US" dirty="0"/>
-              <a:t>Programming lab exercise: </a:t>
-            </a:r>
-            <a:r>
-              <a:rPr lang="en-US" dirty="0" smtClean="0"/>
-              <a:t/>
-            </a:r>
-            <a:br>
-              <a:rPr lang="en-US" dirty="0" smtClean="0"/>
-            </a:br>
-            <a:r>
-              <a:rPr lang="en-US" dirty="0" smtClean="0"/>
-              <a:t>Hangman pseudocode (part one)</a:t>
-            </a:r>
+            <a:pPr algn="ctr"/>
             <a:endParaRPr lang="en-US" dirty="0"/>
           </a:p>
         </p:txBody>
       </p:sp>
       <p:sp>
         <p:nvSpPr>
-          <p:cNvPr id="3" name="Content Placeholder 2"/>
-          <p:cNvSpPr>
-            <a:spLocks noGrp="1"/>
-          </p:cNvSpPr>
-          <p:nvPr>
-            <p:ph idx="1"/>
-          </p:nvPr>
-        </p:nvSpPr>
+          <p:cNvPr id="10" name="Rectangle 9">
+            <a:extLst>
+              <a:ext uri="{FF2B5EF4-FFF2-40B4-BE49-F238E27FC236}">
+                <a16:creationId xmlns:a16="http://schemas.microsoft.com/office/drawing/2014/main" xmlns="" id="{B912F6C7-0423-4B6F-AECE-710C848918FD}"/>
+              </a:ext>
+            </a:extLst>
+          </p:cNvPr>
+          <p:cNvSpPr>
+            <a:spLocks noGrp="1" noRot="1" noChangeAspect="1" noMove="1" noResize="1" noEditPoints="1" noAdjustHandles="1" noChangeArrowheads="1" noChangeShapeType="1" noTextEdit="1"/>
+          </p:cNvSpPr>
+          <p:nvPr>
+            <p:extLst>
+              <p:ext uri="{386F3935-93C4-4BCD-93E2-E3B085C9AB24}">
+                <p16:designElem xmlns:p16="http://schemas.microsoft.com/office/powerpoint/2015/main" val="1"/>
+              </p:ext>
+            </p:extLst>
+          </p:nvPr>
+        </p:nvSpPr>
+        <p:spPr>
+          <a:xfrm rot="5400000" flipH="1">
+            <a:off x="1446539" y="3195797"/>
+            <a:ext cx="6858000" cy="466406"/>
+          </a:xfrm>
+          <a:prstGeom prst="rect">
+            <a:avLst/>
+          </a:prstGeom>
+          <a:gradFill>
+            <a:gsLst>
+              <a:gs pos="0">
+                <a:srgbClr val="363D46">
+                  <a:alpha val="0"/>
+                </a:srgbClr>
+              </a:gs>
+              <a:gs pos="100000">
+                <a:srgbClr val="363D46">
+                  <a:lumMod val="75000"/>
+                </a:srgbClr>
+              </a:gs>
+            </a:gsLst>
+            <a:lin ang="5400000" scaled="0"/>
+          </a:gradFill>
+          <a:ln>
+            <a:noFill/>
+          </a:ln>
+          <a:effectLst/>
+        </p:spPr>
+        <p:style>
+          <a:lnRef idx="2">
+            <a:schemeClr val="accent1">
+              <a:shade val="50000"/>
+            </a:schemeClr>
+          </a:lnRef>
+          <a:fillRef idx="1">
+            <a:schemeClr val="accent1"/>
+          </a:fillRef>
+          <a:effectRef idx="0">
+            <a:schemeClr val="accent1"/>
+          </a:effectRef>
+          <a:fontRef idx="minor">
+            <a:schemeClr val="lt1"/>
+          </a:fontRef>
+        </p:style>
+        <p:txBody>
+          <a:bodyPr rot="0" spcFirstLastPara="0" vertOverflow="overflow" horzOverflow="overflow" vert="horz" wrap="square" lIns="91440" tIns="45720" rIns="91440" bIns="45720" numCol="1" spcCol="0" rtlCol="0" fromWordArt="0" anchor="ctr" anchorCtr="0" forceAA="0" compatLnSpc="1">
+            <a:prstTxWarp prst="textNoShape">
+              <a:avLst/>
+            </a:prstTxWarp>
+            <a:noAutofit/>
+          </a:bodyPr>
+          <a:lstStyle/>
+          <a:p>
+            <a:pPr algn="ctr"/>
+            <a:endParaRPr lang="en-US"/>
+          </a:p>
+        </p:txBody>
+      </p:sp>
+      <p:cxnSp>
+        <p:nvCxnSpPr>
+          <p:cNvPr id="12" name="Straight Connector 11">
+            <a:extLst>
+              <a:ext uri="{FF2B5EF4-FFF2-40B4-BE49-F238E27FC236}">
+                <a16:creationId xmlns:a16="http://schemas.microsoft.com/office/drawing/2014/main" xmlns="" id="{A7208205-03EE-4EC8-9C34-59270C1880D8}"/>
+              </a:ext>
+            </a:extLst>
+          </p:cNvPr>
+          <p:cNvCxnSpPr>
+            <a:cxnSpLocks noGrp="1" noRot="1" noChangeAspect="1" noMove="1" noResize="1" noEditPoints="1" noAdjustHandles="1" noChangeArrowheads="1" noChangeShapeType="1"/>
+          </p:cNvCxnSpPr>
+          <p:nvPr>
+            <p:extLst>
+              <p:ext uri="{386F3935-93C4-4BCD-93E2-E3B085C9AB24}">
+                <p16:designElem xmlns:p16="http://schemas.microsoft.com/office/powerpoint/2015/main" val="1"/>
+              </p:ext>
+            </p:extLst>
+          </p:nvPr>
+        </p:nvCxnSpPr>
         <p:spPr>
           <a:xfrm>
-            <a:off x="1141413" y="2514600"/>
-            <a:ext cx="10170600" cy="4063181"/>
+            <a:off x="4642336" y="0"/>
+            <a:ext cx="0" cy="6858000"/>
+          </a:xfrm>
+          <a:prstGeom prst="line">
+            <a:avLst/>
+          </a:prstGeom>
+          <a:solidFill>
+            <a:srgbClr val="FFFFFF"/>
+          </a:solidFill>
+          <a:ln w="38100" cap="flat">
+            <a:gradFill flip="none" rotWithShape="1">
+              <a:gsLst>
+                <a:gs pos="0">
+                  <a:srgbClr val="363D46"/>
+                </a:gs>
+                <a:gs pos="100000">
+                  <a:srgbClr val="363D46">
+                    <a:lumMod val="75000"/>
+                  </a:srgbClr>
+                </a:gs>
+              </a:gsLst>
+              <a:lin ang="5400000" scaled="0"/>
+              <a:tileRect/>
+            </a:gradFill>
+            <a:miter lim="800000"/>
+          </a:ln>
+          <a:effectLst>
+            <a:innerShdw blurRad="57150" dist="38100" dir="14460000">
+              <a:srgbClr val="000000">
+                <a:alpha val="70000"/>
+              </a:srgbClr>
+            </a:innerShdw>
+          </a:effectLst>
+        </p:spPr>
+        <p:style>
+          <a:lnRef idx="2">
+            <a:schemeClr val="accent1">
+              <a:shade val="50000"/>
+            </a:schemeClr>
+          </a:lnRef>
+          <a:fillRef idx="1">
+            <a:schemeClr val="accent1"/>
+          </a:fillRef>
+          <a:effectRef idx="0">
+            <a:schemeClr val="accent1"/>
+          </a:effectRef>
+          <a:fontRef idx="minor">
+            <a:schemeClr val="lt1"/>
+          </a:fontRef>
+        </p:style>
+      </p:cxnSp>
+      <p:sp>
+        <p:nvSpPr>
+          <p:cNvPr id="2" name="Title 1"/>
+          <p:cNvSpPr>
+            <a:spLocks noGrp="1"/>
+          </p:cNvSpPr>
+          <p:nvPr>
+            <p:ph type="title"/>
+          </p:nvPr>
+        </p:nvSpPr>
+        <p:spPr>
+          <a:xfrm>
+            <a:off x="974179" y="714375"/>
+            <a:ext cx="3332955" cy="5076826"/>
+          </a:xfrm>
+        </p:spPr>
+        <p:txBody>
+          <a:bodyPr anchor="ctr">
+            <a:normAutofit/>
+          </a:bodyPr>
+          <a:lstStyle/>
+          <a:p>
+            <a:r>
+              <a:rPr lang="en-US" sz="3100" dirty="0" smtClean="0"/>
+              <a:t>Tricks</a:t>
+            </a:r>
+            <a:endParaRPr lang="en-US" sz="3100" dirty="0"/>
+          </a:p>
+        </p:txBody>
+      </p:sp>
+      <p:sp>
+        <p:nvSpPr>
+          <p:cNvPr id="3" name="Content Placeholder 2"/>
+          <p:cNvSpPr>
+            <a:spLocks noGrp="1"/>
+          </p:cNvSpPr>
+          <p:nvPr>
+            <p:ph idx="1"/>
+          </p:nvPr>
+        </p:nvSpPr>
+        <p:spPr>
+          <a:xfrm>
+            <a:off x="4968559" y="1236889"/>
+            <a:ext cx="6253751" cy="5316311"/>
           </a:xfrm>
         </p:spPr>
         <p:txBody>
@@ -10739,362 +12445,139 @@
           </a:bodyPr>
           <a:lstStyle/>
           <a:p>
-            <a:pPr marL="0" indent="0">
-              <a:buNone/>
-            </a:pPr>
-            <a:r>
-              <a:rPr lang="en-US" sz="1800" cap="none" dirty="0" smtClean="0">
-                <a:solidFill>
-                  <a:schemeClr val="tx1"/>
-                </a:solidFill>
-                <a:latin typeface="Andale Mono" charset="0"/>
-                <a:ea typeface="Andale Mono" charset="0"/>
-                <a:cs typeface="Andale Mono" charset="0"/>
-              </a:rPr>
-              <a:t>for </a:t>
-            </a:r>
-            <a:r>
-              <a:rPr lang="en-US" sz="1800" cap="none" dirty="0" err="1" smtClean="0">
-                <a:solidFill>
-                  <a:srgbClr val="00B050"/>
-                </a:solidFill>
-                <a:latin typeface="Andale Mono" charset="0"/>
-                <a:ea typeface="Andale Mono" charset="0"/>
-                <a:cs typeface="Andale Mono" charset="0"/>
-              </a:rPr>
-              <a:t>guessesMade</a:t>
-            </a:r>
-            <a:r>
-              <a:rPr lang="en-US" sz="1800" cap="none" dirty="0" smtClean="0">
-                <a:solidFill>
-                  <a:schemeClr val="tx1"/>
-                </a:solidFill>
-                <a:latin typeface="Andale Mono" charset="0"/>
-                <a:ea typeface="Andale Mono" charset="0"/>
-                <a:cs typeface="Andale Mono" charset="0"/>
-              </a:rPr>
-              <a:t> in range(0,</a:t>
-            </a:r>
-            <a:r>
-              <a:rPr lang="en-US" sz="1800" cap="none" dirty="0">
-                <a:solidFill>
-                  <a:srgbClr val="00B050"/>
-                </a:solidFill>
-                <a:latin typeface="Andale Mono" charset="0"/>
-                <a:ea typeface="Andale Mono" charset="0"/>
-                <a:cs typeface="Andale Mono" charset="0"/>
-              </a:rPr>
-              <a:t> </a:t>
-            </a:r>
-            <a:r>
-              <a:rPr lang="en-US" sz="1800" cap="none" dirty="0" err="1" smtClean="0">
-                <a:solidFill>
-                  <a:srgbClr val="00B050"/>
-                </a:solidFill>
-                <a:latin typeface="Andale Mono" charset="0"/>
-                <a:ea typeface="Andale Mono" charset="0"/>
-                <a:cs typeface="Andale Mono" charset="0"/>
-              </a:rPr>
-              <a:t>guessesAllowed</a:t>
-            </a:r>
-            <a:r>
-              <a:rPr lang="en-US" sz="1800" cap="none" dirty="0" smtClean="0">
-                <a:solidFill>
-                  <a:srgbClr val="00B050"/>
-                </a:solidFill>
-                <a:latin typeface="Andale Mono" charset="0"/>
-                <a:ea typeface="Andale Mono" charset="0"/>
-                <a:cs typeface="Andale Mono" charset="0"/>
-              </a:rPr>
-              <a:t>)</a:t>
-            </a:r>
-            <a:r>
-              <a:rPr lang="en-US" sz="1800" cap="none" dirty="0" smtClean="0">
-                <a:solidFill>
-                  <a:schemeClr val="tx1"/>
-                </a:solidFill>
-                <a:latin typeface="Andale Mono" charset="0"/>
-                <a:ea typeface="Andale Mono" charset="0"/>
-                <a:cs typeface="Andale Mono" charset="0"/>
-              </a:rPr>
-              <a:t> :</a:t>
-            </a:r>
-          </a:p>
-          <a:p>
-            <a:pPr marL="0" indent="0">
-              <a:buNone/>
-            </a:pPr>
-            <a:r>
-              <a:rPr lang="en-US" sz="1800" cap="none" dirty="0" smtClean="0">
-                <a:solidFill>
-                  <a:schemeClr val="tx1"/>
-                </a:solidFill>
-                <a:latin typeface="Andale Mono" charset="0"/>
-                <a:ea typeface="Andale Mono" charset="0"/>
-                <a:cs typeface="Andale Mono" charset="0"/>
-              </a:rPr>
-              <a:t>	while(</a:t>
-            </a:r>
-            <a:r>
-              <a:rPr lang="en-US" sz="1800" cap="none" dirty="0" smtClean="0">
-                <a:solidFill>
-                  <a:srgbClr val="00B050"/>
-                </a:solidFill>
-                <a:latin typeface="Andale Mono" charset="0"/>
-                <a:ea typeface="Andale Mono" charset="0"/>
-                <a:cs typeface="Andale Mono" charset="0"/>
-              </a:rPr>
-              <a:t>continue</a:t>
-            </a:r>
-            <a:r>
-              <a:rPr lang="en-US" sz="1800" cap="none" dirty="0" smtClean="0">
-                <a:solidFill>
-                  <a:schemeClr val="tx1"/>
-                </a:solidFill>
-                <a:latin typeface="Andale Mono" charset="0"/>
-                <a:ea typeface="Andale Mono" charset="0"/>
-                <a:cs typeface="Andale Mono" charset="0"/>
-              </a:rPr>
-              <a:t>):</a:t>
-            </a:r>
-          </a:p>
-          <a:p>
-            <a:pPr marL="0" indent="0">
-              <a:buNone/>
-            </a:pPr>
-            <a:r>
-              <a:rPr lang="en-US" sz="1800" cap="none" dirty="0" smtClean="0">
-                <a:solidFill>
-                  <a:schemeClr val="tx1"/>
-                </a:solidFill>
-                <a:latin typeface="Andale Mono" charset="0"/>
-                <a:ea typeface="Andale Mono" charset="0"/>
-                <a:cs typeface="Andale Mono" charset="0"/>
-              </a:rPr>
-              <a:t>		</a:t>
-            </a:r>
-            <a:r>
-              <a:rPr lang="en-US" sz="1800" cap="none" dirty="0" err="1" smtClean="0">
-                <a:solidFill>
-                  <a:srgbClr val="00B050"/>
-                </a:solidFill>
-                <a:latin typeface="Andale Mono" charset="0"/>
-                <a:ea typeface="Andale Mono" charset="0"/>
-                <a:cs typeface="Andale Mono" charset="0"/>
-              </a:rPr>
-              <a:t>userInput</a:t>
-            </a:r>
-            <a:r>
-              <a:rPr lang="en-US" sz="1800" cap="none" dirty="0" smtClean="0">
-                <a:solidFill>
-                  <a:srgbClr val="00B050"/>
-                </a:solidFill>
-                <a:latin typeface="Andale Mono" charset="0"/>
-                <a:ea typeface="Andale Mono" charset="0"/>
-                <a:cs typeface="Andale Mono" charset="0"/>
-              </a:rPr>
-              <a:t> </a:t>
-            </a:r>
-            <a:r>
-              <a:rPr lang="en-US" sz="1800" cap="none" dirty="0" smtClean="0">
-                <a:solidFill>
-                  <a:schemeClr val="tx1"/>
-                </a:solidFill>
-                <a:latin typeface="Andale Mono" charset="0"/>
-                <a:ea typeface="Andale Mono" charset="0"/>
-                <a:cs typeface="Andale Mono" charset="0"/>
-              </a:rPr>
-              <a:t>= </a:t>
-            </a:r>
-            <a:r>
-              <a:rPr lang="en-US" sz="1800" cap="none" dirty="0" err="1" smtClean="0">
-                <a:solidFill>
-                  <a:schemeClr val="tx1"/>
-                </a:solidFill>
-                <a:latin typeface="Andale Mono" charset="0"/>
-                <a:ea typeface="Andale Mono" charset="0"/>
-                <a:cs typeface="Andale Mono" charset="0"/>
-              </a:rPr>
-              <a:t>getString</a:t>
-            </a:r>
-            <a:r>
-              <a:rPr lang="en-US" sz="1800" cap="none" dirty="0" smtClean="0">
-                <a:solidFill>
-                  <a:schemeClr val="tx1"/>
-                </a:solidFill>
-                <a:latin typeface="Andale Mono" charset="0"/>
-                <a:ea typeface="Andale Mono" charset="0"/>
-                <a:cs typeface="Andale Mono" charset="0"/>
-              </a:rPr>
-              <a:t>(“Enter a character”)</a:t>
-            </a:r>
-            <a:endParaRPr lang="en-US" sz="1800" cap="none" dirty="0">
+            <a:r>
+              <a:rPr lang="en-US" sz="2400" cap="none" dirty="0">
+                <a:solidFill>
+                  <a:schemeClr val="tx1"/>
+                </a:solidFill>
+                <a:ea typeface="Andale Mono" charset="0"/>
+                <a:cs typeface="Andale Mono" charset="0"/>
+              </a:rPr>
+              <a:t>Use print to check logic and debug</a:t>
+            </a:r>
+            <a:endParaRPr lang="en-US" sz="2400" cap="none" dirty="0" smtClean="0">
               <a:solidFill>
                 <a:schemeClr val="tx1"/>
               </a:solidFill>
-              <a:latin typeface="Andale Mono" charset="0"/>
               <a:ea typeface="Andale Mono" charset="0"/>
               <a:cs typeface="Andale Mono" charset="0"/>
             </a:endParaRPr>
           </a:p>
           <a:p>
-            <a:pPr marL="0" indent="0">
-              <a:buNone/>
-            </a:pPr>
-            <a:r>
-              <a:rPr lang="en-US" sz="1800" cap="none" dirty="0" smtClean="0">
-                <a:solidFill>
-                  <a:schemeClr val="tx1"/>
-                </a:solidFill>
-                <a:latin typeface="Andale Mono" charset="0"/>
-                <a:ea typeface="Andale Mono" charset="0"/>
-                <a:cs typeface="Andale Mono" charset="0"/>
-              </a:rPr>
-              <a:t>		if (alpha and only one character):</a:t>
-            </a:r>
-          </a:p>
-          <a:p>
-            <a:pPr marL="0" indent="0">
-              <a:buNone/>
-            </a:pPr>
-            <a:r>
-              <a:rPr lang="en-US" sz="1800" cap="none" dirty="0">
-                <a:solidFill>
-                  <a:schemeClr val="tx1"/>
-                </a:solidFill>
-                <a:latin typeface="Andale Mono" charset="0"/>
-                <a:ea typeface="Andale Mono" charset="0"/>
-                <a:cs typeface="Andale Mono" charset="0"/>
-              </a:rPr>
-              <a:t>	</a:t>
-            </a:r>
-            <a:r>
-              <a:rPr lang="en-US" sz="1800" cap="none" dirty="0" smtClean="0">
-                <a:solidFill>
-                  <a:schemeClr val="tx1"/>
-                </a:solidFill>
-                <a:latin typeface="Andale Mono" charset="0"/>
-                <a:ea typeface="Andale Mono" charset="0"/>
-                <a:cs typeface="Andale Mono" charset="0"/>
-              </a:rPr>
-              <a:t>		do something (see part two)</a:t>
-            </a:r>
-          </a:p>
-          <a:p>
-            <a:pPr marL="0" indent="0">
-              <a:buNone/>
-            </a:pPr>
-            <a:r>
-              <a:rPr lang="en-US" sz="1800" cap="none" dirty="0">
-                <a:solidFill>
-                  <a:schemeClr val="tx1"/>
-                </a:solidFill>
-                <a:latin typeface="Andale Mono" charset="0"/>
-                <a:ea typeface="Andale Mono" charset="0"/>
-                <a:cs typeface="Andale Mono" charset="0"/>
-              </a:rPr>
-              <a:t>	</a:t>
-            </a:r>
-            <a:r>
-              <a:rPr lang="en-US" sz="1800" cap="none" dirty="0" smtClean="0">
-                <a:solidFill>
-                  <a:schemeClr val="tx1"/>
-                </a:solidFill>
-                <a:latin typeface="Andale Mono" charset="0"/>
-                <a:ea typeface="Andale Mono" charset="0"/>
-                <a:cs typeface="Andale Mono" charset="0"/>
-              </a:rPr>
-              <a:t>		</a:t>
-            </a:r>
-            <a:r>
-              <a:rPr lang="en-US" sz="1800" cap="none" dirty="0" smtClean="0">
-                <a:solidFill>
-                  <a:srgbClr val="00B050"/>
-                </a:solidFill>
-                <a:latin typeface="Andale Mono" charset="0"/>
-                <a:ea typeface="Andale Mono" charset="0"/>
-                <a:cs typeface="Andale Mono" charset="0"/>
-              </a:rPr>
-              <a:t>continue</a:t>
-            </a:r>
-            <a:r>
-              <a:rPr lang="en-US" sz="1800" cap="none" dirty="0" smtClean="0">
-                <a:solidFill>
-                  <a:schemeClr val="tx1"/>
-                </a:solidFill>
-                <a:latin typeface="Andale Mono" charset="0"/>
-                <a:ea typeface="Andale Mono" charset="0"/>
-                <a:cs typeface="Andale Mono" charset="0"/>
-              </a:rPr>
-              <a:t> = false</a:t>
-            </a:r>
-          </a:p>
-          <a:p>
-            <a:pPr marL="0" indent="0">
-              <a:buNone/>
-            </a:pPr>
-            <a:r>
-              <a:rPr lang="en-US" sz="1800" cap="none" dirty="0">
-                <a:solidFill>
-                  <a:schemeClr val="tx1"/>
-                </a:solidFill>
-                <a:latin typeface="Andale Mono" charset="0"/>
-                <a:ea typeface="Andale Mono" charset="0"/>
-                <a:cs typeface="Andale Mono" charset="0"/>
-              </a:rPr>
-              <a:t>	</a:t>
-            </a:r>
-            <a:r>
-              <a:rPr lang="en-US" sz="1800" cap="none" dirty="0" smtClean="0">
-                <a:solidFill>
-                  <a:schemeClr val="tx1"/>
-                </a:solidFill>
-                <a:latin typeface="Andale Mono" charset="0"/>
-                <a:ea typeface="Andale Mono" charset="0"/>
-                <a:cs typeface="Andale Mono" charset="0"/>
-              </a:rPr>
-              <a:t>	else:</a:t>
-            </a:r>
-          </a:p>
-          <a:p>
-            <a:pPr marL="0" indent="0">
-              <a:buNone/>
-            </a:pPr>
-            <a:r>
-              <a:rPr lang="en-US" sz="1800" cap="none" dirty="0">
-                <a:solidFill>
-                  <a:schemeClr val="tx1"/>
-                </a:solidFill>
-                <a:latin typeface="Andale Mono" charset="0"/>
-                <a:ea typeface="Andale Mono" charset="0"/>
-                <a:cs typeface="Andale Mono" charset="0"/>
-              </a:rPr>
-              <a:t>	</a:t>
-            </a:r>
-            <a:r>
-              <a:rPr lang="en-US" sz="1800" cap="none" dirty="0" smtClean="0">
-                <a:solidFill>
-                  <a:schemeClr val="tx1"/>
-                </a:solidFill>
-                <a:latin typeface="Andale Mono" charset="0"/>
-                <a:ea typeface="Andale Mono" charset="0"/>
-                <a:cs typeface="Andale Mono" charset="0"/>
-              </a:rPr>
-              <a:t>		print ‘Come on.  You can follow directions right?’</a:t>
-            </a:r>
+            <a:r>
+              <a:rPr lang="en-US" sz="2400" cap="none" dirty="0" smtClean="0">
+                <a:solidFill>
+                  <a:schemeClr val="tx1"/>
+                </a:solidFill>
+                <a:ea typeface="Andale Mono" charset="0"/>
+                <a:cs typeface="Andale Mono" charset="0"/>
+              </a:rPr>
+              <a:t>Create string </a:t>
+            </a:r>
+            <a:r>
+              <a:rPr lang="en-US" sz="2400" cap="none" dirty="0">
+                <a:solidFill>
+                  <a:schemeClr val="tx1"/>
+                </a:solidFill>
+                <a:ea typeface="Andale Mono" charset="0"/>
+                <a:cs typeface="Andale Mono" charset="0"/>
+              </a:rPr>
+              <a:t>of a certain length</a:t>
+            </a:r>
+          </a:p>
+          <a:p>
+            <a:r>
+              <a:rPr lang="en-US" sz="2400" cap="none" dirty="0" smtClean="0">
+                <a:solidFill>
+                  <a:schemeClr val="tx1"/>
+                </a:solidFill>
+                <a:ea typeface="Andale Mono" charset="0"/>
+                <a:cs typeface="Andale Mono" charset="0"/>
+              </a:rPr>
+              <a:t>Print </a:t>
+            </a:r>
+            <a:r>
+              <a:rPr lang="en-US" sz="2400" cap="none" dirty="0">
+                <a:solidFill>
+                  <a:schemeClr val="tx1"/>
+                </a:solidFill>
+                <a:ea typeface="Andale Mono" charset="0"/>
+                <a:cs typeface="Andale Mono" charset="0"/>
+              </a:rPr>
+              <a:t>spaces in </a:t>
+            </a:r>
+            <a:r>
+              <a:rPr lang="en-US" sz="2400" cap="none" dirty="0" smtClean="0">
+                <a:solidFill>
+                  <a:schemeClr val="tx1"/>
+                </a:solidFill>
+                <a:ea typeface="Andale Mono" charset="0"/>
+                <a:cs typeface="Andale Mono" charset="0"/>
+              </a:rPr>
+              <a:t>strings</a:t>
+            </a:r>
+          </a:p>
+          <a:p>
+            <a:r>
+              <a:rPr lang="en-US" sz="2400" cap="none" dirty="0" smtClean="0">
+                <a:solidFill>
+                  <a:schemeClr val="tx1"/>
+                </a:solidFill>
+                <a:ea typeface="Andale Mono" charset="0"/>
+                <a:cs typeface="Andale Mono" charset="0"/>
+              </a:rPr>
+              <a:t>Store guesses and how many</a:t>
+            </a:r>
+            <a:endParaRPr lang="en-US" sz="2400" cap="none" dirty="0">
+              <a:solidFill>
+                <a:schemeClr val="tx1"/>
+              </a:solidFill>
+              <a:ea typeface="Andale Mono" charset="0"/>
+              <a:cs typeface="Andale Mono" charset="0"/>
+            </a:endParaRPr>
+          </a:p>
+          <a:p>
+            <a:r>
+              <a:rPr lang="en-US" sz="2400" cap="none" dirty="0" smtClean="0">
+                <a:solidFill>
+                  <a:schemeClr val="tx1"/>
+                </a:solidFill>
+                <a:ea typeface="Andale Mono" charset="0"/>
+                <a:cs typeface="Andale Mono" charset="0"/>
+              </a:rPr>
+              <a:t>Tuple</a:t>
+            </a:r>
+            <a:endParaRPr lang="en-US" sz="2400" cap="none" dirty="0">
+              <a:solidFill>
+                <a:schemeClr val="tx1"/>
+              </a:solidFill>
+              <a:ea typeface="Andale Mono" charset="0"/>
+              <a:cs typeface="Andale Mono" charset="0"/>
+            </a:endParaRPr>
+          </a:p>
+          <a:p>
+            <a:pPr lvl="1"/>
+            <a:endParaRPr lang="en-US" sz="2800" dirty="0"/>
           </a:p>
         </p:txBody>
       </p:sp>
     </p:spTree>
     <p:extLst>
       <p:ext uri="{BB962C8B-B14F-4D97-AF65-F5344CB8AC3E}">
-        <p14:creationId xmlns:p14="http://schemas.microsoft.com/office/powerpoint/2010/main" val="1356719668"/>
+        <p14:creationId xmlns:p14="http://schemas.microsoft.com/office/powerpoint/2010/main" val="1614880678"/>
       </p:ext>
     </p:extLst>
   </p:cSld>
   <p:clrMapOvr>
     <a:masterClrMapping/>
   </p:clrMapOvr>
+  <p:timing>
+    <p:tnLst>
+      <p:par>
+        <p:cTn id="1" dur="indefinite" restart="never" nodeType="tmRoot"/>
+      </p:par>
+    </p:tnLst>
+  </p:timing>
 </p:sld>
 </file>
 
